--- a/PiHole.pptx
+++ b/PiHole.pptx
@@ -10,14 +10,16 @@
     <p:sldId id="258" r:id="rId4"/>
     <p:sldId id="262" r:id="rId5"/>
     <p:sldId id="259" r:id="rId6"/>
-    <p:sldId id="260" r:id="rId7"/>
-    <p:sldId id="263" r:id="rId8"/>
-    <p:sldId id="264" r:id="rId9"/>
-    <p:sldId id="265" r:id="rId10"/>
-    <p:sldId id="266" r:id="rId11"/>
-    <p:sldId id="267" r:id="rId12"/>
-    <p:sldId id="268" r:id="rId13"/>
-    <p:sldId id="261" r:id="rId14"/>
+    <p:sldId id="269" r:id="rId7"/>
+    <p:sldId id="270" r:id="rId8"/>
+    <p:sldId id="260" r:id="rId9"/>
+    <p:sldId id="263" r:id="rId10"/>
+    <p:sldId id="264" r:id="rId11"/>
+    <p:sldId id="265" r:id="rId12"/>
+    <p:sldId id="266" r:id="rId13"/>
+    <p:sldId id="267" r:id="rId14"/>
+    <p:sldId id="268" r:id="rId15"/>
+    <p:sldId id="261" r:id="rId16"/>
   </p:sldIdLst>
   <p:sldSz cx="12192000" cy="6858000"/>
   <p:notesSz cx="6858000" cy="9144000"/>
@@ -122,6 +124,329 @@
     </p:ext>
   </p:extLst>
 </p:presentation>
+</file>
+
+<file path=ppt/revisionInfo.xml><?xml version="1.0" encoding="utf-8"?>
+<p1510:revInfo xmlns:a="http://schemas.openxmlformats.org/drawingml/2006/main" xmlns:r="http://schemas.openxmlformats.org/officeDocument/2006/relationships" xmlns:p1510="http://schemas.microsoft.com/office/powerpoint/2015/10/main">
+  <p1510:revLst>
+    <p1510:client id="{847C804B-B892-456B-A343-0BE4FFE08708}" v="6" dt="2025-12-11T16:45:05.418"/>
+  </p1510:revLst>
+</p1510:revInfo>
+</file>
+
+<file path=ppt/changesInfos/changesInfo1.xml><?xml version="1.0" encoding="utf-8"?>
+<pc:chgInfo xmlns:a="http://schemas.openxmlformats.org/drawingml/2006/main" xmlns:r="http://schemas.openxmlformats.org/officeDocument/2006/relationships" xmlns:ac="http://schemas.microsoft.com/office/drawing/2013/main/command" xmlns:pc="http://schemas.microsoft.com/office/powerpoint/2013/main/command">
+  <pc:docChgLst>
+    <pc:chgData name="Fadwa Shalaby" userId="62e6d88fc2faf603" providerId="LiveId" clId="{A2F128E8-0067-4A3E-A68D-9B49A861D8E8}"/>
+    <pc:docChg chg="undo custSel addSld modSld">
+      <pc:chgData name="Fadwa Shalaby" userId="62e6d88fc2faf603" providerId="LiveId" clId="{A2F128E8-0067-4A3E-A68D-9B49A861D8E8}" dt="2025-12-11T16:45:11.922" v="297" actId="26606"/>
+      <pc:docMkLst>
+        <pc:docMk/>
+      </pc:docMkLst>
+      <pc:sldChg chg="addSp delSp modSp mod setBg">
+        <pc:chgData name="Fadwa Shalaby" userId="62e6d88fc2faf603" providerId="LiveId" clId="{A2F128E8-0067-4A3E-A68D-9B49A861D8E8}" dt="2025-12-11T16:40:06.548" v="254" actId="20577"/>
+        <pc:sldMkLst>
+          <pc:docMk/>
+          <pc:sldMk cId="1372101954" sldId="259"/>
+        </pc:sldMkLst>
+        <pc:spChg chg="mod">
+          <ac:chgData name="Fadwa Shalaby" userId="62e6d88fc2faf603" providerId="LiveId" clId="{A2F128E8-0067-4A3E-A68D-9B49A861D8E8}" dt="2025-12-11T16:35:25.455" v="7" actId="14100"/>
+          <ac:spMkLst>
+            <pc:docMk/>
+            <pc:sldMk cId="1372101954" sldId="259"/>
+            <ac:spMk id="2" creationId="{8BC5E62A-D2AD-A76E-EF38-D97A77791556}"/>
+          </ac:spMkLst>
+        </pc:spChg>
+        <pc:spChg chg="del">
+          <ac:chgData name="Fadwa Shalaby" userId="62e6d88fc2faf603" providerId="LiveId" clId="{A2F128E8-0067-4A3E-A68D-9B49A861D8E8}" dt="2025-12-11T16:34:22.085" v="0" actId="931"/>
+          <ac:spMkLst>
+            <pc:docMk/>
+            <pc:sldMk cId="1372101954" sldId="259"/>
+            <ac:spMk id="3" creationId="{8CD59C2A-29A5-2823-AB84-1BAD8219E7A4}"/>
+          </ac:spMkLst>
+        </pc:spChg>
+        <pc:spChg chg="add mod">
+          <ac:chgData name="Fadwa Shalaby" userId="62e6d88fc2faf603" providerId="LiveId" clId="{A2F128E8-0067-4A3E-A68D-9B49A861D8E8}" dt="2025-12-11T16:40:06.548" v="254" actId="20577"/>
+          <ac:spMkLst>
+            <pc:docMk/>
+            <pc:sldMk cId="1372101954" sldId="259"/>
+            <ac:spMk id="11" creationId="{90EB6C34-7A79-B396-2D02-684973240549}"/>
+          </ac:spMkLst>
+        </pc:spChg>
+        <pc:spChg chg="add">
+          <ac:chgData name="Fadwa Shalaby" userId="62e6d88fc2faf603" providerId="LiveId" clId="{A2F128E8-0067-4A3E-A68D-9B49A861D8E8}" dt="2025-12-11T16:34:47.846" v="6" actId="26606"/>
+          <ac:spMkLst>
+            <pc:docMk/>
+            <pc:sldMk cId="1372101954" sldId="259"/>
+            <ac:spMk id="14" creationId="{5FEC7A34-539B-4949-BC75-F49D5FFC93A2}"/>
+          </ac:spMkLst>
+        </pc:spChg>
+        <pc:picChg chg="add mod">
+          <ac:chgData name="Fadwa Shalaby" userId="62e6d88fc2faf603" providerId="LiveId" clId="{A2F128E8-0067-4A3E-A68D-9B49A861D8E8}" dt="2025-12-11T16:34:47.846" v="6" actId="26606"/>
+          <ac:picMkLst>
+            <pc:docMk/>
+            <pc:sldMk cId="1372101954" sldId="259"/>
+            <ac:picMk id="5" creationId="{1094EC78-05C5-6B5E-2CEF-2AFAB20B41DA}"/>
+          </ac:picMkLst>
+        </pc:picChg>
+        <pc:picChg chg="add mod">
+          <ac:chgData name="Fadwa Shalaby" userId="62e6d88fc2faf603" providerId="LiveId" clId="{A2F128E8-0067-4A3E-A68D-9B49A861D8E8}" dt="2025-12-11T16:34:47.846" v="6" actId="26606"/>
+          <ac:picMkLst>
+            <pc:docMk/>
+            <pc:sldMk cId="1372101954" sldId="259"/>
+            <ac:picMk id="7" creationId="{F9371925-F6F5-93B1-9A9A-95EF59B727F6}"/>
+          </ac:picMkLst>
+        </pc:picChg>
+        <pc:cxnChg chg="add">
+          <ac:chgData name="Fadwa Shalaby" userId="62e6d88fc2faf603" providerId="LiveId" clId="{A2F128E8-0067-4A3E-A68D-9B49A861D8E8}" dt="2025-12-11T16:34:47.846" v="6" actId="26606"/>
+          <ac:cxnSpMkLst>
+            <pc:docMk/>
+            <pc:sldMk cId="1372101954" sldId="259"/>
+            <ac:cxnSpMk id="16" creationId="{CA4B2C18-146D-48F9-BB98-D4E4D70A5A79}"/>
+          </ac:cxnSpMkLst>
+        </pc:cxnChg>
+        <pc:cxnChg chg="add">
+          <ac:chgData name="Fadwa Shalaby" userId="62e6d88fc2faf603" providerId="LiveId" clId="{A2F128E8-0067-4A3E-A68D-9B49A861D8E8}" dt="2025-12-11T16:34:47.846" v="6" actId="26606"/>
+          <ac:cxnSpMkLst>
+            <pc:docMk/>
+            <pc:sldMk cId="1372101954" sldId="259"/>
+            <ac:cxnSpMk id="18" creationId="{E51784B1-4DE1-43A3-95B9-A0EB6529F0B9}"/>
+          </ac:cxnSpMkLst>
+        </pc:cxnChg>
+      </pc:sldChg>
+      <pc:sldChg chg="addSp delSp modSp add mod">
+        <pc:chgData name="Fadwa Shalaby" userId="62e6d88fc2faf603" providerId="LiveId" clId="{A2F128E8-0067-4A3E-A68D-9B49A861D8E8}" dt="2025-12-11T16:42:38.979" v="287" actId="1076"/>
+        <pc:sldMkLst>
+          <pc:docMk/>
+          <pc:sldMk cId="1862995980" sldId="269"/>
+        </pc:sldMkLst>
+        <pc:spChg chg="mod">
+          <ac:chgData name="Fadwa Shalaby" userId="62e6d88fc2faf603" providerId="LiveId" clId="{A2F128E8-0067-4A3E-A68D-9B49A861D8E8}" dt="2025-12-11T16:41:55.250" v="280" actId="26606"/>
+          <ac:spMkLst>
+            <pc:docMk/>
+            <pc:sldMk cId="1862995980" sldId="269"/>
+            <ac:spMk id="2" creationId="{B70B8EC1-9F38-2BD4-67DE-B738C5A739D7}"/>
+          </ac:spMkLst>
+        </pc:spChg>
+        <pc:spChg chg="mod ord">
+          <ac:chgData name="Fadwa Shalaby" userId="62e6d88fc2faf603" providerId="LiveId" clId="{A2F128E8-0067-4A3E-A68D-9B49A861D8E8}" dt="2025-12-11T16:41:55.250" v="280" actId="26606"/>
+          <ac:spMkLst>
+            <pc:docMk/>
+            <pc:sldMk cId="1862995980" sldId="269"/>
+            <ac:spMk id="11" creationId="{B0F0F6DF-0780-E247-1DB3-48E1F3AB2BC8}"/>
+          </ac:spMkLst>
+        </pc:spChg>
+        <pc:spChg chg="add del">
+          <ac:chgData name="Fadwa Shalaby" userId="62e6d88fc2faf603" providerId="LiveId" clId="{A2F128E8-0067-4A3E-A68D-9B49A861D8E8}" dt="2025-12-11T16:41:55.250" v="280" actId="26606"/>
+          <ac:spMkLst>
+            <pc:docMk/>
+            <pc:sldMk cId="1862995980" sldId="269"/>
+            <ac:spMk id="14" creationId="{471E1F95-05AA-868F-C727-9F6F1FD38F4F}"/>
+          </ac:spMkLst>
+        </pc:spChg>
+        <pc:spChg chg="add">
+          <ac:chgData name="Fadwa Shalaby" userId="62e6d88fc2faf603" providerId="LiveId" clId="{A2F128E8-0067-4A3E-A68D-9B49A861D8E8}" dt="2025-12-11T16:41:55.250" v="280" actId="26606"/>
+          <ac:spMkLst>
+            <pc:docMk/>
+            <pc:sldMk cId="1862995980" sldId="269"/>
+            <ac:spMk id="20" creationId="{660EB578-C970-4186-B93C-45851BBC6E34}"/>
+          </ac:spMkLst>
+        </pc:spChg>
+        <pc:spChg chg="add del">
+          <ac:chgData name="Fadwa Shalaby" userId="62e6d88fc2faf603" providerId="LiveId" clId="{A2F128E8-0067-4A3E-A68D-9B49A861D8E8}" dt="2025-12-11T16:40:58.914" v="269" actId="26606"/>
+          <ac:spMkLst>
+            <pc:docMk/>
+            <pc:sldMk cId="1862995980" sldId="269"/>
+            <ac:spMk id="23" creationId="{660EB578-C970-4186-B93C-45851BBC6E34}"/>
+          </ac:spMkLst>
+        </pc:spChg>
+        <pc:picChg chg="add mod ord">
+          <ac:chgData name="Fadwa Shalaby" userId="62e6d88fc2faf603" providerId="LiveId" clId="{A2F128E8-0067-4A3E-A68D-9B49A861D8E8}" dt="2025-12-11T16:42:10.819" v="282" actId="1076"/>
+          <ac:picMkLst>
+            <pc:docMk/>
+            <pc:sldMk cId="1862995980" sldId="269"/>
+            <ac:picMk id="4" creationId="{D8BA29EF-3FEE-C0D9-1465-DA84A4A1DB00}"/>
+          </ac:picMkLst>
+        </pc:picChg>
+        <pc:picChg chg="del">
+          <ac:chgData name="Fadwa Shalaby" userId="62e6d88fc2faf603" providerId="LiveId" clId="{A2F128E8-0067-4A3E-A68D-9B49A861D8E8}" dt="2025-12-11T16:40:18.956" v="256" actId="478"/>
+          <ac:picMkLst>
+            <pc:docMk/>
+            <pc:sldMk cId="1862995980" sldId="269"/>
+            <ac:picMk id="5" creationId="{3AB05487-E379-76D5-978B-FD92CD69860C}"/>
+          </ac:picMkLst>
+        </pc:picChg>
+        <pc:picChg chg="del">
+          <ac:chgData name="Fadwa Shalaby" userId="62e6d88fc2faf603" providerId="LiveId" clId="{A2F128E8-0067-4A3E-A68D-9B49A861D8E8}" dt="2025-12-11T16:40:20.122" v="257" actId="478"/>
+          <ac:picMkLst>
+            <pc:docMk/>
+            <pc:sldMk cId="1862995980" sldId="269"/>
+            <ac:picMk id="7" creationId="{A4E75089-05B0-8AB0-538B-142AF774166A}"/>
+          </ac:picMkLst>
+        </pc:picChg>
+        <pc:picChg chg="add mod">
+          <ac:chgData name="Fadwa Shalaby" userId="62e6d88fc2faf603" providerId="LiveId" clId="{A2F128E8-0067-4A3E-A68D-9B49A861D8E8}" dt="2025-12-11T16:42:38.979" v="287" actId="1076"/>
+          <ac:picMkLst>
+            <pc:docMk/>
+            <pc:sldMk cId="1862995980" sldId="269"/>
+            <ac:picMk id="8" creationId="{D5BC40D0-8DFB-3F92-F894-95FDE0156849}"/>
+          </ac:picMkLst>
+        </pc:picChg>
+        <pc:cxnChg chg="add del">
+          <ac:chgData name="Fadwa Shalaby" userId="62e6d88fc2faf603" providerId="LiveId" clId="{A2F128E8-0067-4A3E-A68D-9B49A861D8E8}" dt="2025-12-11T16:41:55.250" v="280" actId="26606"/>
+          <ac:cxnSpMkLst>
+            <pc:docMk/>
+            <pc:sldMk cId="1862995980" sldId="269"/>
+            <ac:cxnSpMk id="16" creationId="{B2C5E484-E347-9D38-842F-A90B57A66C6E}"/>
+          </ac:cxnSpMkLst>
+        </pc:cxnChg>
+        <pc:cxnChg chg="add del">
+          <ac:chgData name="Fadwa Shalaby" userId="62e6d88fc2faf603" providerId="LiveId" clId="{A2F128E8-0067-4A3E-A68D-9B49A861D8E8}" dt="2025-12-11T16:41:55.250" v="280" actId="26606"/>
+          <ac:cxnSpMkLst>
+            <pc:docMk/>
+            <pc:sldMk cId="1862995980" sldId="269"/>
+            <ac:cxnSpMk id="18" creationId="{925B1911-8E86-85CF-95FA-74E780BAA27E}"/>
+          </ac:cxnSpMkLst>
+        </pc:cxnChg>
+        <pc:cxnChg chg="add">
+          <ac:chgData name="Fadwa Shalaby" userId="62e6d88fc2faf603" providerId="LiveId" clId="{A2F128E8-0067-4A3E-A68D-9B49A861D8E8}" dt="2025-12-11T16:41:55.250" v="280" actId="26606"/>
+          <ac:cxnSpMkLst>
+            <pc:docMk/>
+            <pc:sldMk cId="1862995980" sldId="269"/>
+            <ac:cxnSpMk id="21" creationId="{D57D541F-8B1D-4D6A-969A-B9D7473AD983}"/>
+          </ac:cxnSpMkLst>
+        </pc:cxnChg>
+        <pc:cxnChg chg="add">
+          <ac:chgData name="Fadwa Shalaby" userId="62e6d88fc2faf603" providerId="LiveId" clId="{A2F128E8-0067-4A3E-A68D-9B49A861D8E8}" dt="2025-12-11T16:41:55.250" v="280" actId="26606"/>
+          <ac:cxnSpMkLst>
+            <pc:docMk/>
+            <pc:sldMk cId="1862995980" sldId="269"/>
+            <ac:cxnSpMk id="22" creationId="{E6523A9E-CB4E-4FB6-AF68-C947B5086446}"/>
+          </ac:cxnSpMkLst>
+        </pc:cxnChg>
+        <pc:cxnChg chg="add del">
+          <ac:chgData name="Fadwa Shalaby" userId="62e6d88fc2faf603" providerId="LiveId" clId="{A2F128E8-0067-4A3E-A68D-9B49A861D8E8}" dt="2025-12-11T16:40:58.914" v="269" actId="26606"/>
+          <ac:cxnSpMkLst>
+            <pc:docMk/>
+            <pc:sldMk cId="1862995980" sldId="269"/>
+            <ac:cxnSpMk id="25" creationId="{D57D541F-8B1D-4D6A-969A-B9D7473AD983}"/>
+          </ac:cxnSpMkLst>
+        </pc:cxnChg>
+        <pc:cxnChg chg="add del">
+          <ac:chgData name="Fadwa Shalaby" userId="62e6d88fc2faf603" providerId="LiveId" clId="{A2F128E8-0067-4A3E-A68D-9B49A861D8E8}" dt="2025-12-11T16:40:58.914" v="269" actId="26606"/>
+          <ac:cxnSpMkLst>
+            <pc:docMk/>
+            <pc:sldMk cId="1862995980" sldId="269"/>
+            <ac:cxnSpMk id="27" creationId="{E6523A9E-CB4E-4FB6-AF68-C947B5086446}"/>
+          </ac:cxnSpMkLst>
+        </pc:cxnChg>
+      </pc:sldChg>
+      <pc:sldChg chg="addSp delSp modSp add mod">
+        <pc:chgData name="Fadwa Shalaby" userId="62e6d88fc2faf603" providerId="LiveId" clId="{A2F128E8-0067-4A3E-A68D-9B49A861D8E8}" dt="2025-12-11T16:45:11.922" v="297" actId="26606"/>
+        <pc:sldMkLst>
+          <pc:docMk/>
+          <pc:sldMk cId="3776535828" sldId="270"/>
+        </pc:sldMkLst>
+        <pc:spChg chg="mod">
+          <ac:chgData name="Fadwa Shalaby" userId="62e6d88fc2faf603" providerId="LiveId" clId="{A2F128E8-0067-4A3E-A68D-9B49A861D8E8}" dt="2025-12-11T16:45:11.922" v="297" actId="26606"/>
+          <ac:spMkLst>
+            <pc:docMk/>
+            <pc:sldMk cId="3776535828" sldId="270"/>
+            <ac:spMk id="2" creationId="{F7D55ED8-E92B-E529-47C8-EB4C28956E75}"/>
+          </ac:spMkLst>
+        </pc:spChg>
+        <pc:spChg chg="mod ord">
+          <ac:chgData name="Fadwa Shalaby" userId="62e6d88fc2faf603" providerId="LiveId" clId="{A2F128E8-0067-4A3E-A68D-9B49A861D8E8}" dt="2025-12-11T16:45:11.922" v="297" actId="26606"/>
+          <ac:spMkLst>
+            <pc:docMk/>
+            <pc:sldMk cId="3776535828" sldId="270"/>
+            <ac:spMk id="11" creationId="{BFEA4B62-D72F-61F7-9E5B-CB77702794AF}"/>
+          </ac:spMkLst>
+        </pc:spChg>
+        <pc:spChg chg="del">
+          <ac:chgData name="Fadwa Shalaby" userId="62e6d88fc2faf603" providerId="LiveId" clId="{A2F128E8-0067-4A3E-A68D-9B49A861D8E8}" dt="2025-12-11T16:45:11.922" v="297" actId="26606"/>
+          <ac:spMkLst>
+            <pc:docMk/>
+            <pc:sldMk cId="3776535828" sldId="270"/>
+            <ac:spMk id="20" creationId="{8170F7BB-1DBF-87B4-4284-A02153FE0EE1}"/>
+          </ac:spMkLst>
+        </pc:spChg>
+        <pc:spChg chg="add">
+          <ac:chgData name="Fadwa Shalaby" userId="62e6d88fc2faf603" providerId="LiveId" clId="{A2F128E8-0067-4A3E-A68D-9B49A861D8E8}" dt="2025-12-11T16:45:11.922" v="297" actId="26606"/>
+          <ac:spMkLst>
+            <pc:docMk/>
+            <pc:sldMk cId="3776535828" sldId="270"/>
+            <ac:spMk id="27" creationId="{5FEC7A34-539B-4949-BC75-F49D5FFC93A2}"/>
+          </ac:spMkLst>
+        </pc:spChg>
+        <pc:picChg chg="del">
+          <ac:chgData name="Fadwa Shalaby" userId="62e6d88fc2faf603" providerId="LiveId" clId="{A2F128E8-0067-4A3E-A68D-9B49A861D8E8}" dt="2025-12-11T16:44:04.952" v="289" actId="478"/>
+          <ac:picMkLst>
+            <pc:docMk/>
+            <pc:sldMk cId="3776535828" sldId="270"/>
+            <ac:picMk id="4" creationId="{65410068-2266-73A4-F9A5-58952E818029}"/>
+          </ac:picMkLst>
+        </pc:picChg>
+        <pc:picChg chg="add mod ord">
+          <ac:chgData name="Fadwa Shalaby" userId="62e6d88fc2faf603" providerId="LiveId" clId="{A2F128E8-0067-4A3E-A68D-9B49A861D8E8}" dt="2025-12-11T16:45:11.922" v="297" actId="26606"/>
+          <ac:picMkLst>
+            <pc:docMk/>
+            <pc:sldMk cId="3776535828" sldId="270"/>
+            <ac:picMk id="5" creationId="{1F3B055D-E29C-E6A1-7D24-154D3DD1B423}"/>
+          </ac:picMkLst>
+        </pc:picChg>
+        <pc:picChg chg="add mod">
+          <ac:chgData name="Fadwa Shalaby" userId="62e6d88fc2faf603" providerId="LiveId" clId="{A2F128E8-0067-4A3E-A68D-9B49A861D8E8}" dt="2025-12-11T16:45:11.922" v="297" actId="26606"/>
+          <ac:picMkLst>
+            <pc:docMk/>
+            <pc:sldMk cId="3776535828" sldId="270"/>
+            <ac:picMk id="7" creationId="{3095D226-EEE1-7890-130E-CC060385A8C2}"/>
+          </ac:picMkLst>
+        </pc:picChg>
+        <pc:picChg chg="del">
+          <ac:chgData name="Fadwa Shalaby" userId="62e6d88fc2faf603" providerId="LiveId" clId="{A2F128E8-0067-4A3E-A68D-9B49A861D8E8}" dt="2025-12-11T16:44:05.788" v="290" actId="478"/>
+          <ac:picMkLst>
+            <pc:docMk/>
+            <pc:sldMk cId="3776535828" sldId="270"/>
+            <ac:picMk id="8" creationId="{BBE76C0C-4487-01C5-A6B4-3BFFD31C4E02}"/>
+          </ac:picMkLst>
+        </pc:picChg>
+        <pc:cxnChg chg="del">
+          <ac:chgData name="Fadwa Shalaby" userId="62e6d88fc2faf603" providerId="LiveId" clId="{A2F128E8-0067-4A3E-A68D-9B49A861D8E8}" dt="2025-12-11T16:45:11.922" v="297" actId="26606"/>
+          <ac:cxnSpMkLst>
+            <pc:docMk/>
+            <pc:sldMk cId="3776535828" sldId="270"/>
+            <ac:cxnSpMk id="21" creationId="{9E9D312D-922B-96A0-BA75-8AF82DBDD1C2}"/>
+          </ac:cxnSpMkLst>
+        </pc:cxnChg>
+        <pc:cxnChg chg="del">
+          <ac:chgData name="Fadwa Shalaby" userId="62e6d88fc2faf603" providerId="LiveId" clId="{A2F128E8-0067-4A3E-A68D-9B49A861D8E8}" dt="2025-12-11T16:45:11.922" v="297" actId="26606"/>
+          <ac:cxnSpMkLst>
+            <pc:docMk/>
+            <pc:sldMk cId="3776535828" sldId="270"/>
+            <ac:cxnSpMk id="22" creationId="{9C5086E6-105E-7379-EA43-8C285109EF59}"/>
+          </ac:cxnSpMkLst>
+        </pc:cxnChg>
+        <pc:cxnChg chg="add">
+          <ac:chgData name="Fadwa Shalaby" userId="62e6d88fc2faf603" providerId="LiveId" clId="{A2F128E8-0067-4A3E-A68D-9B49A861D8E8}" dt="2025-12-11T16:45:11.922" v="297" actId="26606"/>
+          <ac:cxnSpMkLst>
+            <pc:docMk/>
+            <pc:sldMk cId="3776535828" sldId="270"/>
+            <ac:cxnSpMk id="29" creationId="{CA4B2C18-146D-48F9-BB98-D4E4D70A5A79}"/>
+          </ac:cxnSpMkLst>
+        </pc:cxnChg>
+        <pc:cxnChg chg="add">
+          <ac:chgData name="Fadwa Shalaby" userId="62e6d88fc2faf603" providerId="LiveId" clId="{A2F128E8-0067-4A3E-A68D-9B49A861D8E8}" dt="2025-12-11T16:45:11.922" v="297" actId="26606"/>
+          <ac:cxnSpMkLst>
+            <pc:docMk/>
+            <pc:sldMk cId="3776535828" sldId="270"/>
+            <ac:cxnSpMk id="31" creationId="{E51784B1-4DE1-43A3-95B9-A0EB6529F0B9}"/>
+          </ac:cxnSpMkLst>
+        </pc:cxnChg>
+      </pc:sldChg>
+    </pc:docChg>
+  </pc:docChgLst>
+</pc:chgInfo>
 </file>
 
 <file path=ppt/diagrams/colors1.xml><?xml version="1.0" encoding="utf-8"?>
@@ -12750,7 +13075,7 @@
           <a:p>
             <a:fld id="{D1D1EADE-8E88-4C7C-8AC5-FB148DE4940E}" type="datetime1">
               <a:rPr lang="en-US" smtClean="0"/>
-              <a:t>12/10/2025</a:t>
+              <a:t>12/11/2025</a:t>
             </a:fld>
             <a:endParaRPr lang="en-US"/>
           </a:p>
@@ -12950,7 +13275,7 @@
           <a:p>
             <a:fld id="{EC3C8B9C-477D-492A-96AD-1FC2CC997A73}" type="datetime1">
               <a:rPr lang="en-US" smtClean="0"/>
-              <a:t>12/10/2025</a:t>
+              <a:t>12/11/2025</a:t>
             </a:fld>
             <a:endParaRPr lang="en-US"/>
           </a:p>
@@ -13160,7 +13485,7 @@
           <a:p>
             <a:fld id="{42D3AED5-E26D-4E29-B1B3-7847B6779594}" type="datetime1">
               <a:rPr lang="en-US" smtClean="0"/>
-              <a:t>12/10/2025</a:t>
+              <a:t>12/11/2025</a:t>
             </a:fld>
             <a:endParaRPr lang="en-US"/>
           </a:p>
@@ -13360,7 +13685,7 @@
           <a:p>
             <a:fld id="{157B6794-849E-4626-908B-D15793550EFB}" type="datetime1">
               <a:rPr lang="en-US" smtClean="0"/>
-              <a:t>12/10/2025</a:t>
+              <a:t>12/11/2025</a:t>
             </a:fld>
             <a:endParaRPr lang="en-US"/>
           </a:p>
@@ -13636,7 +13961,7 @@
           <a:p>
             <a:fld id="{63DB64E7-5594-42A3-ADBF-E95A7ACEAD64}" type="datetime1">
               <a:rPr lang="en-US" smtClean="0"/>
-              <a:t>12/10/2025</a:t>
+              <a:t>12/11/2025</a:t>
             </a:fld>
             <a:endParaRPr lang="en-US"/>
           </a:p>
@@ -13909,7 +14234,7 @@
           <a:p>
             <a:fld id="{18462B0B-D248-4FFB-8695-AD7FA4B1284A}" type="datetime1">
               <a:rPr lang="en-US" smtClean="0"/>
-              <a:t>12/10/2025</a:t>
+              <a:t>12/11/2025</a:t>
             </a:fld>
             <a:endParaRPr lang="en-US"/>
           </a:p>
@@ -14332,7 +14657,7 @@
           <a:p>
             <a:fld id="{D0378EFB-9159-4510-B73F-4F0409ADE937}" type="datetime1">
               <a:rPr lang="en-US" smtClean="0"/>
-              <a:t>12/10/2025</a:t>
+              <a:t>12/11/2025</a:t>
             </a:fld>
             <a:endParaRPr lang="en-US"/>
           </a:p>
@@ -14474,7 +14799,7 @@
           <a:p>
             <a:fld id="{89BC9412-2452-4BED-A324-9D8C115361AD}" type="datetime1">
               <a:rPr lang="en-US" smtClean="0"/>
-              <a:t>12/10/2025</a:t>
+              <a:t>12/11/2025</a:t>
             </a:fld>
             <a:endParaRPr lang="en-US"/>
           </a:p>
@@ -14587,7 +14912,7 @@
           <a:p>
             <a:fld id="{F5318F62-D251-40E8-A23C-F4CFE9FEAB41}" type="datetime1">
               <a:rPr lang="en-US" smtClean="0"/>
-              <a:t>12/10/2025</a:t>
+              <a:t>12/11/2025</a:t>
             </a:fld>
             <a:endParaRPr lang="en-US"/>
           </a:p>
@@ -14900,7 +15225,7 @@
           <a:p>
             <a:fld id="{44F76144-149E-4874-93A5-554A0357CF82}" type="datetime1">
               <a:rPr lang="en-US" smtClean="0"/>
-              <a:t>12/10/2025</a:t>
+              <a:t>12/11/2025</a:t>
             </a:fld>
             <a:endParaRPr lang="en-US"/>
           </a:p>
@@ -15193,7 +15518,7 @@
           <a:p>
             <a:fld id="{50BA65D8-0540-4835-AE5C-25D29DBA01BE}" type="datetime1">
               <a:rPr lang="en-US" smtClean="0"/>
-              <a:t>12/10/2025</a:t>
+              <a:t>12/11/2025</a:t>
             </a:fld>
             <a:endParaRPr lang="en-US"/>
           </a:p>
@@ -15435,7 +15760,7 @@
           <a:p>
             <a:fld id="{E31BA835-12AC-4E8F-955A-EA3F4DE2791F}" type="datetime1">
               <a:rPr lang="en-US" smtClean="0"/>
-              <a:t>12/10/2025</a:t>
+              <a:t>12/11/2025</a:t>
             </a:fld>
             <a:endParaRPr lang="en-US"/>
           </a:p>
@@ -16246,6 +16571,1277 @@
         <p:cNvPr id="1" name="">
           <a:extLst>
             <a:ext uri="{FF2B5EF4-FFF2-40B4-BE49-F238E27FC236}">
+              <a16:creationId xmlns:a16="http://schemas.microsoft.com/office/drawing/2014/main" id="{6B3CDA5F-7AB4-B64C-40B9-D988B1A19329}"/>
+            </a:ext>
+          </a:extLst>
+        </p:cNvPr>
+        <p:cNvGrpSpPr/>
+        <p:nvPr/>
+      </p:nvGrpSpPr>
+      <p:grpSpPr>
+        <a:xfrm>
+          <a:off x="0" y="0"/>
+          <a:ext cx="0" cy="0"/>
+          <a:chOff x="0" y="0"/>
+          <a:chExt cx="0" cy="0"/>
+        </a:xfrm>
+      </p:grpSpPr>
+      <p:sp>
+        <p:nvSpPr>
+          <p:cNvPr id="2" name="Title 1">
+            <a:extLst>
+              <a:ext uri="{FF2B5EF4-FFF2-40B4-BE49-F238E27FC236}">
+                <a16:creationId xmlns:a16="http://schemas.microsoft.com/office/drawing/2014/main" id="{DB5A615C-EEC2-73BE-3EDA-89C327A50584}"/>
+              </a:ext>
+            </a:extLst>
+          </p:cNvPr>
+          <p:cNvSpPr>
+            <a:spLocks noGrp="1"/>
+          </p:cNvSpPr>
+          <p:nvPr>
+            <p:ph type="title"/>
+          </p:nvPr>
+        </p:nvSpPr>
+        <p:spPr>
+          <a:xfrm>
+            <a:off x="700635" y="914400"/>
+            <a:ext cx="10691265" cy="704538"/>
+          </a:xfrm>
+          <a:gradFill flip="none" rotWithShape="1">
+            <a:gsLst>
+              <a:gs pos="0">
+                <a:srgbClr val="F279A8">
+                  <a:tint val="66000"/>
+                  <a:satMod val="160000"/>
+                </a:srgbClr>
+              </a:gs>
+              <a:gs pos="50000">
+                <a:srgbClr val="F279A8">
+                  <a:tint val="44500"/>
+                  <a:satMod val="160000"/>
+                </a:srgbClr>
+              </a:gs>
+              <a:gs pos="100000">
+                <a:srgbClr val="F279A8">
+                  <a:tint val="23500"/>
+                  <a:satMod val="160000"/>
+                </a:srgbClr>
+              </a:gs>
+            </a:gsLst>
+            <a:lin ang="18900000" scaled="1"/>
+            <a:tileRect/>
+          </a:gradFill>
+        </p:spPr>
+        <p:txBody>
+          <a:bodyPr/>
+          <a:lstStyle/>
+          <a:p>
+            <a:r>
+              <a:rPr lang="en-CA">
+                <a:solidFill>
+                  <a:schemeClr val="bg1"/>
+                </a:solidFill>
+              </a:rPr>
+              <a:t>Setup – Static Ip</a:t>
+            </a:r>
+            <a:endParaRPr lang="en-CA" dirty="0">
+              <a:solidFill>
+                <a:schemeClr val="bg1"/>
+              </a:solidFill>
+            </a:endParaRPr>
+          </a:p>
+        </p:txBody>
+      </p:sp>
+      <p:sp>
+        <p:nvSpPr>
+          <p:cNvPr id="3" name="Content Placeholder 2">
+            <a:extLst>
+              <a:ext uri="{FF2B5EF4-FFF2-40B4-BE49-F238E27FC236}">
+                <a16:creationId xmlns:a16="http://schemas.microsoft.com/office/drawing/2014/main" id="{3C721D68-7F4B-5CE3-0421-F22C9AEA6514}"/>
+              </a:ext>
+            </a:extLst>
+          </p:cNvPr>
+          <p:cNvSpPr>
+            <a:spLocks noGrp="1"/>
+          </p:cNvSpPr>
+          <p:nvPr>
+            <p:ph idx="1"/>
+          </p:nvPr>
+        </p:nvSpPr>
+        <p:spPr>
+          <a:xfrm>
+            <a:off x="700635" y="1963711"/>
+            <a:ext cx="10691265" cy="3372787"/>
+          </a:xfrm>
+        </p:spPr>
+        <p:txBody>
+          <a:bodyPr/>
+          <a:lstStyle/>
+          <a:p>
+            <a:r>
+              <a:rPr lang="en-CA" dirty="0">
+                <a:solidFill>
+                  <a:srgbClr val="339966"/>
+                </a:solidFill>
+              </a:rPr>
+              <a:t>What is a static IP?</a:t>
+            </a:r>
+          </a:p>
+          <a:p>
+            <a:pPr lvl="1"/>
+            <a:r>
+              <a:rPr lang="en-CA" dirty="0">
+                <a:solidFill>
+                  <a:srgbClr val="339966"/>
+                </a:solidFill>
+              </a:rPr>
+              <a:t>Fixed internet protocol address used to maintain the same address whenever it’s connected to the internet.</a:t>
+            </a:r>
+          </a:p>
+          <a:p>
+            <a:r>
+              <a:rPr lang="en-CA" dirty="0">
+                <a:solidFill>
+                  <a:srgbClr val="339966"/>
+                </a:solidFill>
+              </a:rPr>
+              <a:t>What is DHCP?</a:t>
+            </a:r>
+          </a:p>
+          <a:p>
+            <a:pPr lvl="1"/>
+            <a:r>
+              <a:rPr lang="en-CA" dirty="0">
+                <a:solidFill>
+                  <a:srgbClr val="339966"/>
+                </a:solidFill>
+              </a:rPr>
+              <a:t>Protocol in a local network that, when plugged to a device, automatically gives an IP address.</a:t>
+            </a:r>
+          </a:p>
+          <a:p>
+            <a:r>
+              <a:rPr lang="en-CA" dirty="0">
+                <a:solidFill>
+                  <a:srgbClr val="339966"/>
+                </a:solidFill>
+              </a:rPr>
+              <a:t>Correlation:</a:t>
+            </a:r>
+          </a:p>
+          <a:p>
+            <a:pPr lvl="1"/>
+            <a:r>
+              <a:rPr lang="en-CA" dirty="0">
+                <a:solidFill>
+                  <a:srgbClr val="339966"/>
+                </a:solidFill>
+              </a:rPr>
+              <a:t>We use DHCP reservation so Pi-Hole always has the same static IP. DCHP normally assigns dynamic Ips, but since Pi-Hole requires a fixed Ip, we use a DHCP reservation to make its IP static.</a:t>
+            </a:r>
+          </a:p>
+        </p:txBody>
+      </p:sp>
+      <p:sp>
+        <p:nvSpPr>
+          <p:cNvPr id="4" name="Title 1">
+            <a:extLst>
+              <a:ext uri="{FF2B5EF4-FFF2-40B4-BE49-F238E27FC236}">
+                <a16:creationId xmlns:a16="http://schemas.microsoft.com/office/drawing/2014/main" id="{BD2B3463-BF8E-3A3D-7625-610E05979F50}"/>
+              </a:ext>
+            </a:extLst>
+          </p:cNvPr>
+          <p:cNvSpPr txBox="1">
+            <a:spLocks/>
+          </p:cNvSpPr>
+          <p:nvPr/>
+        </p:nvSpPr>
+        <p:spPr>
+          <a:xfrm rot="10800000">
+            <a:off x="750367" y="5591331"/>
+            <a:ext cx="10691265" cy="704538"/>
+          </a:xfrm>
+          <a:prstGeom prst="rect">
+            <a:avLst/>
+          </a:prstGeom>
+          <a:gradFill flip="none" rotWithShape="1">
+            <a:gsLst>
+              <a:gs pos="0">
+                <a:srgbClr val="F279A8">
+                  <a:tint val="66000"/>
+                  <a:satMod val="160000"/>
+                </a:srgbClr>
+              </a:gs>
+              <a:gs pos="50000">
+                <a:srgbClr val="F279A8">
+                  <a:tint val="44500"/>
+                  <a:satMod val="160000"/>
+                </a:srgbClr>
+              </a:gs>
+              <a:gs pos="100000">
+                <a:srgbClr val="F279A8">
+                  <a:tint val="23500"/>
+                  <a:satMod val="160000"/>
+                </a:srgbClr>
+              </a:gs>
+            </a:gsLst>
+            <a:lin ang="13500000" scaled="1"/>
+            <a:tileRect/>
+          </a:gradFill>
+        </p:spPr>
+        <p:txBody>
+          <a:bodyPr vert="horz" lIns="91440" tIns="45720" rIns="91440" bIns="45720" rtlCol="0" anchor="t">
+            <a:normAutofit/>
+          </a:bodyPr>
+          <a:lstStyle>
+            <a:lvl1pPr algn="l" defTabSz="914400" rtl="0" eaLnBrk="1" latinLnBrk="0" hangingPunct="1">
+              <a:lnSpc>
+                <a:spcPct val="100000"/>
+              </a:lnSpc>
+              <a:spcBef>
+                <a:spcPct val="0"/>
+              </a:spcBef>
+              <a:buNone/>
+              <a:defRPr sz="4000" kern="1200" cap="all" spc="30" baseline="0">
+                <a:solidFill>
+                  <a:schemeClr val="tx1"/>
+                </a:solidFill>
+                <a:latin typeface="+mj-lt"/>
+                <a:ea typeface="+mj-ea"/>
+                <a:cs typeface="+mj-cs"/>
+              </a:defRPr>
+            </a:lvl1pPr>
+          </a:lstStyle>
+          <a:p>
+            <a:r>
+              <a:rPr lang="en-CA" dirty="0">
+                <a:solidFill>
+                  <a:schemeClr val="bg1"/>
+                </a:solidFill>
+              </a:rPr>
+              <a:t>Setup – Static </a:t>
+            </a:r>
+            <a:r>
+              <a:rPr lang="en-CA" dirty="0" err="1">
+                <a:solidFill>
+                  <a:schemeClr val="bg1"/>
+                </a:solidFill>
+              </a:rPr>
+              <a:t>ip</a:t>
+            </a:r>
+            <a:endParaRPr lang="en-CA" dirty="0">
+              <a:solidFill>
+                <a:schemeClr val="bg1"/>
+              </a:solidFill>
+            </a:endParaRPr>
+          </a:p>
+        </p:txBody>
+      </p:sp>
+      <p:sp>
+        <p:nvSpPr>
+          <p:cNvPr id="7" name="Title 1">
+            <a:extLst>
+              <a:ext uri="{FF2B5EF4-FFF2-40B4-BE49-F238E27FC236}">
+                <a16:creationId xmlns:a16="http://schemas.microsoft.com/office/drawing/2014/main" id="{2C585AD6-C1B9-CE7A-D245-50B4E391E8D3}"/>
+              </a:ext>
+            </a:extLst>
+          </p:cNvPr>
+          <p:cNvSpPr txBox="1">
+            <a:spLocks/>
+          </p:cNvSpPr>
+          <p:nvPr/>
+        </p:nvSpPr>
+        <p:spPr>
+          <a:xfrm rot="10800000">
+            <a:off x="700635" y="82446"/>
+            <a:ext cx="10691265" cy="704538"/>
+          </a:xfrm>
+          <a:prstGeom prst="rect">
+            <a:avLst/>
+          </a:prstGeom>
+          <a:solidFill>
+            <a:schemeClr val="bg1"/>
+          </a:solidFill>
+        </p:spPr>
+        <p:txBody>
+          <a:bodyPr vert="horz" lIns="91440" tIns="45720" rIns="91440" bIns="45720" rtlCol="0" anchor="t">
+            <a:normAutofit/>
+          </a:bodyPr>
+          <a:lstStyle>
+            <a:lvl1pPr algn="l" defTabSz="914400" rtl="0" eaLnBrk="1" latinLnBrk="0" hangingPunct="1">
+              <a:lnSpc>
+                <a:spcPct val="100000"/>
+              </a:lnSpc>
+              <a:spcBef>
+                <a:spcPct val="0"/>
+              </a:spcBef>
+              <a:buNone/>
+              <a:defRPr sz="4000" kern="1200" cap="all" spc="30" baseline="0">
+                <a:solidFill>
+                  <a:schemeClr val="tx1"/>
+                </a:solidFill>
+                <a:latin typeface="+mj-lt"/>
+                <a:ea typeface="+mj-ea"/>
+                <a:cs typeface="+mj-cs"/>
+              </a:defRPr>
+            </a:lvl1pPr>
+          </a:lstStyle>
+          <a:p>
+            <a:endParaRPr lang="en-CA" dirty="0">
+              <a:solidFill>
+                <a:schemeClr val="bg1"/>
+              </a:solidFill>
+            </a:endParaRPr>
+          </a:p>
+        </p:txBody>
+      </p:sp>
+    </p:spTree>
+    <p:extLst>
+      <p:ext uri="{BB962C8B-B14F-4D97-AF65-F5344CB8AC3E}">
+        <p14:creationId xmlns:p14="http://schemas.microsoft.com/office/powerpoint/2010/main" val="1506659698"/>
+      </p:ext>
+    </p:extLst>
+  </p:cSld>
+  <p:clrMapOvr>
+    <a:masterClrMapping/>
+  </p:clrMapOvr>
+</p:sld>
+</file>
+
+<file path=ppt/slides/slide11.xml><?xml version="1.0" encoding="utf-8"?>
+<p:sld xmlns:a="http://schemas.openxmlformats.org/drawingml/2006/main" xmlns:r="http://schemas.openxmlformats.org/officeDocument/2006/relationships" xmlns:p="http://schemas.openxmlformats.org/presentationml/2006/main">
+  <p:cSld>
+    <p:spTree>
+      <p:nvGrpSpPr>
+        <p:cNvPr id="1" name="">
+          <a:extLst>
+            <a:ext uri="{FF2B5EF4-FFF2-40B4-BE49-F238E27FC236}">
+              <a16:creationId xmlns:a16="http://schemas.microsoft.com/office/drawing/2014/main" id="{CCDEA037-C81B-29CA-B563-C402CACA39D2}"/>
+            </a:ext>
+          </a:extLst>
+        </p:cNvPr>
+        <p:cNvGrpSpPr/>
+        <p:nvPr/>
+      </p:nvGrpSpPr>
+      <p:grpSpPr>
+        <a:xfrm>
+          <a:off x="0" y="0"/>
+          <a:ext cx="0" cy="0"/>
+          <a:chOff x="0" y="0"/>
+          <a:chExt cx="0" cy="0"/>
+        </a:xfrm>
+      </p:grpSpPr>
+      <p:sp>
+        <p:nvSpPr>
+          <p:cNvPr id="2" name="Title 1">
+            <a:extLst>
+              <a:ext uri="{FF2B5EF4-FFF2-40B4-BE49-F238E27FC236}">
+                <a16:creationId xmlns:a16="http://schemas.microsoft.com/office/drawing/2014/main" id="{28EDE274-209D-6811-FA96-EE07A8C88BFD}"/>
+              </a:ext>
+            </a:extLst>
+          </p:cNvPr>
+          <p:cNvSpPr>
+            <a:spLocks noGrp="1"/>
+          </p:cNvSpPr>
+          <p:nvPr>
+            <p:ph type="title"/>
+          </p:nvPr>
+        </p:nvSpPr>
+        <p:spPr>
+          <a:xfrm>
+            <a:off x="700635" y="914400"/>
+            <a:ext cx="10691265" cy="704538"/>
+          </a:xfrm>
+          <a:gradFill flip="none" rotWithShape="1">
+            <a:gsLst>
+              <a:gs pos="0">
+                <a:srgbClr val="F279A8">
+                  <a:tint val="66000"/>
+                  <a:satMod val="160000"/>
+                </a:srgbClr>
+              </a:gs>
+              <a:gs pos="50000">
+                <a:srgbClr val="F279A8">
+                  <a:tint val="44500"/>
+                  <a:satMod val="160000"/>
+                </a:srgbClr>
+              </a:gs>
+              <a:gs pos="100000">
+                <a:srgbClr val="F279A8">
+                  <a:tint val="23500"/>
+                  <a:satMod val="160000"/>
+                </a:srgbClr>
+              </a:gs>
+            </a:gsLst>
+            <a:lin ang="18900000" scaled="1"/>
+            <a:tileRect/>
+          </a:gradFill>
+        </p:spPr>
+        <p:txBody>
+          <a:bodyPr/>
+          <a:lstStyle/>
+          <a:p>
+            <a:r>
+              <a:rPr lang="en-CA" dirty="0">
+                <a:solidFill>
+                  <a:schemeClr val="bg1"/>
+                </a:solidFill>
+              </a:rPr>
+              <a:t>Setup – network Connection</a:t>
+            </a:r>
+          </a:p>
+        </p:txBody>
+      </p:sp>
+      <p:sp>
+        <p:nvSpPr>
+          <p:cNvPr id="4" name="Title 1">
+            <a:extLst>
+              <a:ext uri="{FF2B5EF4-FFF2-40B4-BE49-F238E27FC236}">
+                <a16:creationId xmlns:a16="http://schemas.microsoft.com/office/drawing/2014/main" id="{D23B6712-7B36-F03C-56A7-A079EFB301F2}"/>
+              </a:ext>
+            </a:extLst>
+          </p:cNvPr>
+          <p:cNvSpPr txBox="1">
+            <a:spLocks/>
+          </p:cNvSpPr>
+          <p:nvPr/>
+        </p:nvSpPr>
+        <p:spPr>
+          <a:xfrm rot="10800000">
+            <a:off x="750367" y="5591331"/>
+            <a:ext cx="10691265" cy="704538"/>
+          </a:xfrm>
+          <a:prstGeom prst="rect">
+            <a:avLst/>
+          </a:prstGeom>
+          <a:gradFill flip="none" rotWithShape="1">
+            <a:gsLst>
+              <a:gs pos="0">
+                <a:srgbClr val="F279A8">
+                  <a:tint val="66000"/>
+                  <a:satMod val="160000"/>
+                </a:srgbClr>
+              </a:gs>
+              <a:gs pos="50000">
+                <a:srgbClr val="F279A8">
+                  <a:tint val="44500"/>
+                  <a:satMod val="160000"/>
+                </a:srgbClr>
+              </a:gs>
+              <a:gs pos="100000">
+                <a:srgbClr val="F279A8">
+                  <a:tint val="23500"/>
+                  <a:satMod val="160000"/>
+                </a:srgbClr>
+              </a:gs>
+            </a:gsLst>
+            <a:lin ang="13500000" scaled="1"/>
+            <a:tileRect/>
+          </a:gradFill>
+        </p:spPr>
+        <p:txBody>
+          <a:bodyPr vert="horz" lIns="91440" tIns="45720" rIns="91440" bIns="45720" rtlCol="0" anchor="t">
+            <a:normAutofit/>
+          </a:bodyPr>
+          <a:lstStyle>
+            <a:lvl1pPr algn="l" defTabSz="914400" rtl="0" eaLnBrk="1" latinLnBrk="0" hangingPunct="1">
+              <a:lnSpc>
+                <a:spcPct val="100000"/>
+              </a:lnSpc>
+              <a:spcBef>
+                <a:spcPct val="0"/>
+              </a:spcBef>
+              <a:buNone/>
+              <a:defRPr sz="4000" kern="1200" cap="all" spc="30" baseline="0">
+                <a:solidFill>
+                  <a:schemeClr val="tx1"/>
+                </a:solidFill>
+                <a:latin typeface="+mj-lt"/>
+                <a:ea typeface="+mj-ea"/>
+                <a:cs typeface="+mj-cs"/>
+              </a:defRPr>
+            </a:lvl1pPr>
+          </a:lstStyle>
+          <a:p>
+            <a:r>
+              <a:rPr lang="en-CA" dirty="0">
+                <a:solidFill>
+                  <a:schemeClr val="bg1"/>
+                </a:solidFill>
+              </a:rPr>
+              <a:t>Setup – network connection</a:t>
+            </a:r>
+          </a:p>
+        </p:txBody>
+      </p:sp>
+      <p:sp>
+        <p:nvSpPr>
+          <p:cNvPr id="7" name="Title 1">
+            <a:extLst>
+              <a:ext uri="{FF2B5EF4-FFF2-40B4-BE49-F238E27FC236}">
+                <a16:creationId xmlns:a16="http://schemas.microsoft.com/office/drawing/2014/main" id="{D42239DE-BB5C-D507-E4AD-8881744EFF09}"/>
+              </a:ext>
+            </a:extLst>
+          </p:cNvPr>
+          <p:cNvSpPr txBox="1">
+            <a:spLocks/>
+          </p:cNvSpPr>
+          <p:nvPr/>
+        </p:nvSpPr>
+        <p:spPr>
+          <a:xfrm rot="10800000">
+            <a:off x="700635" y="82446"/>
+            <a:ext cx="10691265" cy="704538"/>
+          </a:xfrm>
+          <a:prstGeom prst="rect">
+            <a:avLst/>
+          </a:prstGeom>
+          <a:solidFill>
+            <a:schemeClr val="bg1"/>
+          </a:solidFill>
+        </p:spPr>
+        <p:txBody>
+          <a:bodyPr vert="horz" lIns="91440" tIns="45720" rIns="91440" bIns="45720" rtlCol="0" anchor="t">
+            <a:normAutofit/>
+          </a:bodyPr>
+          <a:lstStyle>
+            <a:lvl1pPr algn="l" defTabSz="914400" rtl="0" eaLnBrk="1" latinLnBrk="0" hangingPunct="1">
+              <a:lnSpc>
+                <a:spcPct val="100000"/>
+              </a:lnSpc>
+              <a:spcBef>
+                <a:spcPct val="0"/>
+              </a:spcBef>
+              <a:buNone/>
+              <a:defRPr sz="4000" kern="1200" cap="all" spc="30" baseline="0">
+                <a:solidFill>
+                  <a:schemeClr val="tx1"/>
+                </a:solidFill>
+                <a:latin typeface="+mj-lt"/>
+                <a:ea typeface="+mj-ea"/>
+                <a:cs typeface="+mj-cs"/>
+              </a:defRPr>
+            </a:lvl1pPr>
+          </a:lstStyle>
+          <a:p>
+            <a:endParaRPr lang="en-CA" dirty="0">
+              <a:solidFill>
+                <a:schemeClr val="bg1"/>
+              </a:solidFill>
+            </a:endParaRPr>
+          </a:p>
+        </p:txBody>
+      </p:sp>
+      <p:sp>
+        <p:nvSpPr>
+          <p:cNvPr id="17" name="Content Placeholder 16">
+            <a:extLst>
+              <a:ext uri="{FF2B5EF4-FFF2-40B4-BE49-F238E27FC236}">
+                <a16:creationId xmlns:a16="http://schemas.microsoft.com/office/drawing/2014/main" id="{BB4F6AC7-67F8-911F-25D9-C94834CF04B0}"/>
+              </a:ext>
+            </a:extLst>
+          </p:cNvPr>
+          <p:cNvSpPr>
+            <a:spLocks noGrp="1"/>
+          </p:cNvSpPr>
+          <p:nvPr>
+            <p:ph idx="1"/>
+          </p:nvPr>
+        </p:nvSpPr>
+        <p:spPr>
+          <a:xfrm>
+            <a:off x="6613631" y="2428407"/>
+            <a:ext cx="3863869" cy="1094244"/>
+          </a:xfrm>
+          <a:gradFill flip="none" rotWithShape="1">
+            <a:gsLst>
+              <a:gs pos="0">
+                <a:schemeClr val="accent5">
+                  <a:lumMod val="67000"/>
+                </a:schemeClr>
+              </a:gs>
+              <a:gs pos="48000">
+                <a:schemeClr val="accent5">
+                  <a:lumMod val="97000"/>
+                  <a:lumOff val="3000"/>
+                </a:schemeClr>
+              </a:gs>
+              <a:gs pos="100000">
+                <a:schemeClr val="accent5">
+                  <a:lumMod val="60000"/>
+                  <a:lumOff val="40000"/>
+                </a:schemeClr>
+              </a:gs>
+            </a:gsLst>
+            <a:lin ang="16200000" scaled="1"/>
+            <a:tileRect/>
+          </a:gradFill>
+          <a:ln>
+            <a:noFill/>
+          </a:ln>
+        </p:spPr>
+        <p:style>
+          <a:lnRef idx="0">
+            <a:scrgbClr r="0" g="0" b="0"/>
+          </a:lnRef>
+          <a:fillRef idx="0">
+            <a:scrgbClr r="0" g="0" b="0"/>
+          </a:fillRef>
+          <a:effectRef idx="0">
+            <a:scrgbClr r="0" g="0" b="0"/>
+          </a:effectRef>
+          <a:fontRef idx="minor">
+            <a:schemeClr val="lt1"/>
+          </a:fontRef>
+        </p:style>
+        <p:txBody>
+          <a:bodyPr anchor="ctr">
+            <a:normAutofit/>
+          </a:bodyPr>
+          <a:lstStyle/>
+          <a:p>
+            <a:pPr marL="0" indent="0" algn="ctr">
+              <a:buNone/>
+            </a:pPr>
+            <a:r>
+              <a:rPr lang="en-CA" sz="3200" dirty="0"/>
+              <a:t>Wi-Fi</a:t>
+            </a:r>
+          </a:p>
+        </p:txBody>
+      </p:sp>
+      <p:sp>
+        <p:nvSpPr>
+          <p:cNvPr id="19" name="Content Placeholder 16">
+            <a:extLst>
+              <a:ext uri="{FF2B5EF4-FFF2-40B4-BE49-F238E27FC236}">
+                <a16:creationId xmlns:a16="http://schemas.microsoft.com/office/drawing/2014/main" id="{C408E213-89FD-5FD4-0A2D-9719DE22DD97}"/>
+              </a:ext>
+            </a:extLst>
+          </p:cNvPr>
+          <p:cNvSpPr txBox="1">
+            <a:spLocks/>
+          </p:cNvSpPr>
+          <p:nvPr/>
+        </p:nvSpPr>
+        <p:spPr>
+          <a:xfrm>
+            <a:off x="1714500" y="2023709"/>
+            <a:ext cx="3863869" cy="1498942"/>
+          </a:xfrm>
+          <a:prstGeom prst="rect">
+            <a:avLst/>
+          </a:prstGeom>
+          <a:gradFill flip="none" rotWithShape="1">
+            <a:gsLst>
+              <a:gs pos="0">
+                <a:schemeClr val="accent6">
+                  <a:lumMod val="67000"/>
+                </a:schemeClr>
+              </a:gs>
+              <a:gs pos="48000">
+                <a:schemeClr val="accent6">
+                  <a:lumMod val="97000"/>
+                  <a:lumOff val="3000"/>
+                </a:schemeClr>
+              </a:gs>
+              <a:gs pos="100000">
+                <a:schemeClr val="accent6">
+                  <a:lumMod val="60000"/>
+                  <a:lumOff val="40000"/>
+                </a:schemeClr>
+              </a:gs>
+            </a:gsLst>
+            <a:lin ang="16200000" scaled="1"/>
+            <a:tileRect/>
+          </a:gradFill>
+          <a:ln>
+            <a:noFill/>
+          </a:ln>
+        </p:spPr>
+        <p:style>
+          <a:lnRef idx="0">
+            <a:scrgbClr r="0" g="0" b="0"/>
+          </a:lnRef>
+          <a:fillRef idx="0">
+            <a:scrgbClr r="0" g="0" b="0"/>
+          </a:fillRef>
+          <a:effectRef idx="0">
+            <a:scrgbClr r="0" g="0" b="0"/>
+          </a:effectRef>
+          <a:fontRef idx="minor">
+            <a:schemeClr val="lt1"/>
+          </a:fontRef>
+        </p:style>
+        <p:txBody>
+          <a:bodyPr vert="horz" lIns="91440" tIns="45720" rIns="91440" bIns="45720" rtlCol="0" anchor="ctr">
+            <a:normAutofit/>
+          </a:bodyPr>
+          <a:lstStyle>
+            <a:lvl1pPr marL="228600" indent="-228600" algn="l" defTabSz="914400" rtl="0" eaLnBrk="1" latinLnBrk="0" hangingPunct="1">
+              <a:lnSpc>
+                <a:spcPct val="110000"/>
+              </a:lnSpc>
+              <a:spcBef>
+                <a:spcPts val="1000"/>
+              </a:spcBef>
+              <a:buFont typeface="Arial" panose="020B0604020202020204" pitchFamily="34" charset="0"/>
+              <a:buChar char="•"/>
+              <a:defRPr sz="2000" kern="1200">
+                <a:solidFill>
+                  <a:schemeClr val="tx1"/>
+                </a:solidFill>
+                <a:latin typeface="+mn-lt"/>
+                <a:ea typeface="+mn-ea"/>
+                <a:cs typeface="+mn-cs"/>
+              </a:defRPr>
+            </a:lvl1pPr>
+            <a:lvl2pPr marL="685800" indent="-228600" algn="l" defTabSz="914400" rtl="0" eaLnBrk="1" latinLnBrk="0" hangingPunct="1">
+              <a:lnSpc>
+                <a:spcPct val="110000"/>
+              </a:lnSpc>
+              <a:spcBef>
+                <a:spcPts val="500"/>
+              </a:spcBef>
+              <a:buFont typeface="Arial" panose="020B0604020202020204" pitchFamily="34" charset="0"/>
+              <a:buChar char="•"/>
+              <a:defRPr sz="1800" kern="1200">
+                <a:solidFill>
+                  <a:schemeClr val="tx1"/>
+                </a:solidFill>
+                <a:latin typeface="+mn-lt"/>
+                <a:ea typeface="+mn-ea"/>
+                <a:cs typeface="+mn-cs"/>
+              </a:defRPr>
+            </a:lvl2pPr>
+            <a:lvl3pPr marL="1143000" indent="-228600" algn="l" defTabSz="914400" rtl="0" eaLnBrk="1" latinLnBrk="0" hangingPunct="1">
+              <a:lnSpc>
+                <a:spcPct val="110000"/>
+              </a:lnSpc>
+              <a:spcBef>
+                <a:spcPts val="500"/>
+              </a:spcBef>
+              <a:buFont typeface="Arial" panose="020B0604020202020204" pitchFamily="34" charset="0"/>
+              <a:buChar char="•"/>
+              <a:defRPr sz="1600" kern="1200">
+                <a:solidFill>
+                  <a:schemeClr val="tx1"/>
+                </a:solidFill>
+                <a:latin typeface="+mn-lt"/>
+                <a:ea typeface="+mn-ea"/>
+                <a:cs typeface="+mn-cs"/>
+              </a:defRPr>
+            </a:lvl3pPr>
+            <a:lvl4pPr marL="1600200" indent="-228600" algn="l" defTabSz="914400" rtl="0" eaLnBrk="1" latinLnBrk="0" hangingPunct="1">
+              <a:lnSpc>
+                <a:spcPct val="110000"/>
+              </a:lnSpc>
+              <a:spcBef>
+                <a:spcPts val="500"/>
+              </a:spcBef>
+              <a:buFont typeface="Arial" panose="020B0604020202020204" pitchFamily="34" charset="0"/>
+              <a:buChar char="•"/>
+              <a:defRPr sz="1400" kern="1200">
+                <a:solidFill>
+                  <a:schemeClr val="tx1"/>
+                </a:solidFill>
+                <a:latin typeface="+mn-lt"/>
+                <a:ea typeface="+mn-ea"/>
+                <a:cs typeface="+mn-cs"/>
+              </a:defRPr>
+            </a:lvl4pPr>
+            <a:lvl5pPr marL="2057400" indent="-228600" algn="l" defTabSz="914400" rtl="0" eaLnBrk="1" latinLnBrk="0" hangingPunct="1">
+              <a:lnSpc>
+                <a:spcPct val="110000"/>
+              </a:lnSpc>
+              <a:spcBef>
+                <a:spcPts val="500"/>
+              </a:spcBef>
+              <a:buFont typeface="Arial" panose="020B0604020202020204" pitchFamily="34" charset="0"/>
+              <a:buChar char="•"/>
+              <a:defRPr sz="1400" kern="1200">
+                <a:solidFill>
+                  <a:schemeClr val="tx1"/>
+                </a:solidFill>
+                <a:latin typeface="+mn-lt"/>
+                <a:ea typeface="+mn-ea"/>
+                <a:cs typeface="+mn-cs"/>
+              </a:defRPr>
+            </a:lvl5pPr>
+            <a:lvl6pPr marL="2514600" indent="-228600" algn="l" defTabSz="914400" rtl="0" eaLnBrk="1" latinLnBrk="0" hangingPunct="1">
+              <a:lnSpc>
+                <a:spcPct val="90000"/>
+              </a:lnSpc>
+              <a:spcBef>
+                <a:spcPts val="500"/>
+              </a:spcBef>
+              <a:buFont typeface="Arial" panose="020B0604020202020204" pitchFamily="34" charset="0"/>
+              <a:buChar char="•"/>
+              <a:defRPr sz="1800" kern="1200">
+                <a:solidFill>
+                  <a:schemeClr val="tx1"/>
+                </a:solidFill>
+                <a:latin typeface="+mn-lt"/>
+                <a:ea typeface="+mn-ea"/>
+                <a:cs typeface="+mn-cs"/>
+              </a:defRPr>
+            </a:lvl6pPr>
+            <a:lvl7pPr marL="2971800" indent="-228600" algn="l" defTabSz="914400" rtl="0" eaLnBrk="1" latinLnBrk="0" hangingPunct="1">
+              <a:lnSpc>
+                <a:spcPct val="90000"/>
+              </a:lnSpc>
+              <a:spcBef>
+                <a:spcPts val="500"/>
+              </a:spcBef>
+              <a:buFont typeface="Arial" panose="020B0604020202020204" pitchFamily="34" charset="0"/>
+              <a:buChar char="•"/>
+              <a:defRPr sz="1800" kern="1200">
+                <a:solidFill>
+                  <a:schemeClr val="tx1"/>
+                </a:solidFill>
+                <a:latin typeface="+mn-lt"/>
+                <a:ea typeface="+mn-ea"/>
+                <a:cs typeface="+mn-cs"/>
+              </a:defRPr>
+            </a:lvl7pPr>
+            <a:lvl8pPr marL="3429000" indent="-228600" algn="l" defTabSz="914400" rtl="0" eaLnBrk="1" latinLnBrk="0" hangingPunct="1">
+              <a:lnSpc>
+                <a:spcPct val="90000"/>
+              </a:lnSpc>
+              <a:spcBef>
+                <a:spcPts val="500"/>
+              </a:spcBef>
+              <a:buFont typeface="Arial" panose="020B0604020202020204" pitchFamily="34" charset="0"/>
+              <a:buChar char="•"/>
+              <a:defRPr sz="1800" kern="1200">
+                <a:solidFill>
+                  <a:schemeClr val="tx1"/>
+                </a:solidFill>
+                <a:latin typeface="+mn-lt"/>
+                <a:ea typeface="+mn-ea"/>
+                <a:cs typeface="+mn-cs"/>
+              </a:defRPr>
+            </a:lvl8pPr>
+            <a:lvl9pPr marL="3886200" indent="-228600" algn="l" defTabSz="914400" rtl="0" eaLnBrk="1" latinLnBrk="0" hangingPunct="1">
+              <a:lnSpc>
+                <a:spcPct val="90000"/>
+              </a:lnSpc>
+              <a:spcBef>
+                <a:spcPts val="500"/>
+              </a:spcBef>
+              <a:buFont typeface="Arial" panose="020B0604020202020204" pitchFamily="34" charset="0"/>
+              <a:buChar char="•"/>
+              <a:defRPr sz="1800" kern="1200">
+                <a:solidFill>
+                  <a:schemeClr val="tx1"/>
+                </a:solidFill>
+                <a:latin typeface="+mn-lt"/>
+                <a:ea typeface="+mn-ea"/>
+                <a:cs typeface="+mn-cs"/>
+              </a:defRPr>
+            </a:lvl9pPr>
+          </a:lstStyle>
+          <a:p>
+            <a:pPr marL="0" indent="0" algn="ctr">
+              <a:buNone/>
+            </a:pPr>
+            <a:r>
+              <a:rPr lang="en-CA" sz="3200" dirty="0">
+                <a:solidFill>
+                  <a:schemeClr val="bg1"/>
+                </a:solidFill>
+              </a:rPr>
+              <a:t>Ethernet</a:t>
+            </a:r>
+          </a:p>
+        </p:txBody>
+      </p:sp>
+      <p:sp>
+        <p:nvSpPr>
+          <p:cNvPr id="20" name="Content Placeholder 16">
+            <a:extLst>
+              <a:ext uri="{FF2B5EF4-FFF2-40B4-BE49-F238E27FC236}">
+                <a16:creationId xmlns:a16="http://schemas.microsoft.com/office/drawing/2014/main" id="{3A0AFB37-A81F-415D-3D19-443CC9C1DCF8}"/>
+              </a:ext>
+            </a:extLst>
+          </p:cNvPr>
+          <p:cNvSpPr txBox="1">
+            <a:spLocks/>
+          </p:cNvSpPr>
+          <p:nvPr/>
+        </p:nvSpPr>
+        <p:spPr>
+          <a:xfrm>
+            <a:off x="1714500" y="3807520"/>
+            <a:ext cx="8763000" cy="1498942"/>
+          </a:xfrm>
+          <a:prstGeom prst="rect">
+            <a:avLst/>
+          </a:prstGeom>
+          <a:gradFill flip="none" rotWithShape="1">
+            <a:gsLst>
+              <a:gs pos="0">
+                <a:schemeClr val="accent6">
+                  <a:lumMod val="67000"/>
+                </a:schemeClr>
+              </a:gs>
+              <a:gs pos="48000">
+                <a:schemeClr val="accent6">
+                  <a:lumMod val="97000"/>
+                  <a:lumOff val="3000"/>
+                </a:schemeClr>
+              </a:gs>
+              <a:gs pos="100000">
+                <a:schemeClr val="accent6">
+                  <a:lumMod val="60000"/>
+                  <a:lumOff val="40000"/>
+                </a:schemeClr>
+              </a:gs>
+            </a:gsLst>
+            <a:lin ang="16200000" scaled="1"/>
+            <a:tileRect/>
+          </a:gradFill>
+          <a:ln>
+            <a:noFill/>
+          </a:ln>
+          <a:scene3d>
+            <a:camera prst="obliqueBottomRight"/>
+            <a:lightRig rig="threePt" dir="t"/>
+          </a:scene3d>
+        </p:spPr>
+        <p:style>
+          <a:lnRef idx="0">
+            <a:scrgbClr r="0" g="0" b="0"/>
+          </a:lnRef>
+          <a:fillRef idx="0">
+            <a:scrgbClr r="0" g="0" b="0"/>
+          </a:fillRef>
+          <a:effectRef idx="0">
+            <a:scrgbClr r="0" g="0" b="0"/>
+          </a:effectRef>
+          <a:fontRef idx="minor">
+            <a:schemeClr val="lt1"/>
+          </a:fontRef>
+        </p:style>
+        <p:txBody>
+          <a:bodyPr vert="horz" lIns="91440" tIns="45720" rIns="91440" bIns="45720" rtlCol="0" anchor="ctr">
+            <a:normAutofit/>
+          </a:bodyPr>
+          <a:lstStyle>
+            <a:lvl1pPr marL="228600" indent="-228600" algn="l" defTabSz="914400" rtl="0" eaLnBrk="1" latinLnBrk="0" hangingPunct="1">
+              <a:lnSpc>
+                <a:spcPct val="110000"/>
+              </a:lnSpc>
+              <a:spcBef>
+                <a:spcPts val="1000"/>
+              </a:spcBef>
+              <a:buFont typeface="Arial" panose="020B0604020202020204" pitchFamily="34" charset="0"/>
+              <a:buChar char="•"/>
+              <a:defRPr sz="2000" kern="1200">
+                <a:solidFill>
+                  <a:schemeClr val="tx1"/>
+                </a:solidFill>
+                <a:latin typeface="+mn-lt"/>
+                <a:ea typeface="+mn-ea"/>
+                <a:cs typeface="+mn-cs"/>
+              </a:defRPr>
+            </a:lvl1pPr>
+            <a:lvl2pPr marL="685800" indent="-228600" algn="l" defTabSz="914400" rtl="0" eaLnBrk="1" latinLnBrk="0" hangingPunct="1">
+              <a:lnSpc>
+                <a:spcPct val="110000"/>
+              </a:lnSpc>
+              <a:spcBef>
+                <a:spcPts val="500"/>
+              </a:spcBef>
+              <a:buFont typeface="Arial" panose="020B0604020202020204" pitchFamily="34" charset="0"/>
+              <a:buChar char="•"/>
+              <a:defRPr sz="1800" kern="1200">
+                <a:solidFill>
+                  <a:schemeClr val="tx1"/>
+                </a:solidFill>
+                <a:latin typeface="+mn-lt"/>
+                <a:ea typeface="+mn-ea"/>
+                <a:cs typeface="+mn-cs"/>
+              </a:defRPr>
+            </a:lvl2pPr>
+            <a:lvl3pPr marL="1143000" indent="-228600" algn="l" defTabSz="914400" rtl="0" eaLnBrk="1" latinLnBrk="0" hangingPunct="1">
+              <a:lnSpc>
+                <a:spcPct val="110000"/>
+              </a:lnSpc>
+              <a:spcBef>
+                <a:spcPts val="500"/>
+              </a:spcBef>
+              <a:buFont typeface="Arial" panose="020B0604020202020204" pitchFamily="34" charset="0"/>
+              <a:buChar char="•"/>
+              <a:defRPr sz="1600" kern="1200">
+                <a:solidFill>
+                  <a:schemeClr val="tx1"/>
+                </a:solidFill>
+                <a:latin typeface="+mn-lt"/>
+                <a:ea typeface="+mn-ea"/>
+                <a:cs typeface="+mn-cs"/>
+              </a:defRPr>
+            </a:lvl3pPr>
+            <a:lvl4pPr marL="1600200" indent="-228600" algn="l" defTabSz="914400" rtl="0" eaLnBrk="1" latinLnBrk="0" hangingPunct="1">
+              <a:lnSpc>
+                <a:spcPct val="110000"/>
+              </a:lnSpc>
+              <a:spcBef>
+                <a:spcPts val="500"/>
+              </a:spcBef>
+              <a:buFont typeface="Arial" panose="020B0604020202020204" pitchFamily="34" charset="0"/>
+              <a:buChar char="•"/>
+              <a:defRPr sz="1400" kern="1200">
+                <a:solidFill>
+                  <a:schemeClr val="tx1"/>
+                </a:solidFill>
+                <a:latin typeface="+mn-lt"/>
+                <a:ea typeface="+mn-ea"/>
+                <a:cs typeface="+mn-cs"/>
+              </a:defRPr>
+            </a:lvl4pPr>
+            <a:lvl5pPr marL="2057400" indent="-228600" algn="l" defTabSz="914400" rtl="0" eaLnBrk="1" latinLnBrk="0" hangingPunct="1">
+              <a:lnSpc>
+                <a:spcPct val="110000"/>
+              </a:lnSpc>
+              <a:spcBef>
+                <a:spcPts val="500"/>
+              </a:spcBef>
+              <a:buFont typeface="Arial" panose="020B0604020202020204" pitchFamily="34" charset="0"/>
+              <a:buChar char="•"/>
+              <a:defRPr sz="1400" kern="1200">
+                <a:solidFill>
+                  <a:schemeClr val="tx1"/>
+                </a:solidFill>
+                <a:latin typeface="+mn-lt"/>
+                <a:ea typeface="+mn-ea"/>
+                <a:cs typeface="+mn-cs"/>
+              </a:defRPr>
+            </a:lvl5pPr>
+            <a:lvl6pPr marL="2514600" indent="-228600" algn="l" defTabSz="914400" rtl="0" eaLnBrk="1" latinLnBrk="0" hangingPunct="1">
+              <a:lnSpc>
+                <a:spcPct val="90000"/>
+              </a:lnSpc>
+              <a:spcBef>
+                <a:spcPts val="500"/>
+              </a:spcBef>
+              <a:buFont typeface="Arial" panose="020B0604020202020204" pitchFamily="34" charset="0"/>
+              <a:buChar char="•"/>
+              <a:defRPr sz="1800" kern="1200">
+                <a:solidFill>
+                  <a:schemeClr val="tx1"/>
+                </a:solidFill>
+                <a:latin typeface="+mn-lt"/>
+                <a:ea typeface="+mn-ea"/>
+                <a:cs typeface="+mn-cs"/>
+              </a:defRPr>
+            </a:lvl6pPr>
+            <a:lvl7pPr marL="2971800" indent="-228600" algn="l" defTabSz="914400" rtl="0" eaLnBrk="1" latinLnBrk="0" hangingPunct="1">
+              <a:lnSpc>
+                <a:spcPct val="90000"/>
+              </a:lnSpc>
+              <a:spcBef>
+                <a:spcPts val="500"/>
+              </a:spcBef>
+              <a:buFont typeface="Arial" panose="020B0604020202020204" pitchFamily="34" charset="0"/>
+              <a:buChar char="•"/>
+              <a:defRPr sz="1800" kern="1200">
+                <a:solidFill>
+                  <a:schemeClr val="tx1"/>
+                </a:solidFill>
+                <a:latin typeface="+mn-lt"/>
+                <a:ea typeface="+mn-ea"/>
+                <a:cs typeface="+mn-cs"/>
+              </a:defRPr>
+            </a:lvl7pPr>
+            <a:lvl8pPr marL="3429000" indent="-228600" algn="l" defTabSz="914400" rtl="0" eaLnBrk="1" latinLnBrk="0" hangingPunct="1">
+              <a:lnSpc>
+                <a:spcPct val="90000"/>
+              </a:lnSpc>
+              <a:spcBef>
+                <a:spcPts val="500"/>
+              </a:spcBef>
+              <a:buFont typeface="Arial" panose="020B0604020202020204" pitchFamily="34" charset="0"/>
+              <a:buChar char="•"/>
+              <a:defRPr sz="1800" kern="1200">
+                <a:solidFill>
+                  <a:schemeClr val="tx1"/>
+                </a:solidFill>
+                <a:latin typeface="+mn-lt"/>
+                <a:ea typeface="+mn-ea"/>
+                <a:cs typeface="+mn-cs"/>
+              </a:defRPr>
+            </a:lvl8pPr>
+            <a:lvl9pPr marL="3886200" indent="-228600" algn="l" defTabSz="914400" rtl="0" eaLnBrk="1" latinLnBrk="0" hangingPunct="1">
+              <a:lnSpc>
+                <a:spcPct val="90000"/>
+              </a:lnSpc>
+              <a:spcBef>
+                <a:spcPts val="500"/>
+              </a:spcBef>
+              <a:buFont typeface="Arial" panose="020B0604020202020204" pitchFamily="34" charset="0"/>
+              <a:buChar char="•"/>
+              <a:defRPr sz="1800" kern="1200">
+                <a:solidFill>
+                  <a:schemeClr val="tx1"/>
+                </a:solidFill>
+                <a:latin typeface="+mn-lt"/>
+                <a:ea typeface="+mn-ea"/>
+                <a:cs typeface="+mn-cs"/>
+              </a:defRPr>
+            </a:lvl9pPr>
+          </a:lstStyle>
+          <a:p>
+            <a:pPr marL="0" indent="0" algn="ctr">
+              <a:buNone/>
+            </a:pPr>
+            <a:r>
+              <a:rPr lang="en-CA" sz="3200" dirty="0">
+                <a:solidFill>
+                  <a:schemeClr val="bg1"/>
+                </a:solidFill>
+              </a:rPr>
+              <a:t>More stable &amp; faster compared to Wi-Fi</a:t>
+            </a:r>
+          </a:p>
+        </p:txBody>
+      </p:sp>
+      <p:pic>
+        <p:nvPicPr>
+          <p:cNvPr id="22" name="Graphic 21" descr="Cursor with solid fill">
+            <a:extLst>
+              <a:ext uri="{FF2B5EF4-FFF2-40B4-BE49-F238E27FC236}">
+                <a16:creationId xmlns:a16="http://schemas.microsoft.com/office/drawing/2014/main" id="{B98DC92F-9216-7439-130A-CE94079F7CD0}"/>
+              </a:ext>
+            </a:extLst>
+          </p:cNvPr>
+          <p:cNvPicPr>
+            <a:picLocks noChangeAspect="1"/>
+          </p:cNvPicPr>
+          <p:nvPr/>
+        </p:nvPicPr>
+        <p:blipFill>
+          <a:blip r:embed="rId2">
+            <a:extLst>
+              <a:ext uri="{96DAC541-7B7A-43D3-8B79-37D633B846F1}">
+                <asvg:svgBlip xmlns:asvg="http://schemas.microsoft.com/office/drawing/2016/SVG/main" r:embed="rId3"/>
+              </a:ext>
+            </a:extLst>
+          </a:blip>
+          <a:stretch>
+            <a:fillRect/>
+          </a:stretch>
+        </p:blipFill>
+        <p:spPr>
+          <a:xfrm>
+            <a:off x="4359875" y="2938074"/>
+            <a:ext cx="914400" cy="914400"/>
+          </a:xfrm>
+          <a:prstGeom prst="rect">
+            <a:avLst/>
+          </a:prstGeom>
+          <a:effectLst>
+            <a:outerShdw blurRad="50800" dist="38100" dir="2700000" algn="tl" rotWithShape="0">
+              <a:prstClr val="black">
+                <a:alpha val="40000"/>
+              </a:prstClr>
+            </a:outerShdw>
+          </a:effectLst>
+        </p:spPr>
+      </p:pic>
+      <p:pic>
+        <p:nvPicPr>
+          <p:cNvPr id="24" name="Graphic 23" descr="Wi-Fi with solid fill">
+            <a:extLst>
+              <a:ext uri="{FF2B5EF4-FFF2-40B4-BE49-F238E27FC236}">
+                <a16:creationId xmlns:a16="http://schemas.microsoft.com/office/drawing/2014/main" id="{68A842EF-3B89-BD18-B436-85B0DB739943}"/>
+              </a:ext>
+            </a:extLst>
+          </p:cNvPr>
+          <p:cNvPicPr>
+            <a:picLocks noChangeAspect="1"/>
+          </p:cNvPicPr>
+          <p:nvPr/>
+        </p:nvPicPr>
+        <p:blipFill>
+          <a:blip r:embed="rId4">
+            <a:extLst>
+              <a:ext uri="{96DAC541-7B7A-43D3-8B79-37D633B846F1}">
+                <asvg:svgBlip xmlns:asvg="http://schemas.microsoft.com/office/drawing/2016/SVG/main" r:embed="rId5"/>
+              </a:ext>
+            </a:extLst>
+          </a:blip>
+          <a:stretch>
+            <a:fillRect/>
+          </a:stretch>
+        </p:blipFill>
+        <p:spPr>
+          <a:xfrm>
+            <a:off x="10777495" y="3207876"/>
+            <a:ext cx="914400" cy="914400"/>
+          </a:xfrm>
+          <a:prstGeom prst="rect">
+            <a:avLst/>
+          </a:prstGeom>
+        </p:spPr>
+      </p:pic>
+      <p:pic>
+        <p:nvPicPr>
+          <p:cNvPr id="26" name="Graphic 25" descr="Ethernet with solid fill">
+            <a:extLst>
+              <a:ext uri="{FF2B5EF4-FFF2-40B4-BE49-F238E27FC236}">
+                <a16:creationId xmlns:a16="http://schemas.microsoft.com/office/drawing/2014/main" id="{BD5EBE3A-E44A-293F-EFAC-F94BC4329F26}"/>
+              </a:ext>
+            </a:extLst>
+          </p:cNvPr>
+          <p:cNvPicPr>
+            <a:picLocks noChangeAspect="1"/>
+          </p:cNvPicPr>
+          <p:nvPr/>
+        </p:nvPicPr>
+        <p:blipFill>
+          <a:blip r:embed="rId6">
+            <a:extLst>
+              <a:ext uri="{96DAC541-7B7A-43D3-8B79-37D633B846F1}">
+                <asvg:svgBlip xmlns:asvg="http://schemas.microsoft.com/office/drawing/2016/SVG/main" r:embed="rId7"/>
+              </a:ext>
+            </a:extLst>
+          </a:blip>
+          <a:stretch>
+            <a:fillRect/>
+          </a:stretch>
+        </p:blipFill>
+        <p:spPr>
+          <a:xfrm>
+            <a:off x="496006" y="3252828"/>
+            <a:ext cx="914400" cy="914400"/>
+          </a:xfrm>
+          <a:prstGeom prst="rect">
+            <a:avLst/>
+          </a:prstGeom>
+        </p:spPr>
+      </p:pic>
+    </p:spTree>
+    <p:extLst>
+      <p:ext uri="{BB962C8B-B14F-4D97-AF65-F5344CB8AC3E}">
+        <p14:creationId xmlns:p14="http://schemas.microsoft.com/office/powerpoint/2010/main" val="2657635670"/>
+      </p:ext>
+    </p:extLst>
+  </p:cSld>
+  <p:clrMapOvr>
+    <a:masterClrMapping/>
+  </p:clrMapOvr>
+</p:sld>
+</file>
+
+<file path=ppt/slides/slide12.xml><?xml version="1.0" encoding="utf-8"?>
+<p:sld xmlns:a="http://schemas.openxmlformats.org/drawingml/2006/main" xmlns:r="http://schemas.openxmlformats.org/officeDocument/2006/relationships" xmlns:p="http://schemas.openxmlformats.org/presentationml/2006/main">
+  <p:cSld>
+    <p:spTree>
+      <p:nvGrpSpPr>
+        <p:cNvPr id="1" name="">
+          <a:extLst>
+            <a:ext uri="{FF2B5EF4-FFF2-40B4-BE49-F238E27FC236}">
               <a16:creationId xmlns:a16="http://schemas.microsoft.com/office/drawing/2014/main" id="{3C7EB202-D741-067D-EC6C-EB777BF61EE2}"/>
             </a:ext>
           </a:extLst>
@@ -16587,7 +18183,7 @@
 </p:sld>
 </file>
 
-<file path=ppt/slides/slide11.xml><?xml version="1.0" encoding="utf-8"?>
+<file path=ppt/slides/slide13.xml><?xml version="1.0" encoding="utf-8"?>
 <p:sld xmlns:a="http://schemas.openxmlformats.org/drawingml/2006/main" xmlns:r="http://schemas.openxmlformats.org/officeDocument/2006/relationships" xmlns:p="http://schemas.openxmlformats.org/presentationml/2006/main">
   <p:cSld>
     <p:spTree>
@@ -16944,7 +18540,7 @@
 </p:sld>
 </file>
 
-<file path=ppt/slides/slide12.xml><?xml version="1.0" encoding="utf-8"?>
+<file path=ppt/slides/slide14.xml><?xml version="1.0" encoding="utf-8"?>
 <p:sld xmlns:a="http://schemas.openxmlformats.org/drawingml/2006/main" xmlns:r="http://schemas.openxmlformats.org/officeDocument/2006/relationships" xmlns:p="http://schemas.openxmlformats.org/presentationml/2006/main">
   <p:cSld>
     <p:spTree>
@@ -17283,7 +18879,7 @@
 </p:sld>
 </file>
 
-<file path=ppt/slides/slide13.xml><?xml version="1.0" encoding="utf-8"?>
+<file path=ppt/slides/slide15.xml><?xml version="1.0" encoding="utf-8"?>
 <p:sld xmlns:a="http://schemas.openxmlformats.org/drawingml/2006/main" xmlns:r="http://schemas.openxmlformats.org/officeDocument/2006/relationships" xmlns:p="http://schemas.openxmlformats.org/presentationml/2006/main">
   <p:cSld>
     <p:spTree>
@@ -18431,6 +20027,14 @@
 <file path=ppt/slides/slide5.xml><?xml version="1.0" encoding="utf-8"?>
 <p:sld xmlns:a="http://schemas.openxmlformats.org/drawingml/2006/main" xmlns:r="http://schemas.openxmlformats.org/officeDocument/2006/relationships" xmlns:p="http://schemas.openxmlformats.org/presentationml/2006/main">
   <p:cSld>
+    <p:bg>
+      <p:bgPr>
+        <a:solidFill>
+          <a:schemeClr val="bg1"/>
+        </a:solidFill>
+        <a:effectLst/>
+      </p:bgPr>
+    </p:bg>
     <p:spTree>
       <p:nvGrpSpPr>
         <p:cNvPr id="1" name=""/>
@@ -18445,6 +20049,82 @@
           <a:chExt cx="0" cy="0"/>
         </a:xfrm>
       </p:grpSpPr>
+      <p:sp useBgFill="1">
+        <p:nvSpPr>
+          <p:cNvPr id="14" name="Rectangle 13">
+            <a:extLst>
+              <a:ext uri="{FF2B5EF4-FFF2-40B4-BE49-F238E27FC236}">
+                <a16:creationId xmlns:a16="http://schemas.microsoft.com/office/drawing/2014/main" id="{5FEC7A34-539B-4949-BC75-F49D5FFC93A2}"/>
+              </a:ext>
+              <a:ext uri="{C183D7F6-B498-43B3-948B-1728B52AA6E4}">
+                <adec:decorative xmlns:adec="http://schemas.microsoft.com/office/drawing/2017/decorative" val="1"/>
+              </a:ext>
+            </a:extLst>
+          </p:cNvPr>
+          <p:cNvSpPr>
+            <a:spLocks noGrp="1" noRot="1" noChangeAspect="1" noMove="1" noResize="1" noEditPoints="1" noAdjustHandles="1" noChangeArrowheads="1" noChangeShapeType="1" noTextEdit="1"/>
+          </p:cNvSpPr>
+          <p:nvPr>
+            <p:extLst>
+              <p:ext uri="{386F3935-93C4-4BCD-93E2-E3B085C9AB24}">
+                <p16:designElem xmlns:p16="http://schemas.microsoft.com/office/powerpoint/2015/main" val="1"/>
+              </p:ext>
+            </p:extLst>
+          </p:nvPr>
+        </p:nvSpPr>
+        <p:spPr>
+          <a:xfrm>
+            <a:off x="0" y="0"/>
+            <a:ext cx="12192000" cy="6858000"/>
+          </a:xfrm>
+          <a:prstGeom prst="rect">
+            <a:avLst/>
+          </a:prstGeom>
+          <a:ln w="12700" cap="flat" cmpd="sng" algn="ctr">
+            <a:noFill/>
+            <a:prstDash val="solid"/>
+            <a:miter lim="800000"/>
+          </a:ln>
+          <a:effectLst/>
+          <a:extLst>
+            <a:ext uri="{91240B29-F687-4F45-9708-019B960494DF}">
+              <a14:hiddenLine xmlns:a14="http://schemas.microsoft.com/office/drawing/2010/main" w="12700" cap="flat" cmpd="sng" algn="ctr">
+                <a:solidFill>
+                  <a:schemeClr val="accent1">
+                    <a:shade val="50000"/>
+                  </a:schemeClr>
+                </a:solidFill>
+                <a:prstDash val="solid"/>
+                <a:miter lim="800000"/>
+              </a14:hiddenLine>
+            </a:ext>
+          </a:extLst>
+        </p:spPr>
+        <p:style>
+          <a:lnRef idx="2">
+            <a:schemeClr val="accent1">
+              <a:shade val="50000"/>
+            </a:schemeClr>
+          </a:lnRef>
+          <a:fillRef idx="1">
+            <a:schemeClr val="accent1"/>
+          </a:fillRef>
+          <a:effectRef idx="0">
+            <a:schemeClr val="accent1"/>
+          </a:effectRef>
+          <a:fontRef idx="minor">
+            <a:schemeClr val="lt1"/>
+          </a:fontRef>
+        </p:style>
+        <p:txBody>
+          <a:bodyPr rtlCol="0" anchor="ctr"/>
+          <a:lstStyle/>
+          <a:p>
+            <a:pPr algn="ctr"/>
+            <a:endParaRPr lang="en-US"/>
+          </a:p>
+        </p:txBody>
+      </p:sp>
       <p:sp>
         <p:nvSpPr>
           <p:cNvPr id="2" name="Title 1">
@@ -18461,9 +20141,16 @@
             <p:ph type="title"/>
           </p:nvPr>
         </p:nvSpPr>
-        <p:spPr/>
+        <p:spPr>
+          <a:xfrm>
+            <a:off x="5512316" y="909637"/>
+            <a:ext cx="5979057" cy="835489"/>
+          </a:xfrm>
+        </p:spPr>
         <p:txBody>
-          <a:bodyPr/>
+          <a:bodyPr>
+            <a:normAutofit/>
+          </a:bodyPr>
           <a:lstStyle/>
           <a:p>
             <a:r>
@@ -18473,12 +20160,138 @@
           </a:p>
         </p:txBody>
       </p:sp>
+      <p:pic>
+        <p:nvPicPr>
+          <p:cNvPr id="5" name="Content Placeholder 4" descr="A close-up of a green circuit board&#10;&#10;AI-generated content may be incorrect.">
+            <a:extLst>
+              <a:ext uri="{FF2B5EF4-FFF2-40B4-BE49-F238E27FC236}">
+                <a16:creationId xmlns:a16="http://schemas.microsoft.com/office/drawing/2014/main" id="{1094EC78-05C5-6B5E-2CEF-2AFAB20B41DA}"/>
+              </a:ext>
+            </a:extLst>
+          </p:cNvPr>
+          <p:cNvPicPr>
+            <a:picLocks noChangeAspect="1"/>
+          </p:cNvPicPr>
+          <p:nvPr/>
+        </p:nvPicPr>
+        <p:blipFill>
+          <a:blip r:embed="rId2">
+            <a:extLst>
+              <a:ext uri="{28A0092B-C50C-407E-A947-70E740481C1C}">
+                <a14:useLocalDpi xmlns:a14="http://schemas.microsoft.com/office/drawing/2010/main" val="0"/>
+              </a:ext>
+            </a:extLst>
+          </a:blip>
+          <a:srcRect t="12623" r="2" b="2"/>
+          <a:stretch>
+            <a:fillRect/>
+          </a:stretch>
+        </p:blipFill>
+        <p:spPr>
+          <a:xfrm>
+            <a:off x="800101" y="723900"/>
+            <a:ext cx="4076700" cy="2573610"/>
+          </a:xfrm>
+          <a:prstGeom prst="rect">
+            <a:avLst/>
+          </a:prstGeom>
+        </p:spPr>
+      </p:pic>
+      <p:cxnSp>
+        <p:nvCxnSpPr>
+          <p:cNvPr id="16" name="Straight Connector 15">
+            <a:extLst>
+              <a:ext uri="{FF2B5EF4-FFF2-40B4-BE49-F238E27FC236}">
+                <a16:creationId xmlns:a16="http://schemas.microsoft.com/office/drawing/2014/main" id="{CA4B2C18-146D-48F9-BB98-D4E4D70A5A79}"/>
+              </a:ext>
+              <a:ext uri="{C183D7F6-B498-43B3-948B-1728B52AA6E4}">
+                <adec:decorative xmlns:adec="http://schemas.microsoft.com/office/drawing/2017/decorative" val="1"/>
+              </a:ext>
+            </a:extLst>
+          </p:cNvPr>
+          <p:cNvCxnSpPr>
+            <a:cxnSpLocks noGrp="1" noRot="1" noChangeAspect="1" noMove="1" noResize="1" noEditPoints="1" noAdjustHandles="1" noChangeArrowheads="1" noChangeShapeType="1"/>
+          </p:cNvCxnSpPr>
+          <p:nvPr>
+            <p:extLst>
+              <p:ext uri="{386F3935-93C4-4BCD-93E2-E3B085C9AB24}">
+                <p16:designElem xmlns:p16="http://schemas.microsoft.com/office/powerpoint/2015/main" val="1"/>
+              </p:ext>
+            </p:extLst>
+          </p:nvPr>
+        </p:nvCxnSpPr>
+        <p:spPr>
+          <a:xfrm>
+            <a:off x="5556418" y="722376"/>
+            <a:ext cx="5839462" cy="0"/>
+          </a:xfrm>
+          <a:prstGeom prst="line">
+            <a:avLst/>
+          </a:prstGeom>
+          <a:ln w="44450">
+            <a:solidFill>
+              <a:schemeClr val="tx1"/>
+            </a:solidFill>
+          </a:ln>
+        </p:spPr>
+        <p:style>
+          <a:lnRef idx="1">
+            <a:schemeClr val="accent1"/>
+          </a:lnRef>
+          <a:fillRef idx="0">
+            <a:schemeClr val="accent1"/>
+          </a:fillRef>
+          <a:effectRef idx="0">
+            <a:schemeClr val="accent1"/>
+          </a:effectRef>
+          <a:fontRef idx="minor">
+            <a:schemeClr val="tx1"/>
+          </a:fontRef>
+        </p:style>
+      </p:cxnSp>
+      <p:pic>
+        <p:nvPicPr>
+          <p:cNvPr id="7" name="Picture 6" descr="A white charger with a cable&#10;&#10;AI-generated content may be incorrect.">
+            <a:extLst>
+              <a:ext uri="{FF2B5EF4-FFF2-40B4-BE49-F238E27FC236}">
+                <a16:creationId xmlns:a16="http://schemas.microsoft.com/office/drawing/2014/main" id="{F9371925-F6F5-93B1-9A9A-95EF59B727F6}"/>
+              </a:ext>
+            </a:extLst>
+          </p:cNvPr>
+          <p:cNvPicPr>
+            <a:picLocks noChangeAspect="1"/>
+          </p:cNvPicPr>
+          <p:nvPr/>
+        </p:nvPicPr>
+        <p:blipFill>
+          <a:blip r:embed="rId3">
+            <a:extLst>
+              <a:ext uri="{28A0092B-C50C-407E-A947-70E740481C1C}">
+                <a14:useLocalDpi xmlns:a14="http://schemas.microsoft.com/office/drawing/2010/main" val="0"/>
+              </a:ext>
+            </a:extLst>
+          </a:blip>
+          <a:srcRect t="15827" r="2" b="2"/>
+          <a:stretch>
+            <a:fillRect/>
+          </a:stretch>
+        </p:blipFill>
+        <p:spPr>
+          <a:xfrm>
+            <a:off x="800101" y="3560491"/>
+            <a:ext cx="4076700" cy="2573610"/>
+          </a:xfrm>
+          <a:prstGeom prst="rect">
+            <a:avLst/>
+          </a:prstGeom>
+        </p:spPr>
+      </p:pic>
       <p:sp>
         <p:nvSpPr>
-          <p:cNvPr id="3" name="Content Placeholder 2">
+          <p:cNvPr id="11" name="Content Placeholder 10">
             <a:extLst>
               <a:ext uri="{FF2B5EF4-FFF2-40B4-BE49-F238E27FC236}">
-                <a16:creationId xmlns:a16="http://schemas.microsoft.com/office/drawing/2014/main" id="{8CD59C2A-29A5-2823-AB84-1BAD8219E7A4}"/>
+                <a16:creationId xmlns:a16="http://schemas.microsoft.com/office/drawing/2014/main" id="{90EB6C34-7A79-B396-2D02-684973240549}"/>
               </a:ext>
             </a:extLst>
           </p:cNvPr>
@@ -18489,15 +20302,95 @@
             <p:ph idx="1"/>
           </p:nvPr>
         </p:nvSpPr>
-        <p:spPr/>
+        <p:spPr>
+          <a:xfrm>
+            <a:off x="5511800" y="1685364"/>
+            <a:ext cx="5979565" cy="4144219"/>
+          </a:xfrm>
+        </p:spPr>
         <p:txBody>
-          <a:bodyPr/>
+          <a:bodyPr>
+            <a:normAutofit/>
+          </a:bodyPr>
           <a:lstStyle/>
           <a:p>
-            <a:endParaRPr lang="en-CA"/>
+            <a:r>
+              <a:rPr lang="en-US" sz="1800" dirty="0"/>
+              <a:t>Raspberry Pi model 3 b+.</a:t>
+            </a:r>
+          </a:p>
+          <a:p>
+            <a:endParaRPr lang="en-US" sz="1800" dirty="0"/>
+          </a:p>
+          <a:p>
+            <a:endParaRPr lang="en-US" sz="1800" dirty="0"/>
+          </a:p>
+          <a:p>
+            <a:endParaRPr lang="en-US" sz="1800" dirty="0"/>
+          </a:p>
+          <a:p>
+            <a:endParaRPr lang="en-US" sz="1800" dirty="0"/>
+          </a:p>
+          <a:p>
+            <a:r>
+              <a:rPr lang="en-US" sz="1800" dirty="0"/>
+              <a:t>A power supply converts power from the wall outlet to the Raspberry Pi.</a:t>
+            </a:r>
           </a:p>
         </p:txBody>
       </p:sp>
+      <p:cxnSp>
+        <p:nvCxnSpPr>
+          <p:cNvPr id="18" name="Straight Connector 17">
+            <a:extLst>
+              <a:ext uri="{FF2B5EF4-FFF2-40B4-BE49-F238E27FC236}">
+                <a16:creationId xmlns:a16="http://schemas.microsoft.com/office/drawing/2014/main" id="{E51784B1-4DE1-43A3-95B9-A0EB6529F0B9}"/>
+              </a:ext>
+              <a:ext uri="{C183D7F6-B498-43B3-948B-1728B52AA6E4}">
+                <adec:decorative xmlns:adec="http://schemas.microsoft.com/office/drawing/2017/decorative" val="1"/>
+              </a:ext>
+            </a:extLst>
+          </p:cNvPr>
+          <p:cNvCxnSpPr>
+            <a:cxnSpLocks noGrp="1" noRot="1" noChangeAspect="1" noMove="1" noResize="1" noEditPoints="1" noAdjustHandles="1" noChangeArrowheads="1" noChangeShapeType="1"/>
+          </p:cNvCxnSpPr>
+          <p:nvPr>
+            <p:extLst>
+              <p:ext uri="{386F3935-93C4-4BCD-93E2-E3B085C9AB24}">
+                <p16:designElem xmlns:p16="http://schemas.microsoft.com/office/powerpoint/2015/main" val="1"/>
+              </p:ext>
+            </p:extLst>
+          </p:nvPr>
+        </p:nvCxnSpPr>
+        <p:spPr>
+          <a:xfrm>
+            <a:off x="5555466" y="6156846"/>
+            <a:ext cx="5874534" cy="0"/>
+          </a:xfrm>
+          <a:prstGeom prst="line">
+            <a:avLst/>
+          </a:prstGeom>
+          <a:ln w="12700">
+            <a:solidFill>
+              <a:schemeClr val="tx1"/>
+            </a:solidFill>
+          </a:ln>
+        </p:spPr>
+        <p:style>
+          <a:lnRef idx="1">
+            <a:schemeClr val="accent1"/>
+          </a:lnRef>
+          <a:fillRef idx="0">
+            <a:schemeClr val="accent1"/>
+          </a:fillRef>
+          <a:effectRef idx="0">
+            <a:schemeClr val="accent1"/>
+          </a:effectRef>
+          <a:fontRef idx="minor">
+            <a:schemeClr val="tx1"/>
+          </a:fontRef>
+        </p:style>
+      </p:cxnSp>
     </p:spTree>
     <p:extLst>
       <p:ext uri="{BB962C8B-B14F-4D97-AF65-F5344CB8AC3E}">
@@ -18512,6 +20405,778 @@
 </file>
 
 <file path=ppt/slides/slide6.xml><?xml version="1.0" encoding="utf-8"?>
+<p:sld xmlns:a="http://schemas.openxmlformats.org/drawingml/2006/main" xmlns:r="http://schemas.openxmlformats.org/officeDocument/2006/relationships" xmlns:p="http://schemas.openxmlformats.org/presentationml/2006/main">
+  <p:cSld>
+    <p:bg>
+      <p:bgPr>
+        <a:solidFill>
+          <a:schemeClr val="bg1"/>
+        </a:solidFill>
+        <a:effectLst/>
+      </p:bgPr>
+    </p:bg>
+    <p:spTree>
+      <p:nvGrpSpPr>
+        <p:cNvPr id="1" name="">
+          <a:extLst>
+            <a:ext uri="{FF2B5EF4-FFF2-40B4-BE49-F238E27FC236}">
+              <a16:creationId xmlns:a16="http://schemas.microsoft.com/office/drawing/2014/main" id="{2F878E69-6BCC-3182-7FAA-8F6D1CD7DAB7}"/>
+            </a:ext>
+          </a:extLst>
+        </p:cNvPr>
+        <p:cNvGrpSpPr/>
+        <p:nvPr/>
+      </p:nvGrpSpPr>
+      <p:grpSpPr>
+        <a:xfrm>
+          <a:off x="0" y="0"/>
+          <a:ext cx="0" cy="0"/>
+          <a:chOff x="0" y="0"/>
+          <a:chExt cx="0" cy="0"/>
+        </a:xfrm>
+      </p:grpSpPr>
+      <p:sp useBgFill="1">
+        <p:nvSpPr>
+          <p:cNvPr id="20" name="Rectangle 19">
+            <a:extLst>
+              <a:ext uri="{FF2B5EF4-FFF2-40B4-BE49-F238E27FC236}">
+                <a16:creationId xmlns:a16="http://schemas.microsoft.com/office/drawing/2014/main" id="{660EB578-C970-4186-B93C-45851BBC6E34}"/>
+              </a:ext>
+              <a:ext uri="{C183D7F6-B498-43B3-948B-1728B52AA6E4}">
+                <adec:decorative xmlns:adec="http://schemas.microsoft.com/office/drawing/2017/decorative" val="1"/>
+              </a:ext>
+            </a:extLst>
+          </p:cNvPr>
+          <p:cNvSpPr>
+            <a:spLocks noGrp="1" noRot="1" noChangeAspect="1" noMove="1" noResize="1" noEditPoints="1" noAdjustHandles="1" noChangeArrowheads="1" noChangeShapeType="1" noTextEdit="1"/>
+          </p:cNvSpPr>
+          <p:nvPr>
+            <p:extLst>
+              <p:ext uri="{386F3935-93C4-4BCD-93E2-E3B085C9AB24}">
+                <p16:designElem xmlns:p16="http://schemas.microsoft.com/office/powerpoint/2015/main" val="1"/>
+              </p:ext>
+            </p:extLst>
+          </p:nvPr>
+        </p:nvSpPr>
+        <p:spPr>
+          <a:xfrm>
+            <a:off x="0" y="0"/>
+            <a:ext cx="12192000" cy="6858000"/>
+          </a:xfrm>
+          <a:prstGeom prst="rect">
+            <a:avLst/>
+          </a:prstGeom>
+          <a:ln w="12700" cap="flat" cmpd="sng" algn="ctr">
+            <a:noFill/>
+            <a:prstDash val="solid"/>
+            <a:miter lim="800000"/>
+          </a:ln>
+          <a:effectLst/>
+          <a:extLst>
+            <a:ext uri="{91240B29-F687-4F45-9708-019B960494DF}">
+              <a14:hiddenLine xmlns:a14="http://schemas.microsoft.com/office/drawing/2010/main" w="12700" cap="flat" cmpd="sng" algn="ctr">
+                <a:solidFill>
+                  <a:schemeClr val="accent1">
+                    <a:shade val="50000"/>
+                  </a:schemeClr>
+                </a:solidFill>
+                <a:prstDash val="solid"/>
+                <a:miter lim="800000"/>
+              </a14:hiddenLine>
+            </a:ext>
+          </a:extLst>
+        </p:spPr>
+        <p:style>
+          <a:lnRef idx="2">
+            <a:schemeClr val="accent1">
+              <a:shade val="50000"/>
+            </a:schemeClr>
+          </a:lnRef>
+          <a:fillRef idx="1">
+            <a:schemeClr val="accent1"/>
+          </a:fillRef>
+          <a:effectRef idx="0">
+            <a:schemeClr val="accent1"/>
+          </a:effectRef>
+          <a:fontRef idx="minor">
+            <a:schemeClr val="lt1"/>
+          </a:fontRef>
+        </p:style>
+        <p:txBody>
+          <a:bodyPr rtlCol="0" anchor="ctr"/>
+          <a:lstStyle/>
+          <a:p>
+            <a:pPr algn="ctr"/>
+            <a:endParaRPr lang="en-US"/>
+          </a:p>
+        </p:txBody>
+      </p:sp>
+      <p:sp>
+        <p:nvSpPr>
+          <p:cNvPr id="2" name="Title 1">
+            <a:extLst>
+              <a:ext uri="{FF2B5EF4-FFF2-40B4-BE49-F238E27FC236}">
+                <a16:creationId xmlns:a16="http://schemas.microsoft.com/office/drawing/2014/main" id="{B70B8EC1-9F38-2BD4-67DE-B738C5A739D7}"/>
+              </a:ext>
+            </a:extLst>
+          </p:cNvPr>
+          <p:cNvSpPr>
+            <a:spLocks noGrp="1"/>
+          </p:cNvSpPr>
+          <p:nvPr>
+            <p:ph type="title"/>
+          </p:nvPr>
+        </p:nvSpPr>
+        <p:spPr>
+          <a:xfrm>
+            <a:off x="4771789" y="909637"/>
+            <a:ext cx="6714698" cy="1316736"/>
+          </a:xfrm>
+        </p:spPr>
+        <p:txBody>
+          <a:bodyPr>
+            <a:normAutofit/>
+          </a:bodyPr>
+          <a:lstStyle/>
+          <a:p>
+            <a:r>
+              <a:rPr lang="en-CA" dirty="0"/>
+              <a:t>Equipment</a:t>
+            </a:r>
+          </a:p>
+        </p:txBody>
+      </p:sp>
+      <p:pic>
+        <p:nvPicPr>
+          <p:cNvPr id="8" name="Picture 7" descr="A close-up of a flash drive&#10;&#10;AI-generated content may be incorrect.">
+            <a:extLst>
+              <a:ext uri="{FF2B5EF4-FFF2-40B4-BE49-F238E27FC236}">
+                <a16:creationId xmlns:a16="http://schemas.microsoft.com/office/drawing/2014/main" id="{D5BC40D0-8DFB-3F92-F894-95FDE0156849}"/>
+              </a:ext>
+            </a:extLst>
+          </p:cNvPr>
+          <p:cNvPicPr>
+            <a:picLocks noChangeAspect="1"/>
+          </p:cNvPicPr>
+          <p:nvPr/>
+        </p:nvPicPr>
+        <p:blipFill>
+          <a:blip r:embed="rId2">
+            <a:extLst>
+              <a:ext uri="{28A0092B-C50C-407E-A947-70E740481C1C}">
+                <a14:useLocalDpi xmlns:a14="http://schemas.microsoft.com/office/drawing/2010/main" val="0"/>
+              </a:ext>
+            </a:extLst>
+          </a:blip>
+          <a:srcRect t="15262" r="-3" b="-3"/>
+          <a:stretch>
+            <a:fillRect/>
+          </a:stretch>
+        </p:blipFill>
+        <p:spPr>
+          <a:xfrm>
+            <a:off x="39466" y="3316943"/>
+            <a:ext cx="4046541" cy="3428998"/>
+          </a:xfrm>
+          <a:prstGeom prst="rect">
+            <a:avLst/>
+          </a:prstGeom>
+        </p:spPr>
+      </p:pic>
+      <p:cxnSp>
+        <p:nvCxnSpPr>
+          <p:cNvPr id="21" name="Straight Connector 20">
+            <a:extLst>
+              <a:ext uri="{FF2B5EF4-FFF2-40B4-BE49-F238E27FC236}">
+                <a16:creationId xmlns:a16="http://schemas.microsoft.com/office/drawing/2014/main" id="{D57D541F-8B1D-4D6A-969A-B9D7473AD983}"/>
+              </a:ext>
+              <a:ext uri="{C183D7F6-B498-43B3-948B-1728B52AA6E4}">
+                <adec:decorative xmlns:adec="http://schemas.microsoft.com/office/drawing/2017/decorative" val="1"/>
+              </a:ext>
+            </a:extLst>
+          </p:cNvPr>
+          <p:cNvCxnSpPr>
+            <a:cxnSpLocks noGrp="1" noRot="1" noChangeAspect="1" noMove="1" noResize="1" noEditPoints="1" noAdjustHandles="1" noChangeArrowheads="1" noChangeShapeType="1"/>
+          </p:cNvCxnSpPr>
+          <p:nvPr>
+            <p:extLst>
+              <p:ext uri="{386F3935-93C4-4BCD-93E2-E3B085C9AB24}">
+                <p16:designElem xmlns:p16="http://schemas.microsoft.com/office/powerpoint/2015/main" val="1"/>
+              </p:ext>
+            </p:extLst>
+          </p:nvPr>
+        </p:nvCxnSpPr>
+        <p:spPr>
+          <a:xfrm>
+            <a:off x="4851399" y="723900"/>
+            <a:ext cx="6515100" cy="0"/>
+          </a:xfrm>
+          <a:prstGeom prst="line">
+            <a:avLst/>
+          </a:prstGeom>
+          <a:ln w="44450">
+            <a:solidFill>
+              <a:schemeClr val="tx1"/>
+            </a:solidFill>
+          </a:ln>
+        </p:spPr>
+        <p:style>
+          <a:lnRef idx="1">
+            <a:schemeClr val="accent1"/>
+          </a:lnRef>
+          <a:fillRef idx="0">
+            <a:schemeClr val="accent1"/>
+          </a:fillRef>
+          <a:effectRef idx="0">
+            <a:schemeClr val="accent1"/>
+          </a:effectRef>
+          <a:fontRef idx="minor">
+            <a:schemeClr val="tx1"/>
+          </a:fontRef>
+        </p:style>
+      </p:cxnSp>
+      <p:pic>
+        <p:nvPicPr>
+          <p:cNvPr id="4" name="Picture 3" descr="A memory card with a red and grey rectangle&#10;&#10;AI-generated content may be incorrect.">
+            <a:extLst>
+              <a:ext uri="{FF2B5EF4-FFF2-40B4-BE49-F238E27FC236}">
+                <a16:creationId xmlns:a16="http://schemas.microsoft.com/office/drawing/2014/main" id="{D8BA29EF-3FEE-C0D9-1465-DA84A4A1DB00}"/>
+              </a:ext>
+            </a:extLst>
+          </p:cNvPr>
+          <p:cNvPicPr>
+            <a:picLocks noChangeAspect="1"/>
+          </p:cNvPicPr>
+          <p:nvPr/>
+        </p:nvPicPr>
+        <p:blipFill>
+          <a:blip r:embed="rId3">
+            <a:extLst>
+              <a:ext uri="{28A0092B-C50C-407E-A947-70E740481C1C}">
+                <a14:useLocalDpi xmlns:a14="http://schemas.microsoft.com/office/drawing/2010/main" val="0"/>
+              </a:ext>
+            </a:extLst>
+          </a:blip>
+          <a:srcRect r="-3" b="15258"/>
+          <a:stretch>
+            <a:fillRect/>
+          </a:stretch>
+        </p:blipFill>
+        <p:spPr>
+          <a:xfrm>
+            <a:off x="19733" y="0"/>
+            <a:ext cx="4046541" cy="3428998"/>
+          </a:xfrm>
+          <a:prstGeom prst="rect">
+            <a:avLst/>
+          </a:prstGeom>
+        </p:spPr>
+      </p:pic>
+      <p:sp>
+        <p:nvSpPr>
+          <p:cNvPr id="11" name="Content Placeholder 10">
+            <a:extLst>
+              <a:ext uri="{FF2B5EF4-FFF2-40B4-BE49-F238E27FC236}">
+                <a16:creationId xmlns:a16="http://schemas.microsoft.com/office/drawing/2014/main" id="{B0F0F6DF-0780-E247-1DB3-48E1F3AB2BC8}"/>
+              </a:ext>
+            </a:extLst>
+          </p:cNvPr>
+          <p:cNvSpPr>
+            <a:spLocks noGrp="1"/>
+          </p:cNvSpPr>
+          <p:nvPr>
+            <p:ph idx="1"/>
+          </p:nvPr>
+        </p:nvSpPr>
+        <p:spPr>
+          <a:xfrm>
+            <a:off x="4771788" y="2226374"/>
+            <a:ext cx="6714698" cy="3603210"/>
+          </a:xfrm>
+        </p:spPr>
+        <p:txBody>
+          <a:bodyPr>
+            <a:normAutofit/>
+          </a:bodyPr>
+          <a:lstStyle/>
+          <a:p>
+            <a:r>
+              <a:rPr lang="en-US" dirty="0"/>
+              <a:t>Raspberry Pi model 3 b+.</a:t>
+            </a:r>
+          </a:p>
+          <a:p>
+            <a:endParaRPr lang="en-US" dirty="0"/>
+          </a:p>
+          <a:p>
+            <a:endParaRPr lang="en-US" dirty="0"/>
+          </a:p>
+          <a:p>
+            <a:endParaRPr lang="en-US" dirty="0"/>
+          </a:p>
+          <a:p>
+            <a:endParaRPr lang="en-US" dirty="0"/>
+          </a:p>
+          <a:p>
+            <a:r>
+              <a:rPr lang="en-US" dirty="0"/>
+              <a:t>A power supply converts power from the wall outlet to the Raspberry Pi.</a:t>
+            </a:r>
+          </a:p>
+        </p:txBody>
+      </p:sp>
+      <p:cxnSp>
+        <p:nvCxnSpPr>
+          <p:cNvPr id="22" name="Straight Connector 21">
+            <a:extLst>
+              <a:ext uri="{FF2B5EF4-FFF2-40B4-BE49-F238E27FC236}">
+                <a16:creationId xmlns:a16="http://schemas.microsoft.com/office/drawing/2014/main" id="{E6523A9E-CB4E-4FB6-AF68-C947B5086446}"/>
+              </a:ext>
+              <a:ext uri="{C183D7F6-B498-43B3-948B-1728B52AA6E4}">
+                <adec:decorative xmlns:adec="http://schemas.microsoft.com/office/drawing/2017/decorative" val="1"/>
+              </a:ext>
+            </a:extLst>
+          </p:cNvPr>
+          <p:cNvCxnSpPr>
+            <a:cxnSpLocks noGrp="1" noRot="1" noChangeAspect="1" noMove="1" noResize="1" noEditPoints="1" noAdjustHandles="1" noChangeArrowheads="1" noChangeShapeType="1"/>
+          </p:cNvCxnSpPr>
+          <p:nvPr>
+            <p:extLst>
+              <p:ext uri="{386F3935-93C4-4BCD-93E2-E3B085C9AB24}">
+                <p16:designElem xmlns:p16="http://schemas.microsoft.com/office/powerpoint/2015/main" val="1"/>
+              </p:ext>
+            </p:extLst>
+          </p:nvPr>
+        </p:nvCxnSpPr>
+        <p:spPr>
+          <a:xfrm>
+            <a:off x="4851399" y="6134100"/>
+            <a:ext cx="6515100" cy="0"/>
+          </a:xfrm>
+          <a:prstGeom prst="line">
+            <a:avLst/>
+          </a:prstGeom>
+          <a:ln w="12700">
+            <a:solidFill>
+              <a:schemeClr val="tx1"/>
+            </a:solidFill>
+          </a:ln>
+        </p:spPr>
+        <p:style>
+          <a:lnRef idx="1">
+            <a:schemeClr val="accent1"/>
+          </a:lnRef>
+          <a:fillRef idx="0">
+            <a:schemeClr val="accent1"/>
+          </a:fillRef>
+          <a:effectRef idx="0">
+            <a:schemeClr val="accent1"/>
+          </a:effectRef>
+          <a:fontRef idx="minor">
+            <a:schemeClr val="tx1"/>
+          </a:fontRef>
+        </p:style>
+      </p:cxnSp>
+    </p:spTree>
+    <p:extLst>
+      <p:ext uri="{BB962C8B-B14F-4D97-AF65-F5344CB8AC3E}">
+        <p14:creationId xmlns:p14="http://schemas.microsoft.com/office/powerpoint/2010/main" val="1862995980"/>
+      </p:ext>
+    </p:extLst>
+  </p:cSld>
+  <p:clrMapOvr>
+    <a:masterClrMapping/>
+  </p:clrMapOvr>
+</p:sld>
+</file>
+
+<file path=ppt/slides/slide7.xml><?xml version="1.0" encoding="utf-8"?>
+<p:sld xmlns:a="http://schemas.openxmlformats.org/drawingml/2006/main" xmlns:r="http://schemas.openxmlformats.org/officeDocument/2006/relationships" xmlns:p="http://schemas.openxmlformats.org/presentationml/2006/main">
+  <p:cSld>
+    <p:bg>
+      <p:bgPr>
+        <a:solidFill>
+          <a:schemeClr val="bg1"/>
+        </a:solidFill>
+        <a:effectLst/>
+      </p:bgPr>
+    </p:bg>
+    <p:spTree>
+      <p:nvGrpSpPr>
+        <p:cNvPr id="1" name="">
+          <a:extLst>
+            <a:ext uri="{FF2B5EF4-FFF2-40B4-BE49-F238E27FC236}">
+              <a16:creationId xmlns:a16="http://schemas.microsoft.com/office/drawing/2014/main" id="{1CF8D963-6BD0-D434-A451-63E15A4652BD}"/>
+            </a:ext>
+          </a:extLst>
+        </p:cNvPr>
+        <p:cNvGrpSpPr/>
+        <p:nvPr/>
+      </p:nvGrpSpPr>
+      <p:grpSpPr>
+        <a:xfrm>
+          <a:off x="0" y="0"/>
+          <a:ext cx="0" cy="0"/>
+          <a:chOff x="0" y="0"/>
+          <a:chExt cx="0" cy="0"/>
+        </a:xfrm>
+      </p:grpSpPr>
+      <p:sp useBgFill="1">
+        <p:nvSpPr>
+          <p:cNvPr id="27" name="Rectangle 26">
+            <a:extLst>
+              <a:ext uri="{FF2B5EF4-FFF2-40B4-BE49-F238E27FC236}">
+                <a16:creationId xmlns:a16="http://schemas.microsoft.com/office/drawing/2014/main" id="{5FEC7A34-539B-4949-BC75-F49D5FFC93A2}"/>
+              </a:ext>
+              <a:ext uri="{C183D7F6-B498-43B3-948B-1728B52AA6E4}">
+                <adec:decorative xmlns:adec="http://schemas.microsoft.com/office/drawing/2017/decorative" val="1"/>
+              </a:ext>
+            </a:extLst>
+          </p:cNvPr>
+          <p:cNvSpPr>
+            <a:spLocks noGrp="1" noRot="1" noChangeAspect="1" noMove="1" noResize="1" noEditPoints="1" noAdjustHandles="1" noChangeArrowheads="1" noChangeShapeType="1" noTextEdit="1"/>
+          </p:cNvSpPr>
+          <p:nvPr>
+            <p:extLst>
+              <p:ext uri="{386F3935-93C4-4BCD-93E2-E3B085C9AB24}">
+                <p16:designElem xmlns:p16="http://schemas.microsoft.com/office/powerpoint/2015/main" val="1"/>
+              </p:ext>
+            </p:extLst>
+          </p:nvPr>
+        </p:nvSpPr>
+        <p:spPr>
+          <a:xfrm>
+            <a:off x="0" y="0"/>
+            <a:ext cx="12192000" cy="6858000"/>
+          </a:xfrm>
+          <a:prstGeom prst="rect">
+            <a:avLst/>
+          </a:prstGeom>
+          <a:ln w="12700" cap="flat" cmpd="sng" algn="ctr">
+            <a:noFill/>
+            <a:prstDash val="solid"/>
+            <a:miter lim="800000"/>
+          </a:ln>
+          <a:effectLst/>
+          <a:extLst>
+            <a:ext uri="{91240B29-F687-4F45-9708-019B960494DF}">
+              <a14:hiddenLine xmlns:a14="http://schemas.microsoft.com/office/drawing/2010/main" w="12700" cap="flat" cmpd="sng" algn="ctr">
+                <a:solidFill>
+                  <a:schemeClr val="accent1">
+                    <a:shade val="50000"/>
+                  </a:schemeClr>
+                </a:solidFill>
+                <a:prstDash val="solid"/>
+                <a:miter lim="800000"/>
+              </a14:hiddenLine>
+            </a:ext>
+          </a:extLst>
+        </p:spPr>
+        <p:style>
+          <a:lnRef idx="2">
+            <a:schemeClr val="accent1">
+              <a:shade val="50000"/>
+            </a:schemeClr>
+          </a:lnRef>
+          <a:fillRef idx="1">
+            <a:schemeClr val="accent1"/>
+          </a:fillRef>
+          <a:effectRef idx="0">
+            <a:schemeClr val="accent1"/>
+          </a:effectRef>
+          <a:fontRef idx="minor">
+            <a:schemeClr val="lt1"/>
+          </a:fontRef>
+        </p:style>
+        <p:txBody>
+          <a:bodyPr rtlCol="0" anchor="ctr"/>
+          <a:lstStyle/>
+          <a:p>
+            <a:pPr algn="ctr"/>
+            <a:endParaRPr lang="en-US"/>
+          </a:p>
+        </p:txBody>
+      </p:sp>
+      <p:sp>
+        <p:nvSpPr>
+          <p:cNvPr id="2" name="Title 1">
+            <a:extLst>
+              <a:ext uri="{FF2B5EF4-FFF2-40B4-BE49-F238E27FC236}">
+                <a16:creationId xmlns:a16="http://schemas.microsoft.com/office/drawing/2014/main" id="{F7D55ED8-E92B-E529-47C8-EB4C28956E75}"/>
+              </a:ext>
+            </a:extLst>
+          </p:cNvPr>
+          <p:cNvSpPr>
+            <a:spLocks noGrp="1"/>
+          </p:cNvSpPr>
+          <p:nvPr>
+            <p:ph type="title"/>
+          </p:nvPr>
+        </p:nvSpPr>
+        <p:spPr>
+          <a:xfrm>
+            <a:off x="5512316" y="909637"/>
+            <a:ext cx="5979057" cy="1316736"/>
+          </a:xfrm>
+        </p:spPr>
+        <p:txBody>
+          <a:bodyPr>
+            <a:normAutofit/>
+          </a:bodyPr>
+          <a:lstStyle/>
+          <a:p>
+            <a:r>
+              <a:rPr lang="en-CA" dirty="0"/>
+              <a:t>Equipment</a:t>
+            </a:r>
+          </a:p>
+        </p:txBody>
+      </p:sp>
+      <p:pic>
+        <p:nvPicPr>
+          <p:cNvPr id="7" name="Picture 6" descr="A black cable with plugs&#10;&#10;AI-generated content may be incorrect.">
+            <a:extLst>
+              <a:ext uri="{FF2B5EF4-FFF2-40B4-BE49-F238E27FC236}">
+                <a16:creationId xmlns:a16="http://schemas.microsoft.com/office/drawing/2014/main" id="{3095D226-EEE1-7890-130E-CC060385A8C2}"/>
+              </a:ext>
+            </a:extLst>
+          </p:cNvPr>
+          <p:cNvPicPr>
+            <a:picLocks noChangeAspect="1"/>
+          </p:cNvPicPr>
+          <p:nvPr/>
+        </p:nvPicPr>
+        <p:blipFill>
+          <a:blip r:embed="rId2">
+            <a:extLst>
+              <a:ext uri="{28A0092B-C50C-407E-A947-70E740481C1C}">
+                <a14:useLocalDpi xmlns:a14="http://schemas.microsoft.com/office/drawing/2010/main" val="0"/>
+              </a:ext>
+            </a:extLst>
+          </a:blip>
+          <a:srcRect t="8456" r="2" b="14323"/>
+          <a:stretch>
+            <a:fillRect/>
+          </a:stretch>
+        </p:blipFill>
+        <p:spPr>
+          <a:xfrm>
+            <a:off x="800101" y="723900"/>
+            <a:ext cx="4076700" cy="2573610"/>
+          </a:xfrm>
+          <a:prstGeom prst="rect">
+            <a:avLst/>
+          </a:prstGeom>
+        </p:spPr>
+      </p:pic>
+      <p:cxnSp>
+        <p:nvCxnSpPr>
+          <p:cNvPr id="29" name="Straight Connector 28">
+            <a:extLst>
+              <a:ext uri="{FF2B5EF4-FFF2-40B4-BE49-F238E27FC236}">
+                <a16:creationId xmlns:a16="http://schemas.microsoft.com/office/drawing/2014/main" id="{CA4B2C18-146D-48F9-BB98-D4E4D70A5A79}"/>
+              </a:ext>
+              <a:ext uri="{C183D7F6-B498-43B3-948B-1728B52AA6E4}">
+                <adec:decorative xmlns:adec="http://schemas.microsoft.com/office/drawing/2017/decorative" val="1"/>
+              </a:ext>
+            </a:extLst>
+          </p:cNvPr>
+          <p:cNvCxnSpPr>
+            <a:cxnSpLocks noGrp="1" noRot="1" noChangeAspect="1" noMove="1" noResize="1" noEditPoints="1" noAdjustHandles="1" noChangeArrowheads="1" noChangeShapeType="1"/>
+          </p:cNvCxnSpPr>
+          <p:nvPr>
+            <p:extLst>
+              <p:ext uri="{386F3935-93C4-4BCD-93E2-E3B085C9AB24}">
+                <p16:designElem xmlns:p16="http://schemas.microsoft.com/office/powerpoint/2015/main" val="1"/>
+              </p:ext>
+            </p:extLst>
+          </p:nvPr>
+        </p:nvCxnSpPr>
+        <p:spPr>
+          <a:xfrm>
+            <a:off x="5556418" y="722376"/>
+            <a:ext cx="5839462" cy="0"/>
+          </a:xfrm>
+          <a:prstGeom prst="line">
+            <a:avLst/>
+          </a:prstGeom>
+          <a:ln w="44450">
+            <a:solidFill>
+              <a:schemeClr val="tx1"/>
+            </a:solidFill>
+          </a:ln>
+        </p:spPr>
+        <p:style>
+          <a:lnRef idx="1">
+            <a:schemeClr val="accent1"/>
+          </a:lnRef>
+          <a:fillRef idx="0">
+            <a:schemeClr val="accent1"/>
+          </a:fillRef>
+          <a:effectRef idx="0">
+            <a:schemeClr val="accent1"/>
+          </a:effectRef>
+          <a:fontRef idx="minor">
+            <a:schemeClr val="tx1"/>
+          </a:fontRef>
+        </p:style>
+      </p:cxnSp>
+      <p:pic>
+        <p:nvPicPr>
+          <p:cNvPr id="5" name="Picture 4" descr="A close-up of a cable&#10;&#10;AI-generated content may be incorrect.">
+            <a:extLst>
+              <a:ext uri="{FF2B5EF4-FFF2-40B4-BE49-F238E27FC236}">
+                <a16:creationId xmlns:a16="http://schemas.microsoft.com/office/drawing/2014/main" id="{1F3B055D-E29C-E6A1-7D24-154D3DD1B423}"/>
+              </a:ext>
+            </a:extLst>
+          </p:cNvPr>
+          <p:cNvPicPr>
+            <a:picLocks noChangeAspect="1"/>
+          </p:cNvPicPr>
+          <p:nvPr/>
+        </p:nvPicPr>
+        <p:blipFill>
+          <a:blip r:embed="rId3">
+            <a:extLst>
+              <a:ext uri="{28A0092B-C50C-407E-A947-70E740481C1C}">
+                <a14:useLocalDpi xmlns:a14="http://schemas.microsoft.com/office/drawing/2010/main" val="0"/>
+              </a:ext>
+            </a:extLst>
+          </a:blip>
+          <a:srcRect r="2" b="9817"/>
+          <a:stretch>
+            <a:fillRect/>
+          </a:stretch>
+        </p:blipFill>
+        <p:spPr>
+          <a:xfrm>
+            <a:off x="800101" y="3560491"/>
+            <a:ext cx="4076700" cy="2573610"/>
+          </a:xfrm>
+          <a:prstGeom prst="rect">
+            <a:avLst/>
+          </a:prstGeom>
+        </p:spPr>
+      </p:pic>
+      <p:sp>
+        <p:nvSpPr>
+          <p:cNvPr id="11" name="Content Placeholder 10">
+            <a:extLst>
+              <a:ext uri="{FF2B5EF4-FFF2-40B4-BE49-F238E27FC236}">
+                <a16:creationId xmlns:a16="http://schemas.microsoft.com/office/drawing/2014/main" id="{BFEA4B62-D72F-61F7-9E5B-CB77702794AF}"/>
+              </a:ext>
+            </a:extLst>
+          </p:cNvPr>
+          <p:cNvSpPr>
+            <a:spLocks noGrp="1"/>
+          </p:cNvSpPr>
+          <p:nvPr>
+            <p:ph idx="1"/>
+          </p:nvPr>
+        </p:nvSpPr>
+        <p:spPr>
+          <a:xfrm>
+            <a:off x="5511800" y="2226374"/>
+            <a:ext cx="5979565" cy="3603210"/>
+          </a:xfrm>
+        </p:spPr>
+        <p:txBody>
+          <a:bodyPr>
+            <a:normAutofit/>
+          </a:bodyPr>
+          <a:lstStyle/>
+          <a:p>
+            <a:r>
+              <a:rPr lang="en-US" dirty="0"/>
+              <a:t>Raspberry Pi model 3 b+.</a:t>
+            </a:r>
+          </a:p>
+          <a:p>
+            <a:endParaRPr lang="en-US" dirty="0"/>
+          </a:p>
+          <a:p>
+            <a:endParaRPr lang="en-US" dirty="0"/>
+          </a:p>
+          <a:p>
+            <a:endParaRPr lang="en-US" dirty="0"/>
+          </a:p>
+          <a:p>
+            <a:endParaRPr lang="en-US" dirty="0"/>
+          </a:p>
+          <a:p>
+            <a:r>
+              <a:rPr lang="en-US" dirty="0"/>
+              <a:t>A power supply converts power from the wall outlet to the Raspberry Pi.</a:t>
+            </a:r>
+          </a:p>
+        </p:txBody>
+      </p:sp>
+      <p:cxnSp>
+        <p:nvCxnSpPr>
+          <p:cNvPr id="31" name="Straight Connector 30">
+            <a:extLst>
+              <a:ext uri="{FF2B5EF4-FFF2-40B4-BE49-F238E27FC236}">
+                <a16:creationId xmlns:a16="http://schemas.microsoft.com/office/drawing/2014/main" id="{E51784B1-4DE1-43A3-95B9-A0EB6529F0B9}"/>
+              </a:ext>
+              <a:ext uri="{C183D7F6-B498-43B3-948B-1728B52AA6E4}">
+                <adec:decorative xmlns:adec="http://schemas.microsoft.com/office/drawing/2017/decorative" val="1"/>
+              </a:ext>
+            </a:extLst>
+          </p:cNvPr>
+          <p:cNvCxnSpPr>
+            <a:cxnSpLocks noGrp="1" noRot="1" noChangeAspect="1" noMove="1" noResize="1" noEditPoints="1" noAdjustHandles="1" noChangeArrowheads="1" noChangeShapeType="1"/>
+          </p:cNvCxnSpPr>
+          <p:nvPr>
+            <p:extLst>
+              <p:ext uri="{386F3935-93C4-4BCD-93E2-E3B085C9AB24}">
+                <p16:designElem xmlns:p16="http://schemas.microsoft.com/office/powerpoint/2015/main" val="1"/>
+              </p:ext>
+            </p:extLst>
+          </p:nvPr>
+        </p:nvCxnSpPr>
+        <p:spPr>
+          <a:xfrm>
+            <a:off x="5555466" y="6156846"/>
+            <a:ext cx="5874534" cy="0"/>
+          </a:xfrm>
+          <a:prstGeom prst="line">
+            <a:avLst/>
+          </a:prstGeom>
+          <a:ln w="12700">
+            <a:solidFill>
+              <a:schemeClr val="tx1"/>
+            </a:solidFill>
+          </a:ln>
+        </p:spPr>
+        <p:style>
+          <a:lnRef idx="1">
+            <a:schemeClr val="accent1"/>
+          </a:lnRef>
+          <a:fillRef idx="0">
+            <a:schemeClr val="accent1"/>
+          </a:fillRef>
+          <a:effectRef idx="0">
+            <a:schemeClr val="accent1"/>
+          </a:effectRef>
+          <a:fontRef idx="minor">
+            <a:schemeClr val="tx1"/>
+          </a:fontRef>
+        </p:style>
+      </p:cxnSp>
+    </p:spTree>
+    <p:extLst>
+      <p:ext uri="{BB962C8B-B14F-4D97-AF65-F5344CB8AC3E}">
+        <p14:creationId xmlns:p14="http://schemas.microsoft.com/office/powerpoint/2010/main" val="3776535828"/>
+      </p:ext>
+    </p:extLst>
+  </p:cSld>
+  <p:clrMapOvr>
+    <a:masterClrMapping/>
+  </p:clrMapOvr>
+</p:sld>
+</file>
+
+<file path=ppt/slides/slide8.xml><?xml version="1.0" encoding="utf-8"?>
 <p:sld xmlns:a="http://schemas.openxmlformats.org/drawingml/2006/main" xmlns:r="http://schemas.openxmlformats.org/officeDocument/2006/relationships" xmlns:p="http://schemas.openxmlformats.org/presentationml/2006/main">
   <p:cSld>
     <p:spTree>
@@ -18594,7 +21259,7 @@
 </p:sld>
 </file>
 
-<file path=ppt/slides/slide7.xml><?xml version="1.0" encoding="utf-8"?>
+<file path=ppt/slides/slide9.xml><?xml version="1.0" encoding="utf-8"?>
 <p:sld xmlns:a="http://schemas.openxmlformats.org/drawingml/2006/main" xmlns:r="http://schemas.openxmlformats.org/officeDocument/2006/relationships" xmlns:p="http://schemas.openxmlformats.org/presentationml/2006/main">
   <p:cSld>
     <p:spTree>
@@ -18883,1277 +21548,6 @@
 </p:sld>
 </file>
 
-<file path=ppt/slides/slide8.xml><?xml version="1.0" encoding="utf-8"?>
-<p:sld xmlns:a="http://schemas.openxmlformats.org/drawingml/2006/main" xmlns:r="http://schemas.openxmlformats.org/officeDocument/2006/relationships" xmlns:p="http://schemas.openxmlformats.org/presentationml/2006/main">
-  <p:cSld>
-    <p:spTree>
-      <p:nvGrpSpPr>
-        <p:cNvPr id="1" name="">
-          <a:extLst>
-            <a:ext uri="{FF2B5EF4-FFF2-40B4-BE49-F238E27FC236}">
-              <a16:creationId xmlns:a16="http://schemas.microsoft.com/office/drawing/2014/main" id="{6B3CDA5F-7AB4-B64C-40B9-D988B1A19329}"/>
-            </a:ext>
-          </a:extLst>
-        </p:cNvPr>
-        <p:cNvGrpSpPr/>
-        <p:nvPr/>
-      </p:nvGrpSpPr>
-      <p:grpSpPr>
-        <a:xfrm>
-          <a:off x="0" y="0"/>
-          <a:ext cx="0" cy="0"/>
-          <a:chOff x="0" y="0"/>
-          <a:chExt cx="0" cy="0"/>
-        </a:xfrm>
-      </p:grpSpPr>
-      <p:sp>
-        <p:nvSpPr>
-          <p:cNvPr id="2" name="Title 1">
-            <a:extLst>
-              <a:ext uri="{FF2B5EF4-FFF2-40B4-BE49-F238E27FC236}">
-                <a16:creationId xmlns:a16="http://schemas.microsoft.com/office/drawing/2014/main" id="{DB5A615C-EEC2-73BE-3EDA-89C327A50584}"/>
-              </a:ext>
-            </a:extLst>
-          </p:cNvPr>
-          <p:cNvSpPr>
-            <a:spLocks noGrp="1"/>
-          </p:cNvSpPr>
-          <p:nvPr>
-            <p:ph type="title"/>
-          </p:nvPr>
-        </p:nvSpPr>
-        <p:spPr>
-          <a:xfrm>
-            <a:off x="700635" y="914400"/>
-            <a:ext cx="10691265" cy="704538"/>
-          </a:xfrm>
-          <a:gradFill flip="none" rotWithShape="1">
-            <a:gsLst>
-              <a:gs pos="0">
-                <a:srgbClr val="F279A8">
-                  <a:tint val="66000"/>
-                  <a:satMod val="160000"/>
-                </a:srgbClr>
-              </a:gs>
-              <a:gs pos="50000">
-                <a:srgbClr val="F279A8">
-                  <a:tint val="44500"/>
-                  <a:satMod val="160000"/>
-                </a:srgbClr>
-              </a:gs>
-              <a:gs pos="100000">
-                <a:srgbClr val="F279A8">
-                  <a:tint val="23500"/>
-                  <a:satMod val="160000"/>
-                </a:srgbClr>
-              </a:gs>
-            </a:gsLst>
-            <a:lin ang="18900000" scaled="1"/>
-            <a:tileRect/>
-          </a:gradFill>
-        </p:spPr>
-        <p:txBody>
-          <a:bodyPr/>
-          <a:lstStyle/>
-          <a:p>
-            <a:r>
-              <a:rPr lang="en-CA">
-                <a:solidFill>
-                  <a:schemeClr val="bg1"/>
-                </a:solidFill>
-              </a:rPr>
-              <a:t>Setup – Static Ip</a:t>
-            </a:r>
-            <a:endParaRPr lang="en-CA" dirty="0">
-              <a:solidFill>
-                <a:schemeClr val="bg1"/>
-              </a:solidFill>
-            </a:endParaRPr>
-          </a:p>
-        </p:txBody>
-      </p:sp>
-      <p:sp>
-        <p:nvSpPr>
-          <p:cNvPr id="3" name="Content Placeholder 2">
-            <a:extLst>
-              <a:ext uri="{FF2B5EF4-FFF2-40B4-BE49-F238E27FC236}">
-                <a16:creationId xmlns:a16="http://schemas.microsoft.com/office/drawing/2014/main" id="{3C721D68-7F4B-5CE3-0421-F22C9AEA6514}"/>
-              </a:ext>
-            </a:extLst>
-          </p:cNvPr>
-          <p:cNvSpPr>
-            <a:spLocks noGrp="1"/>
-          </p:cNvSpPr>
-          <p:nvPr>
-            <p:ph idx="1"/>
-          </p:nvPr>
-        </p:nvSpPr>
-        <p:spPr>
-          <a:xfrm>
-            <a:off x="700635" y="1963711"/>
-            <a:ext cx="10691265" cy="3372787"/>
-          </a:xfrm>
-        </p:spPr>
-        <p:txBody>
-          <a:bodyPr/>
-          <a:lstStyle/>
-          <a:p>
-            <a:r>
-              <a:rPr lang="en-CA" dirty="0">
-                <a:solidFill>
-                  <a:srgbClr val="339966"/>
-                </a:solidFill>
-              </a:rPr>
-              <a:t>What is a static IP?</a:t>
-            </a:r>
-          </a:p>
-          <a:p>
-            <a:pPr lvl="1"/>
-            <a:r>
-              <a:rPr lang="en-CA" dirty="0">
-                <a:solidFill>
-                  <a:srgbClr val="339966"/>
-                </a:solidFill>
-              </a:rPr>
-              <a:t>Fixed internet protocol address used to maintain the same address whenever it’s connected to the internet.</a:t>
-            </a:r>
-          </a:p>
-          <a:p>
-            <a:r>
-              <a:rPr lang="en-CA" dirty="0">
-                <a:solidFill>
-                  <a:srgbClr val="339966"/>
-                </a:solidFill>
-              </a:rPr>
-              <a:t>What is DHCP?</a:t>
-            </a:r>
-          </a:p>
-          <a:p>
-            <a:pPr lvl="1"/>
-            <a:r>
-              <a:rPr lang="en-CA" dirty="0">
-                <a:solidFill>
-                  <a:srgbClr val="339966"/>
-                </a:solidFill>
-              </a:rPr>
-              <a:t>Protocol in a local network that, when plugged to a device, automatically gives an IP address.</a:t>
-            </a:r>
-          </a:p>
-          <a:p>
-            <a:r>
-              <a:rPr lang="en-CA" dirty="0">
-                <a:solidFill>
-                  <a:srgbClr val="339966"/>
-                </a:solidFill>
-              </a:rPr>
-              <a:t>Correlation:</a:t>
-            </a:r>
-          </a:p>
-          <a:p>
-            <a:pPr lvl="1"/>
-            <a:r>
-              <a:rPr lang="en-CA" dirty="0">
-                <a:solidFill>
-                  <a:srgbClr val="339966"/>
-                </a:solidFill>
-              </a:rPr>
-              <a:t>We use DHCP reservation so Pi-Hole always has the same static IP. DCHP normally assigns dynamic Ips, but since Pi-Hole requires a fixed Ip, we use a DHCP reservation to make its IP static.</a:t>
-            </a:r>
-          </a:p>
-        </p:txBody>
-      </p:sp>
-      <p:sp>
-        <p:nvSpPr>
-          <p:cNvPr id="4" name="Title 1">
-            <a:extLst>
-              <a:ext uri="{FF2B5EF4-FFF2-40B4-BE49-F238E27FC236}">
-                <a16:creationId xmlns:a16="http://schemas.microsoft.com/office/drawing/2014/main" id="{BD2B3463-BF8E-3A3D-7625-610E05979F50}"/>
-              </a:ext>
-            </a:extLst>
-          </p:cNvPr>
-          <p:cNvSpPr txBox="1">
-            <a:spLocks/>
-          </p:cNvSpPr>
-          <p:nvPr/>
-        </p:nvSpPr>
-        <p:spPr>
-          <a:xfrm rot="10800000">
-            <a:off x="750367" y="5591331"/>
-            <a:ext cx="10691265" cy="704538"/>
-          </a:xfrm>
-          <a:prstGeom prst="rect">
-            <a:avLst/>
-          </a:prstGeom>
-          <a:gradFill flip="none" rotWithShape="1">
-            <a:gsLst>
-              <a:gs pos="0">
-                <a:srgbClr val="F279A8">
-                  <a:tint val="66000"/>
-                  <a:satMod val="160000"/>
-                </a:srgbClr>
-              </a:gs>
-              <a:gs pos="50000">
-                <a:srgbClr val="F279A8">
-                  <a:tint val="44500"/>
-                  <a:satMod val="160000"/>
-                </a:srgbClr>
-              </a:gs>
-              <a:gs pos="100000">
-                <a:srgbClr val="F279A8">
-                  <a:tint val="23500"/>
-                  <a:satMod val="160000"/>
-                </a:srgbClr>
-              </a:gs>
-            </a:gsLst>
-            <a:lin ang="13500000" scaled="1"/>
-            <a:tileRect/>
-          </a:gradFill>
-        </p:spPr>
-        <p:txBody>
-          <a:bodyPr vert="horz" lIns="91440" tIns="45720" rIns="91440" bIns="45720" rtlCol="0" anchor="t">
-            <a:normAutofit/>
-          </a:bodyPr>
-          <a:lstStyle>
-            <a:lvl1pPr algn="l" defTabSz="914400" rtl="0" eaLnBrk="1" latinLnBrk="0" hangingPunct="1">
-              <a:lnSpc>
-                <a:spcPct val="100000"/>
-              </a:lnSpc>
-              <a:spcBef>
-                <a:spcPct val="0"/>
-              </a:spcBef>
-              <a:buNone/>
-              <a:defRPr sz="4000" kern="1200" cap="all" spc="30" baseline="0">
-                <a:solidFill>
-                  <a:schemeClr val="tx1"/>
-                </a:solidFill>
-                <a:latin typeface="+mj-lt"/>
-                <a:ea typeface="+mj-ea"/>
-                <a:cs typeface="+mj-cs"/>
-              </a:defRPr>
-            </a:lvl1pPr>
-          </a:lstStyle>
-          <a:p>
-            <a:r>
-              <a:rPr lang="en-CA" dirty="0">
-                <a:solidFill>
-                  <a:schemeClr val="bg1"/>
-                </a:solidFill>
-              </a:rPr>
-              <a:t>Setup – Static </a:t>
-            </a:r>
-            <a:r>
-              <a:rPr lang="en-CA" dirty="0" err="1">
-                <a:solidFill>
-                  <a:schemeClr val="bg1"/>
-                </a:solidFill>
-              </a:rPr>
-              <a:t>ip</a:t>
-            </a:r>
-            <a:endParaRPr lang="en-CA" dirty="0">
-              <a:solidFill>
-                <a:schemeClr val="bg1"/>
-              </a:solidFill>
-            </a:endParaRPr>
-          </a:p>
-        </p:txBody>
-      </p:sp>
-      <p:sp>
-        <p:nvSpPr>
-          <p:cNvPr id="7" name="Title 1">
-            <a:extLst>
-              <a:ext uri="{FF2B5EF4-FFF2-40B4-BE49-F238E27FC236}">
-                <a16:creationId xmlns:a16="http://schemas.microsoft.com/office/drawing/2014/main" id="{2C585AD6-C1B9-CE7A-D245-50B4E391E8D3}"/>
-              </a:ext>
-            </a:extLst>
-          </p:cNvPr>
-          <p:cNvSpPr txBox="1">
-            <a:spLocks/>
-          </p:cNvSpPr>
-          <p:nvPr/>
-        </p:nvSpPr>
-        <p:spPr>
-          <a:xfrm rot="10800000">
-            <a:off x="700635" y="82446"/>
-            <a:ext cx="10691265" cy="704538"/>
-          </a:xfrm>
-          <a:prstGeom prst="rect">
-            <a:avLst/>
-          </a:prstGeom>
-          <a:solidFill>
-            <a:schemeClr val="bg1"/>
-          </a:solidFill>
-        </p:spPr>
-        <p:txBody>
-          <a:bodyPr vert="horz" lIns="91440" tIns="45720" rIns="91440" bIns="45720" rtlCol="0" anchor="t">
-            <a:normAutofit/>
-          </a:bodyPr>
-          <a:lstStyle>
-            <a:lvl1pPr algn="l" defTabSz="914400" rtl="0" eaLnBrk="1" latinLnBrk="0" hangingPunct="1">
-              <a:lnSpc>
-                <a:spcPct val="100000"/>
-              </a:lnSpc>
-              <a:spcBef>
-                <a:spcPct val="0"/>
-              </a:spcBef>
-              <a:buNone/>
-              <a:defRPr sz="4000" kern="1200" cap="all" spc="30" baseline="0">
-                <a:solidFill>
-                  <a:schemeClr val="tx1"/>
-                </a:solidFill>
-                <a:latin typeface="+mj-lt"/>
-                <a:ea typeface="+mj-ea"/>
-                <a:cs typeface="+mj-cs"/>
-              </a:defRPr>
-            </a:lvl1pPr>
-          </a:lstStyle>
-          <a:p>
-            <a:endParaRPr lang="en-CA" dirty="0">
-              <a:solidFill>
-                <a:schemeClr val="bg1"/>
-              </a:solidFill>
-            </a:endParaRPr>
-          </a:p>
-        </p:txBody>
-      </p:sp>
-    </p:spTree>
-    <p:extLst>
-      <p:ext uri="{BB962C8B-B14F-4D97-AF65-F5344CB8AC3E}">
-        <p14:creationId xmlns:p14="http://schemas.microsoft.com/office/powerpoint/2010/main" val="1506659698"/>
-      </p:ext>
-    </p:extLst>
-  </p:cSld>
-  <p:clrMapOvr>
-    <a:masterClrMapping/>
-  </p:clrMapOvr>
-</p:sld>
-</file>
-
-<file path=ppt/slides/slide9.xml><?xml version="1.0" encoding="utf-8"?>
-<p:sld xmlns:a="http://schemas.openxmlformats.org/drawingml/2006/main" xmlns:r="http://schemas.openxmlformats.org/officeDocument/2006/relationships" xmlns:p="http://schemas.openxmlformats.org/presentationml/2006/main">
-  <p:cSld>
-    <p:spTree>
-      <p:nvGrpSpPr>
-        <p:cNvPr id="1" name="">
-          <a:extLst>
-            <a:ext uri="{FF2B5EF4-FFF2-40B4-BE49-F238E27FC236}">
-              <a16:creationId xmlns:a16="http://schemas.microsoft.com/office/drawing/2014/main" id="{CCDEA037-C81B-29CA-B563-C402CACA39D2}"/>
-            </a:ext>
-          </a:extLst>
-        </p:cNvPr>
-        <p:cNvGrpSpPr/>
-        <p:nvPr/>
-      </p:nvGrpSpPr>
-      <p:grpSpPr>
-        <a:xfrm>
-          <a:off x="0" y="0"/>
-          <a:ext cx="0" cy="0"/>
-          <a:chOff x="0" y="0"/>
-          <a:chExt cx="0" cy="0"/>
-        </a:xfrm>
-      </p:grpSpPr>
-      <p:sp>
-        <p:nvSpPr>
-          <p:cNvPr id="2" name="Title 1">
-            <a:extLst>
-              <a:ext uri="{FF2B5EF4-FFF2-40B4-BE49-F238E27FC236}">
-                <a16:creationId xmlns:a16="http://schemas.microsoft.com/office/drawing/2014/main" id="{28EDE274-209D-6811-FA96-EE07A8C88BFD}"/>
-              </a:ext>
-            </a:extLst>
-          </p:cNvPr>
-          <p:cNvSpPr>
-            <a:spLocks noGrp="1"/>
-          </p:cNvSpPr>
-          <p:nvPr>
-            <p:ph type="title"/>
-          </p:nvPr>
-        </p:nvSpPr>
-        <p:spPr>
-          <a:xfrm>
-            <a:off x="700635" y="914400"/>
-            <a:ext cx="10691265" cy="704538"/>
-          </a:xfrm>
-          <a:gradFill flip="none" rotWithShape="1">
-            <a:gsLst>
-              <a:gs pos="0">
-                <a:srgbClr val="F279A8">
-                  <a:tint val="66000"/>
-                  <a:satMod val="160000"/>
-                </a:srgbClr>
-              </a:gs>
-              <a:gs pos="50000">
-                <a:srgbClr val="F279A8">
-                  <a:tint val="44500"/>
-                  <a:satMod val="160000"/>
-                </a:srgbClr>
-              </a:gs>
-              <a:gs pos="100000">
-                <a:srgbClr val="F279A8">
-                  <a:tint val="23500"/>
-                  <a:satMod val="160000"/>
-                </a:srgbClr>
-              </a:gs>
-            </a:gsLst>
-            <a:lin ang="18900000" scaled="1"/>
-            <a:tileRect/>
-          </a:gradFill>
-        </p:spPr>
-        <p:txBody>
-          <a:bodyPr/>
-          <a:lstStyle/>
-          <a:p>
-            <a:r>
-              <a:rPr lang="en-CA" dirty="0">
-                <a:solidFill>
-                  <a:schemeClr val="bg1"/>
-                </a:solidFill>
-              </a:rPr>
-              <a:t>Setup – network Connection</a:t>
-            </a:r>
-          </a:p>
-        </p:txBody>
-      </p:sp>
-      <p:sp>
-        <p:nvSpPr>
-          <p:cNvPr id="4" name="Title 1">
-            <a:extLst>
-              <a:ext uri="{FF2B5EF4-FFF2-40B4-BE49-F238E27FC236}">
-                <a16:creationId xmlns:a16="http://schemas.microsoft.com/office/drawing/2014/main" id="{D23B6712-7B36-F03C-56A7-A079EFB301F2}"/>
-              </a:ext>
-            </a:extLst>
-          </p:cNvPr>
-          <p:cNvSpPr txBox="1">
-            <a:spLocks/>
-          </p:cNvSpPr>
-          <p:nvPr/>
-        </p:nvSpPr>
-        <p:spPr>
-          <a:xfrm rot="10800000">
-            <a:off x="750367" y="5591331"/>
-            <a:ext cx="10691265" cy="704538"/>
-          </a:xfrm>
-          <a:prstGeom prst="rect">
-            <a:avLst/>
-          </a:prstGeom>
-          <a:gradFill flip="none" rotWithShape="1">
-            <a:gsLst>
-              <a:gs pos="0">
-                <a:srgbClr val="F279A8">
-                  <a:tint val="66000"/>
-                  <a:satMod val="160000"/>
-                </a:srgbClr>
-              </a:gs>
-              <a:gs pos="50000">
-                <a:srgbClr val="F279A8">
-                  <a:tint val="44500"/>
-                  <a:satMod val="160000"/>
-                </a:srgbClr>
-              </a:gs>
-              <a:gs pos="100000">
-                <a:srgbClr val="F279A8">
-                  <a:tint val="23500"/>
-                  <a:satMod val="160000"/>
-                </a:srgbClr>
-              </a:gs>
-            </a:gsLst>
-            <a:lin ang="13500000" scaled="1"/>
-            <a:tileRect/>
-          </a:gradFill>
-        </p:spPr>
-        <p:txBody>
-          <a:bodyPr vert="horz" lIns="91440" tIns="45720" rIns="91440" bIns="45720" rtlCol="0" anchor="t">
-            <a:normAutofit/>
-          </a:bodyPr>
-          <a:lstStyle>
-            <a:lvl1pPr algn="l" defTabSz="914400" rtl="0" eaLnBrk="1" latinLnBrk="0" hangingPunct="1">
-              <a:lnSpc>
-                <a:spcPct val="100000"/>
-              </a:lnSpc>
-              <a:spcBef>
-                <a:spcPct val="0"/>
-              </a:spcBef>
-              <a:buNone/>
-              <a:defRPr sz="4000" kern="1200" cap="all" spc="30" baseline="0">
-                <a:solidFill>
-                  <a:schemeClr val="tx1"/>
-                </a:solidFill>
-                <a:latin typeface="+mj-lt"/>
-                <a:ea typeface="+mj-ea"/>
-                <a:cs typeface="+mj-cs"/>
-              </a:defRPr>
-            </a:lvl1pPr>
-          </a:lstStyle>
-          <a:p>
-            <a:r>
-              <a:rPr lang="en-CA" dirty="0">
-                <a:solidFill>
-                  <a:schemeClr val="bg1"/>
-                </a:solidFill>
-              </a:rPr>
-              <a:t>Setup – network connection</a:t>
-            </a:r>
-          </a:p>
-        </p:txBody>
-      </p:sp>
-      <p:sp>
-        <p:nvSpPr>
-          <p:cNvPr id="7" name="Title 1">
-            <a:extLst>
-              <a:ext uri="{FF2B5EF4-FFF2-40B4-BE49-F238E27FC236}">
-                <a16:creationId xmlns:a16="http://schemas.microsoft.com/office/drawing/2014/main" id="{D42239DE-BB5C-D507-E4AD-8881744EFF09}"/>
-              </a:ext>
-            </a:extLst>
-          </p:cNvPr>
-          <p:cNvSpPr txBox="1">
-            <a:spLocks/>
-          </p:cNvSpPr>
-          <p:nvPr/>
-        </p:nvSpPr>
-        <p:spPr>
-          <a:xfrm rot="10800000">
-            <a:off x="700635" y="82446"/>
-            <a:ext cx="10691265" cy="704538"/>
-          </a:xfrm>
-          <a:prstGeom prst="rect">
-            <a:avLst/>
-          </a:prstGeom>
-          <a:solidFill>
-            <a:schemeClr val="bg1"/>
-          </a:solidFill>
-        </p:spPr>
-        <p:txBody>
-          <a:bodyPr vert="horz" lIns="91440" tIns="45720" rIns="91440" bIns="45720" rtlCol="0" anchor="t">
-            <a:normAutofit/>
-          </a:bodyPr>
-          <a:lstStyle>
-            <a:lvl1pPr algn="l" defTabSz="914400" rtl="0" eaLnBrk="1" latinLnBrk="0" hangingPunct="1">
-              <a:lnSpc>
-                <a:spcPct val="100000"/>
-              </a:lnSpc>
-              <a:spcBef>
-                <a:spcPct val="0"/>
-              </a:spcBef>
-              <a:buNone/>
-              <a:defRPr sz="4000" kern="1200" cap="all" spc="30" baseline="0">
-                <a:solidFill>
-                  <a:schemeClr val="tx1"/>
-                </a:solidFill>
-                <a:latin typeface="+mj-lt"/>
-                <a:ea typeface="+mj-ea"/>
-                <a:cs typeface="+mj-cs"/>
-              </a:defRPr>
-            </a:lvl1pPr>
-          </a:lstStyle>
-          <a:p>
-            <a:endParaRPr lang="en-CA" dirty="0">
-              <a:solidFill>
-                <a:schemeClr val="bg1"/>
-              </a:solidFill>
-            </a:endParaRPr>
-          </a:p>
-        </p:txBody>
-      </p:sp>
-      <p:sp>
-        <p:nvSpPr>
-          <p:cNvPr id="17" name="Content Placeholder 16">
-            <a:extLst>
-              <a:ext uri="{FF2B5EF4-FFF2-40B4-BE49-F238E27FC236}">
-                <a16:creationId xmlns:a16="http://schemas.microsoft.com/office/drawing/2014/main" id="{BB4F6AC7-67F8-911F-25D9-C94834CF04B0}"/>
-              </a:ext>
-            </a:extLst>
-          </p:cNvPr>
-          <p:cNvSpPr>
-            <a:spLocks noGrp="1"/>
-          </p:cNvSpPr>
-          <p:nvPr>
-            <p:ph idx="1"/>
-          </p:nvPr>
-        </p:nvSpPr>
-        <p:spPr>
-          <a:xfrm>
-            <a:off x="6613631" y="2428407"/>
-            <a:ext cx="3863869" cy="1094244"/>
-          </a:xfrm>
-          <a:gradFill flip="none" rotWithShape="1">
-            <a:gsLst>
-              <a:gs pos="0">
-                <a:schemeClr val="accent5">
-                  <a:lumMod val="67000"/>
-                </a:schemeClr>
-              </a:gs>
-              <a:gs pos="48000">
-                <a:schemeClr val="accent5">
-                  <a:lumMod val="97000"/>
-                  <a:lumOff val="3000"/>
-                </a:schemeClr>
-              </a:gs>
-              <a:gs pos="100000">
-                <a:schemeClr val="accent5">
-                  <a:lumMod val="60000"/>
-                  <a:lumOff val="40000"/>
-                </a:schemeClr>
-              </a:gs>
-            </a:gsLst>
-            <a:lin ang="16200000" scaled="1"/>
-            <a:tileRect/>
-          </a:gradFill>
-          <a:ln>
-            <a:noFill/>
-          </a:ln>
-        </p:spPr>
-        <p:style>
-          <a:lnRef idx="0">
-            <a:scrgbClr r="0" g="0" b="0"/>
-          </a:lnRef>
-          <a:fillRef idx="0">
-            <a:scrgbClr r="0" g="0" b="0"/>
-          </a:fillRef>
-          <a:effectRef idx="0">
-            <a:scrgbClr r="0" g="0" b="0"/>
-          </a:effectRef>
-          <a:fontRef idx="minor">
-            <a:schemeClr val="lt1"/>
-          </a:fontRef>
-        </p:style>
-        <p:txBody>
-          <a:bodyPr anchor="ctr">
-            <a:normAutofit/>
-          </a:bodyPr>
-          <a:lstStyle/>
-          <a:p>
-            <a:pPr marL="0" indent="0" algn="ctr">
-              <a:buNone/>
-            </a:pPr>
-            <a:r>
-              <a:rPr lang="en-CA" sz="3200" dirty="0"/>
-              <a:t>Wi-Fi</a:t>
-            </a:r>
-          </a:p>
-        </p:txBody>
-      </p:sp>
-      <p:sp>
-        <p:nvSpPr>
-          <p:cNvPr id="19" name="Content Placeholder 16">
-            <a:extLst>
-              <a:ext uri="{FF2B5EF4-FFF2-40B4-BE49-F238E27FC236}">
-                <a16:creationId xmlns:a16="http://schemas.microsoft.com/office/drawing/2014/main" id="{C408E213-89FD-5FD4-0A2D-9719DE22DD97}"/>
-              </a:ext>
-            </a:extLst>
-          </p:cNvPr>
-          <p:cNvSpPr txBox="1">
-            <a:spLocks/>
-          </p:cNvSpPr>
-          <p:nvPr/>
-        </p:nvSpPr>
-        <p:spPr>
-          <a:xfrm>
-            <a:off x="1714500" y="2023709"/>
-            <a:ext cx="3863869" cy="1498942"/>
-          </a:xfrm>
-          <a:prstGeom prst="rect">
-            <a:avLst/>
-          </a:prstGeom>
-          <a:gradFill flip="none" rotWithShape="1">
-            <a:gsLst>
-              <a:gs pos="0">
-                <a:schemeClr val="accent6">
-                  <a:lumMod val="67000"/>
-                </a:schemeClr>
-              </a:gs>
-              <a:gs pos="48000">
-                <a:schemeClr val="accent6">
-                  <a:lumMod val="97000"/>
-                  <a:lumOff val="3000"/>
-                </a:schemeClr>
-              </a:gs>
-              <a:gs pos="100000">
-                <a:schemeClr val="accent6">
-                  <a:lumMod val="60000"/>
-                  <a:lumOff val="40000"/>
-                </a:schemeClr>
-              </a:gs>
-            </a:gsLst>
-            <a:lin ang="16200000" scaled="1"/>
-            <a:tileRect/>
-          </a:gradFill>
-          <a:ln>
-            <a:noFill/>
-          </a:ln>
-        </p:spPr>
-        <p:style>
-          <a:lnRef idx="0">
-            <a:scrgbClr r="0" g="0" b="0"/>
-          </a:lnRef>
-          <a:fillRef idx="0">
-            <a:scrgbClr r="0" g="0" b="0"/>
-          </a:fillRef>
-          <a:effectRef idx="0">
-            <a:scrgbClr r="0" g="0" b="0"/>
-          </a:effectRef>
-          <a:fontRef idx="minor">
-            <a:schemeClr val="lt1"/>
-          </a:fontRef>
-        </p:style>
-        <p:txBody>
-          <a:bodyPr vert="horz" lIns="91440" tIns="45720" rIns="91440" bIns="45720" rtlCol="0" anchor="ctr">
-            <a:normAutofit/>
-          </a:bodyPr>
-          <a:lstStyle>
-            <a:lvl1pPr marL="228600" indent="-228600" algn="l" defTabSz="914400" rtl="0" eaLnBrk="1" latinLnBrk="0" hangingPunct="1">
-              <a:lnSpc>
-                <a:spcPct val="110000"/>
-              </a:lnSpc>
-              <a:spcBef>
-                <a:spcPts val="1000"/>
-              </a:spcBef>
-              <a:buFont typeface="Arial" panose="020B0604020202020204" pitchFamily="34" charset="0"/>
-              <a:buChar char="•"/>
-              <a:defRPr sz="2000" kern="1200">
-                <a:solidFill>
-                  <a:schemeClr val="tx1"/>
-                </a:solidFill>
-                <a:latin typeface="+mn-lt"/>
-                <a:ea typeface="+mn-ea"/>
-                <a:cs typeface="+mn-cs"/>
-              </a:defRPr>
-            </a:lvl1pPr>
-            <a:lvl2pPr marL="685800" indent="-228600" algn="l" defTabSz="914400" rtl="0" eaLnBrk="1" latinLnBrk="0" hangingPunct="1">
-              <a:lnSpc>
-                <a:spcPct val="110000"/>
-              </a:lnSpc>
-              <a:spcBef>
-                <a:spcPts val="500"/>
-              </a:spcBef>
-              <a:buFont typeface="Arial" panose="020B0604020202020204" pitchFamily="34" charset="0"/>
-              <a:buChar char="•"/>
-              <a:defRPr sz="1800" kern="1200">
-                <a:solidFill>
-                  <a:schemeClr val="tx1"/>
-                </a:solidFill>
-                <a:latin typeface="+mn-lt"/>
-                <a:ea typeface="+mn-ea"/>
-                <a:cs typeface="+mn-cs"/>
-              </a:defRPr>
-            </a:lvl2pPr>
-            <a:lvl3pPr marL="1143000" indent="-228600" algn="l" defTabSz="914400" rtl="0" eaLnBrk="1" latinLnBrk="0" hangingPunct="1">
-              <a:lnSpc>
-                <a:spcPct val="110000"/>
-              </a:lnSpc>
-              <a:spcBef>
-                <a:spcPts val="500"/>
-              </a:spcBef>
-              <a:buFont typeface="Arial" panose="020B0604020202020204" pitchFamily="34" charset="0"/>
-              <a:buChar char="•"/>
-              <a:defRPr sz="1600" kern="1200">
-                <a:solidFill>
-                  <a:schemeClr val="tx1"/>
-                </a:solidFill>
-                <a:latin typeface="+mn-lt"/>
-                <a:ea typeface="+mn-ea"/>
-                <a:cs typeface="+mn-cs"/>
-              </a:defRPr>
-            </a:lvl3pPr>
-            <a:lvl4pPr marL="1600200" indent="-228600" algn="l" defTabSz="914400" rtl="0" eaLnBrk="1" latinLnBrk="0" hangingPunct="1">
-              <a:lnSpc>
-                <a:spcPct val="110000"/>
-              </a:lnSpc>
-              <a:spcBef>
-                <a:spcPts val="500"/>
-              </a:spcBef>
-              <a:buFont typeface="Arial" panose="020B0604020202020204" pitchFamily="34" charset="0"/>
-              <a:buChar char="•"/>
-              <a:defRPr sz="1400" kern="1200">
-                <a:solidFill>
-                  <a:schemeClr val="tx1"/>
-                </a:solidFill>
-                <a:latin typeface="+mn-lt"/>
-                <a:ea typeface="+mn-ea"/>
-                <a:cs typeface="+mn-cs"/>
-              </a:defRPr>
-            </a:lvl4pPr>
-            <a:lvl5pPr marL="2057400" indent="-228600" algn="l" defTabSz="914400" rtl="0" eaLnBrk="1" latinLnBrk="0" hangingPunct="1">
-              <a:lnSpc>
-                <a:spcPct val="110000"/>
-              </a:lnSpc>
-              <a:spcBef>
-                <a:spcPts val="500"/>
-              </a:spcBef>
-              <a:buFont typeface="Arial" panose="020B0604020202020204" pitchFamily="34" charset="0"/>
-              <a:buChar char="•"/>
-              <a:defRPr sz="1400" kern="1200">
-                <a:solidFill>
-                  <a:schemeClr val="tx1"/>
-                </a:solidFill>
-                <a:latin typeface="+mn-lt"/>
-                <a:ea typeface="+mn-ea"/>
-                <a:cs typeface="+mn-cs"/>
-              </a:defRPr>
-            </a:lvl5pPr>
-            <a:lvl6pPr marL="2514600" indent="-228600" algn="l" defTabSz="914400" rtl="0" eaLnBrk="1" latinLnBrk="0" hangingPunct="1">
-              <a:lnSpc>
-                <a:spcPct val="90000"/>
-              </a:lnSpc>
-              <a:spcBef>
-                <a:spcPts val="500"/>
-              </a:spcBef>
-              <a:buFont typeface="Arial" panose="020B0604020202020204" pitchFamily="34" charset="0"/>
-              <a:buChar char="•"/>
-              <a:defRPr sz="1800" kern="1200">
-                <a:solidFill>
-                  <a:schemeClr val="tx1"/>
-                </a:solidFill>
-                <a:latin typeface="+mn-lt"/>
-                <a:ea typeface="+mn-ea"/>
-                <a:cs typeface="+mn-cs"/>
-              </a:defRPr>
-            </a:lvl6pPr>
-            <a:lvl7pPr marL="2971800" indent="-228600" algn="l" defTabSz="914400" rtl="0" eaLnBrk="1" latinLnBrk="0" hangingPunct="1">
-              <a:lnSpc>
-                <a:spcPct val="90000"/>
-              </a:lnSpc>
-              <a:spcBef>
-                <a:spcPts val="500"/>
-              </a:spcBef>
-              <a:buFont typeface="Arial" panose="020B0604020202020204" pitchFamily="34" charset="0"/>
-              <a:buChar char="•"/>
-              <a:defRPr sz="1800" kern="1200">
-                <a:solidFill>
-                  <a:schemeClr val="tx1"/>
-                </a:solidFill>
-                <a:latin typeface="+mn-lt"/>
-                <a:ea typeface="+mn-ea"/>
-                <a:cs typeface="+mn-cs"/>
-              </a:defRPr>
-            </a:lvl7pPr>
-            <a:lvl8pPr marL="3429000" indent="-228600" algn="l" defTabSz="914400" rtl="0" eaLnBrk="1" latinLnBrk="0" hangingPunct="1">
-              <a:lnSpc>
-                <a:spcPct val="90000"/>
-              </a:lnSpc>
-              <a:spcBef>
-                <a:spcPts val="500"/>
-              </a:spcBef>
-              <a:buFont typeface="Arial" panose="020B0604020202020204" pitchFamily="34" charset="0"/>
-              <a:buChar char="•"/>
-              <a:defRPr sz="1800" kern="1200">
-                <a:solidFill>
-                  <a:schemeClr val="tx1"/>
-                </a:solidFill>
-                <a:latin typeface="+mn-lt"/>
-                <a:ea typeface="+mn-ea"/>
-                <a:cs typeface="+mn-cs"/>
-              </a:defRPr>
-            </a:lvl8pPr>
-            <a:lvl9pPr marL="3886200" indent="-228600" algn="l" defTabSz="914400" rtl="0" eaLnBrk="1" latinLnBrk="0" hangingPunct="1">
-              <a:lnSpc>
-                <a:spcPct val="90000"/>
-              </a:lnSpc>
-              <a:spcBef>
-                <a:spcPts val="500"/>
-              </a:spcBef>
-              <a:buFont typeface="Arial" panose="020B0604020202020204" pitchFamily="34" charset="0"/>
-              <a:buChar char="•"/>
-              <a:defRPr sz="1800" kern="1200">
-                <a:solidFill>
-                  <a:schemeClr val="tx1"/>
-                </a:solidFill>
-                <a:latin typeface="+mn-lt"/>
-                <a:ea typeface="+mn-ea"/>
-                <a:cs typeface="+mn-cs"/>
-              </a:defRPr>
-            </a:lvl9pPr>
-          </a:lstStyle>
-          <a:p>
-            <a:pPr marL="0" indent="0" algn="ctr">
-              <a:buNone/>
-            </a:pPr>
-            <a:r>
-              <a:rPr lang="en-CA" sz="3200" dirty="0">
-                <a:solidFill>
-                  <a:schemeClr val="bg1"/>
-                </a:solidFill>
-              </a:rPr>
-              <a:t>Ethernet</a:t>
-            </a:r>
-          </a:p>
-        </p:txBody>
-      </p:sp>
-      <p:sp>
-        <p:nvSpPr>
-          <p:cNvPr id="20" name="Content Placeholder 16">
-            <a:extLst>
-              <a:ext uri="{FF2B5EF4-FFF2-40B4-BE49-F238E27FC236}">
-                <a16:creationId xmlns:a16="http://schemas.microsoft.com/office/drawing/2014/main" id="{3A0AFB37-A81F-415D-3D19-443CC9C1DCF8}"/>
-              </a:ext>
-            </a:extLst>
-          </p:cNvPr>
-          <p:cNvSpPr txBox="1">
-            <a:spLocks/>
-          </p:cNvSpPr>
-          <p:nvPr/>
-        </p:nvSpPr>
-        <p:spPr>
-          <a:xfrm>
-            <a:off x="1714500" y="3807520"/>
-            <a:ext cx="8763000" cy="1498942"/>
-          </a:xfrm>
-          <a:prstGeom prst="rect">
-            <a:avLst/>
-          </a:prstGeom>
-          <a:gradFill flip="none" rotWithShape="1">
-            <a:gsLst>
-              <a:gs pos="0">
-                <a:schemeClr val="accent6">
-                  <a:lumMod val="67000"/>
-                </a:schemeClr>
-              </a:gs>
-              <a:gs pos="48000">
-                <a:schemeClr val="accent6">
-                  <a:lumMod val="97000"/>
-                  <a:lumOff val="3000"/>
-                </a:schemeClr>
-              </a:gs>
-              <a:gs pos="100000">
-                <a:schemeClr val="accent6">
-                  <a:lumMod val="60000"/>
-                  <a:lumOff val="40000"/>
-                </a:schemeClr>
-              </a:gs>
-            </a:gsLst>
-            <a:lin ang="16200000" scaled="1"/>
-            <a:tileRect/>
-          </a:gradFill>
-          <a:ln>
-            <a:noFill/>
-          </a:ln>
-          <a:scene3d>
-            <a:camera prst="obliqueBottomRight"/>
-            <a:lightRig rig="threePt" dir="t"/>
-          </a:scene3d>
-        </p:spPr>
-        <p:style>
-          <a:lnRef idx="0">
-            <a:scrgbClr r="0" g="0" b="0"/>
-          </a:lnRef>
-          <a:fillRef idx="0">
-            <a:scrgbClr r="0" g="0" b="0"/>
-          </a:fillRef>
-          <a:effectRef idx="0">
-            <a:scrgbClr r="0" g="0" b="0"/>
-          </a:effectRef>
-          <a:fontRef idx="minor">
-            <a:schemeClr val="lt1"/>
-          </a:fontRef>
-        </p:style>
-        <p:txBody>
-          <a:bodyPr vert="horz" lIns="91440" tIns="45720" rIns="91440" bIns="45720" rtlCol="0" anchor="ctr">
-            <a:normAutofit/>
-          </a:bodyPr>
-          <a:lstStyle>
-            <a:lvl1pPr marL="228600" indent="-228600" algn="l" defTabSz="914400" rtl="0" eaLnBrk="1" latinLnBrk="0" hangingPunct="1">
-              <a:lnSpc>
-                <a:spcPct val="110000"/>
-              </a:lnSpc>
-              <a:spcBef>
-                <a:spcPts val="1000"/>
-              </a:spcBef>
-              <a:buFont typeface="Arial" panose="020B0604020202020204" pitchFamily="34" charset="0"/>
-              <a:buChar char="•"/>
-              <a:defRPr sz="2000" kern="1200">
-                <a:solidFill>
-                  <a:schemeClr val="tx1"/>
-                </a:solidFill>
-                <a:latin typeface="+mn-lt"/>
-                <a:ea typeface="+mn-ea"/>
-                <a:cs typeface="+mn-cs"/>
-              </a:defRPr>
-            </a:lvl1pPr>
-            <a:lvl2pPr marL="685800" indent="-228600" algn="l" defTabSz="914400" rtl="0" eaLnBrk="1" latinLnBrk="0" hangingPunct="1">
-              <a:lnSpc>
-                <a:spcPct val="110000"/>
-              </a:lnSpc>
-              <a:spcBef>
-                <a:spcPts val="500"/>
-              </a:spcBef>
-              <a:buFont typeface="Arial" panose="020B0604020202020204" pitchFamily="34" charset="0"/>
-              <a:buChar char="•"/>
-              <a:defRPr sz="1800" kern="1200">
-                <a:solidFill>
-                  <a:schemeClr val="tx1"/>
-                </a:solidFill>
-                <a:latin typeface="+mn-lt"/>
-                <a:ea typeface="+mn-ea"/>
-                <a:cs typeface="+mn-cs"/>
-              </a:defRPr>
-            </a:lvl2pPr>
-            <a:lvl3pPr marL="1143000" indent="-228600" algn="l" defTabSz="914400" rtl="0" eaLnBrk="1" latinLnBrk="0" hangingPunct="1">
-              <a:lnSpc>
-                <a:spcPct val="110000"/>
-              </a:lnSpc>
-              <a:spcBef>
-                <a:spcPts val="500"/>
-              </a:spcBef>
-              <a:buFont typeface="Arial" panose="020B0604020202020204" pitchFamily="34" charset="0"/>
-              <a:buChar char="•"/>
-              <a:defRPr sz="1600" kern="1200">
-                <a:solidFill>
-                  <a:schemeClr val="tx1"/>
-                </a:solidFill>
-                <a:latin typeface="+mn-lt"/>
-                <a:ea typeface="+mn-ea"/>
-                <a:cs typeface="+mn-cs"/>
-              </a:defRPr>
-            </a:lvl3pPr>
-            <a:lvl4pPr marL="1600200" indent="-228600" algn="l" defTabSz="914400" rtl="0" eaLnBrk="1" latinLnBrk="0" hangingPunct="1">
-              <a:lnSpc>
-                <a:spcPct val="110000"/>
-              </a:lnSpc>
-              <a:spcBef>
-                <a:spcPts val="500"/>
-              </a:spcBef>
-              <a:buFont typeface="Arial" panose="020B0604020202020204" pitchFamily="34" charset="0"/>
-              <a:buChar char="•"/>
-              <a:defRPr sz="1400" kern="1200">
-                <a:solidFill>
-                  <a:schemeClr val="tx1"/>
-                </a:solidFill>
-                <a:latin typeface="+mn-lt"/>
-                <a:ea typeface="+mn-ea"/>
-                <a:cs typeface="+mn-cs"/>
-              </a:defRPr>
-            </a:lvl4pPr>
-            <a:lvl5pPr marL="2057400" indent="-228600" algn="l" defTabSz="914400" rtl="0" eaLnBrk="1" latinLnBrk="0" hangingPunct="1">
-              <a:lnSpc>
-                <a:spcPct val="110000"/>
-              </a:lnSpc>
-              <a:spcBef>
-                <a:spcPts val="500"/>
-              </a:spcBef>
-              <a:buFont typeface="Arial" panose="020B0604020202020204" pitchFamily="34" charset="0"/>
-              <a:buChar char="•"/>
-              <a:defRPr sz="1400" kern="1200">
-                <a:solidFill>
-                  <a:schemeClr val="tx1"/>
-                </a:solidFill>
-                <a:latin typeface="+mn-lt"/>
-                <a:ea typeface="+mn-ea"/>
-                <a:cs typeface="+mn-cs"/>
-              </a:defRPr>
-            </a:lvl5pPr>
-            <a:lvl6pPr marL="2514600" indent="-228600" algn="l" defTabSz="914400" rtl="0" eaLnBrk="1" latinLnBrk="0" hangingPunct="1">
-              <a:lnSpc>
-                <a:spcPct val="90000"/>
-              </a:lnSpc>
-              <a:spcBef>
-                <a:spcPts val="500"/>
-              </a:spcBef>
-              <a:buFont typeface="Arial" panose="020B0604020202020204" pitchFamily="34" charset="0"/>
-              <a:buChar char="•"/>
-              <a:defRPr sz="1800" kern="1200">
-                <a:solidFill>
-                  <a:schemeClr val="tx1"/>
-                </a:solidFill>
-                <a:latin typeface="+mn-lt"/>
-                <a:ea typeface="+mn-ea"/>
-                <a:cs typeface="+mn-cs"/>
-              </a:defRPr>
-            </a:lvl6pPr>
-            <a:lvl7pPr marL="2971800" indent="-228600" algn="l" defTabSz="914400" rtl="0" eaLnBrk="1" latinLnBrk="0" hangingPunct="1">
-              <a:lnSpc>
-                <a:spcPct val="90000"/>
-              </a:lnSpc>
-              <a:spcBef>
-                <a:spcPts val="500"/>
-              </a:spcBef>
-              <a:buFont typeface="Arial" panose="020B0604020202020204" pitchFamily="34" charset="0"/>
-              <a:buChar char="•"/>
-              <a:defRPr sz="1800" kern="1200">
-                <a:solidFill>
-                  <a:schemeClr val="tx1"/>
-                </a:solidFill>
-                <a:latin typeface="+mn-lt"/>
-                <a:ea typeface="+mn-ea"/>
-                <a:cs typeface="+mn-cs"/>
-              </a:defRPr>
-            </a:lvl7pPr>
-            <a:lvl8pPr marL="3429000" indent="-228600" algn="l" defTabSz="914400" rtl="0" eaLnBrk="1" latinLnBrk="0" hangingPunct="1">
-              <a:lnSpc>
-                <a:spcPct val="90000"/>
-              </a:lnSpc>
-              <a:spcBef>
-                <a:spcPts val="500"/>
-              </a:spcBef>
-              <a:buFont typeface="Arial" panose="020B0604020202020204" pitchFamily="34" charset="0"/>
-              <a:buChar char="•"/>
-              <a:defRPr sz="1800" kern="1200">
-                <a:solidFill>
-                  <a:schemeClr val="tx1"/>
-                </a:solidFill>
-                <a:latin typeface="+mn-lt"/>
-                <a:ea typeface="+mn-ea"/>
-                <a:cs typeface="+mn-cs"/>
-              </a:defRPr>
-            </a:lvl8pPr>
-            <a:lvl9pPr marL="3886200" indent="-228600" algn="l" defTabSz="914400" rtl="0" eaLnBrk="1" latinLnBrk="0" hangingPunct="1">
-              <a:lnSpc>
-                <a:spcPct val="90000"/>
-              </a:lnSpc>
-              <a:spcBef>
-                <a:spcPts val="500"/>
-              </a:spcBef>
-              <a:buFont typeface="Arial" panose="020B0604020202020204" pitchFamily="34" charset="0"/>
-              <a:buChar char="•"/>
-              <a:defRPr sz="1800" kern="1200">
-                <a:solidFill>
-                  <a:schemeClr val="tx1"/>
-                </a:solidFill>
-                <a:latin typeface="+mn-lt"/>
-                <a:ea typeface="+mn-ea"/>
-                <a:cs typeface="+mn-cs"/>
-              </a:defRPr>
-            </a:lvl9pPr>
-          </a:lstStyle>
-          <a:p>
-            <a:pPr marL="0" indent="0" algn="ctr">
-              <a:buNone/>
-            </a:pPr>
-            <a:r>
-              <a:rPr lang="en-CA" sz="3200" dirty="0">
-                <a:solidFill>
-                  <a:schemeClr val="bg1"/>
-                </a:solidFill>
-              </a:rPr>
-              <a:t>More stable &amp; faster compared to Wi-Fi</a:t>
-            </a:r>
-          </a:p>
-        </p:txBody>
-      </p:sp>
-      <p:pic>
-        <p:nvPicPr>
-          <p:cNvPr id="22" name="Graphic 21" descr="Cursor with solid fill">
-            <a:extLst>
-              <a:ext uri="{FF2B5EF4-FFF2-40B4-BE49-F238E27FC236}">
-                <a16:creationId xmlns:a16="http://schemas.microsoft.com/office/drawing/2014/main" id="{B98DC92F-9216-7439-130A-CE94079F7CD0}"/>
-              </a:ext>
-            </a:extLst>
-          </p:cNvPr>
-          <p:cNvPicPr>
-            <a:picLocks noChangeAspect="1"/>
-          </p:cNvPicPr>
-          <p:nvPr/>
-        </p:nvPicPr>
-        <p:blipFill>
-          <a:blip r:embed="rId2">
-            <a:extLst>
-              <a:ext uri="{96DAC541-7B7A-43D3-8B79-37D633B846F1}">
-                <asvg:svgBlip xmlns:asvg="http://schemas.microsoft.com/office/drawing/2016/SVG/main" r:embed="rId3"/>
-              </a:ext>
-            </a:extLst>
-          </a:blip>
-          <a:stretch>
-            <a:fillRect/>
-          </a:stretch>
-        </p:blipFill>
-        <p:spPr>
-          <a:xfrm>
-            <a:off x="4359875" y="2938074"/>
-            <a:ext cx="914400" cy="914400"/>
-          </a:xfrm>
-          <a:prstGeom prst="rect">
-            <a:avLst/>
-          </a:prstGeom>
-          <a:effectLst>
-            <a:outerShdw blurRad="50800" dist="38100" dir="2700000" algn="tl" rotWithShape="0">
-              <a:prstClr val="black">
-                <a:alpha val="40000"/>
-              </a:prstClr>
-            </a:outerShdw>
-          </a:effectLst>
-        </p:spPr>
-      </p:pic>
-      <p:pic>
-        <p:nvPicPr>
-          <p:cNvPr id="24" name="Graphic 23" descr="Wi-Fi with solid fill">
-            <a:extLst>
-              <a:ext uri="{FF2B5EF4-FFF2-40B4-BE49-F238E27FC236}">
-                <a16:creationId xmlns:a16="http://schemas.microsoft.com/office/drawing/2014/main" id="{68A842EF-3B89-BD18-B436-85B0DB739943}"/>
-              </a:ext>
-            </a:extLst>
-          </p:cNvPr>
-          <p:cNvPicPr>
-            <a:picLocks noChangeAspect="1"/>
-          </p:cNvPicPr>
-          <p:nvPr/>
-        </p:nvPicPr>
-        <p:blipFill>
-          <a:blip r:embed="rId4">
-            <a:extLst>
-              <a:ext uri="{96DAC541-7B7A-43D3-8B79-37D633B846F1}">
-                <asvg:svgBlip xmlns:asvg="http://schemas.microsoft.com/office/drawing/2016/SVG/main" r:embed="rId5"/>
-              </a:ext>
-            </a:extLst>
-          </a:blip>
-          <a:stretch>
-            <a:fillRect/>
-          </a:stretch>
-        </p:blipFill>
-        <p:spPr>
-          <a:xfrm>
-            <a:off x="10777495" y="3207876"/>
-            <a:ext cx="914400" cy="914400"/>
-          </a:xfrm>
-          <a:prstGeom prst="rect">
-            <a:avLst/>
-          </a:prstGeom>
-        </p:spPr>
-      </p:pic>
-      <p:pic>
-        <p:nvPicPr>
-          <p:cNvPr id="26" name="Graphic 25" descr="Ethernet with solid fill">
-            <a:extLst>
-              <a:ext uri="{FF2B5EF4-FFF2-40B4-BE49-F238E27FC236}">
-                <a16:creationId xmlns:a16="http://schemas.microsoft.com/office/drawing/2014/main" id="{BD5EBE3A-E44A-293F-EFAC-F94BC4329F26}"/>
-              </a:ext>
-            </a:extLst>
-          </p:cNvPr>
-          <p:cNvPicPr>
-            <a:picLocks noChangeAspect="1"/>
-          </p:cNvPicPr>
-          <p:nvPr/>
-        </p:nvPicPr>
-        <p:blipFill>
-          <a:blip r:embed="rId6">
-            <a:extLst>
-              <a:ext uri="{96DAC541-7B7A-43D3-8B79-37D633B846F1}">
-                <asvg:svgBlip xmlns:asvg="http://schemas.microsoft.com/office/drawing/2016/SVG/main" r:embed="rId7"/>
-              </a:ext>
-            </a:extLst>
-          </a:blip>
-          <a:stretch>
-            <a:fillRect/>
-          </a:stretch>
-        </p:blipFill>
-        <p:spPr>
-          <a:xfrm>
-            <a:off x="496006" y="3252828"/>
-            <a:ext cx="914400" cy="914400"/>
-          </a:xfrm>
-          <a:prstGeom prst="rect">
-            <a:avLst/>
-          </a:prstGeom>
-        </p:spPr>
-      </p:pic>
-    </p:spTree>
-    <p:extLst>
-      <p:ext uri="{BB962C8B-B14F-4D97-AF65-F5344CB8AC3E}">
-        <p14:creationId xmlns:p14="http://schemas.microsoft.com/office/powerpoint/2010/main" val="2657635670"/>
-      </p:ext>
-    </p:extLst>
-  </p:cSld>
-  <p:clrMapOvr>
-    <a:masterClrMapping/>
-  </p:clrMapOvr>
-</p:sld>
-</file>
-
 <file path=ppt/theme/theme1.xml><?xml version="1.0" encoding="utf-8"?>
 <a:theme xmlns:a="http://schemas.openxmlformats.org/drawingml/2006/main" name="ChronicleVTI">
   <a:themeElements>

--- a/PiHole.pptx
+++ b/PiHole.pptx
@@ -14,12 +14,15 @@
     <p:sldId id="270" r:id="rId8"/>
     <p:sldId id="260" r:id="rId9"/>
     <p:sldId id="263" r:id="rId10"/>
-    <p:sldId id="264" r:id="rId11"/>
-    <p:sldId id="265" r:id="rId12"/>
-    <p:sldId id="266" r:id="rId13"/>
-    <p:sldId id="267" r:id="rId14"/>
-    <p:sldId id="268" r:id="rId15"/>
-    <p:sldId id="261" r:id="rId16"/>
+    <p:sldId id="271" r:id="rId11"/>
+    <p:sldId id="264" r:id="rId12"/>
+    <p:sldId id="265" r:id="rId13"/>
+    <p:sldId id="266" r:id="rId14"/>
+    <p:sldId id="267" r:id="rId15"/>
+    <p:sldId id="268" r:id="rId16"/>
+    <p:sldId id="273" r:id="rId17"/>
+    <p:sldId id="272" r:id="rId18"/>
+    <p:sldId id="261" r:id="rId19"/>
   </p:sldIdLst>
   <p:sldSz cx="12192000" cy="6858000"/>
   <p:notesSz cx="6858000" cy="9144000"/>
@@ -129,7 +132,7 @@
 <file path=ppt/revisionInfo.xml><?xml version="1.0" encoding="utf-8"?>
 <p1510:revInfo xmlns:a="http://schemas.openxmlformats.org/drawingml/2006/main" xmlns:r="http://schemas.openxmlformats.org/officeDocument/2006/relationships" xmlns:p1510="http://schemas.microsoft.com/office/powerpoint/2015/10/main">
   <p1510:revLst>
-    <p1510:client id="{847C804B-B892-456B-A343-0BE4FFE08708}" v="6" dt="2025-12-11T16:45:05.418"/>
+    <p1510:client id="{847C804B-B892-456B-A343-0BE4FFE08708}" v="13" dt="2025-12-11T17:57:08.080"/>
   </p1510:revLst>
 </p1510:revInfo>
 </file>
@@ -139,7 +142,7 @@
   <pc:docChgLst>
     <pc:chgData name="Fadwa Shalaby" userId="62e6d88fc2faf603" providerId="LiveId" clId="{A2F128E8-0067-4A3E-A68D-9B49A861D8E8}"/>
     <pc:docChg chg="undo custSel addSld modSld">
-      <pc:chgData name="Fadwa Shalaby" userId="62e6d88fc2faf603" providerId="LiveId" clId="{A2F128E8-0067-4A3E-A68D-9B49A861D8E8}" dt="2025-12-11T16:45:11.922" v="297" actId="26606"/>
+      <pc:chgData name="Fadwa Shalaby" userId="62e6d88fc2faf603" providerId="LiveId" clId="{A2F128E8-0067-4A3E-A68D-9B49A861D8E8}" dt="2025-12-11T17:57:10.822" v="783" actId="26606"/>
       <pc:docMkLst>
         <pc:docMk/>
       </pc:docMkLst>
@@ -214,8 +217,141 @@
           </ac:cxnSpMkLst>
         </pc:cxnChg>
       </pc:sldChg>
+      <pc:sldChg chg="addSp delSp modSp mod setBg">
+        <pc:chgData name="Fadwa Shalaby" userId="62e6d88fc2faf603" providerId="LiveId" clId="{A2F128E8-0067-4A3E-A68D-9B49A861D8E8}" dt="2025-12-11T17:47:58.410" v="726" actId="26606"/>
+        <pc:sldMkLst>
+          <pc:docMk/>
+          <pc:sldMk cId="2058517680" sldId="260"/>
+        </pc:sldMkLst>
+        <pc:spChg chg="mod">
+          <ac:chgData name="Fadwa Shalaby" userId="62e6d88fc2faf603" providerId="LiveId" clId="{A2F128E8-0067-4A3E-A68D-9B49A861D8E8}" dt="2025-12-11T17:47:58.410" v="726" actId="26606"/>
+          <ac:spMkLst>
+            <pc:docMk/>
+            <pc:sldMk cId="2058517680" sldId="260"/>
+            <ac:spMk id="2" creationId="{81A531C6-13AF-DE91-AD79-213150BE1C47}"/>
+          </ac:spMkLst>
+        </pc:spChg>
+        <pc:spChg chg="del">
+          <ac:chgData name="Fadwa Shalaby" userId="62e6d88fc2faf603" providerId="LiveId" clId="{A2F128E8-0067-4A3E-A68D-9B49A861D8E8}" dt="2025-12-11T17:47:43.356" v="721" actId="931"/>
+          <ac:spMkLst>
+            <pc:docMk/>
+            <pc:sldMk cId="2058517680" sldId="260"/>
+            <ac:spMk id="3" creationId="{7456A87B-4023-A72C-3715-26A60611CB28}"/>
+          </ac:spMkLst>
+        </pc:spChg>
+        <pc:spChg chg="add del">
+          <ac:chgData name="Fadwa Shalaby" userId="62e6d88fc2faf603" providerId="LiveId" clId="{A2F128E8-0067-4A3E-A68D-9B49A861D8E8}" dt="2025-12-11T17:47:58.400" v="725" actId="26606"/>
+          <ac:spMkLst>
+            <pc:docMk/>
+            <pc:sldMk cId="2058517680" sldId="260"/>
+            <ac:spMk id="14" creationId="{33E93247-6229-44AB-A550-739E971E690B}"/>
+          </ac:spMkLst>
+        </pc:spChg>
+        <pc:spChg chg="add">
+          <ac:chgData name="Fadwa Shalaby" userId="62e6d88fc2faf603" providerId="LiveId" clId="{A2F128E8-0067-4A3E-A68D-9B49A861D8E8}" dt="2025-12-11T17:47:58.410" v="726" actId="26606"/>
+          <ac:spMkLst>
+            <pc:docMk/>
+            <pc:sldMk cId="2058517680" sldId="260"/>
+            <ac:spMk id="21" creationId="{33E93247-6229-44AB-A550-739E971E690B}"/>
+          </ac:spMkLst>
+        </pc:spChg>
+        <pc:picChg chg="add mod">
+          <ac:chgData name="Fadwa Shalaby" userId="62e6d88fc2faf603" providerId="LiveId" clId="{A2F128E8-0067-4A3E-A68D-9B49A861D8E8}" dt="2025-12-11T17:47:58.410" v="726" actId="26606"/>
+          <ac:picMkLst>
+            <pc:docMk/>
+            <pc:sldMk cId="2058517680" sldId="260"/>
+            <ac:picMk id="5" creationId="{73CC08C9-C5D0-CFF7-5FAF-C7E42A741CCC}"/>
+          </ac:picMkLst>
+        </pc:picChg>
+        <pc:cxnChg chg="add del">
+          <ac:chgData name="Fadwa Shalaby" userId="62e6d88fc2faf603" providerId="LiveId" clId="{A2F128E8-0067-4A3E-A68D-9B49A861D8E8}" dt="2025-12-11T17:47:58.400" v="725" actId="26606"/>
+          <ac:cxnSpMkLst>
+            <pc:docMk/>
+            <pc:sldMk cId="2058517680" sldId="260"/>
+            <ac:cxnSpMk id="10" creationId="{F64F9B95-9045-48D2-B9F3-2927E98F54AA}"/>
+          </ac:cxnSpMkLst>
+        </pc:cxnChg>
+        <pc:cxnChg chg="add del">
+          <ac:chgData name="Fadwa Shalaby" userId="62e6d88fc2faf603" providerId="LiveId" clId="{A2F128E8-0067-4A3E-A68D-9B49A861D8E8}" dt="2025-12-11T17:47:58.400" v="725" actId="26606"/>
+          <ac:cxnSpMkLst>
+            <pc:docMk/>
+            <pc:sldMk cId="2058517680" sldId="260"/>
+            <ac:cxnSpMk id="12" creationId="{085AA86F-6A4D-4BCB-A045-D992CDC2959B}"/>
+          </ac:cxnSpMkLst>
+        </pc:cxnChg>
+        <pc:cxnChg chg="add del">
+          <ac:chgData name="Fadwa Shalaby" userId="62e6d88fc2faf603" providerId="LiveId" clId="{A2F128E8-0067-4A3E-A68D-9B49A861D8E8}" dt="2025-12-11T17:47:58.400" v="725" actId="26606"/>
+          <ac:cxnSpMkLst>
+            <pc:docMk/>
+            <pc:sldMk cId="2058517680" sldId="260"/>
+            <ac:cxnSpMk id="16" creationId="{EE2E603F-4A95-4FE8-BB06-211DFD75DBEF}"/>
+          </ac:cxnSpMkLst>
+        </pc:cxnChg>
+        <pc:cxnChg chg="add">
+          <ac:chgData name="Fadwa Shalaby" userId="62e6d88fc2faf603" providerId="LiveId" clId="{A2F128E8-0067-4A3E-A68D-9B49A861D8E8}" dt="2025-12-11T17:47:58.410" v="726" actId="26606"/>
+          <ac:cxnSpMkLst>
+            <pc:docMk/>
+            <pc:sldMk cId="2058517680" sldId="260"/>
+            <ac:cxnSpMk id="18" creationId="{D7CC41EB-2D81-4303-9171-6401B388BA35}"/>
+          </ac:cxnSpMkLst>
+        </pc:cxnChg>
+        <pc:cxnChg chg="add">
+          <ac:chgData name="Fadwa Shalaby" userId="62e6d88fc2faf603" providerId="LiveId" clId="{A2F128E8-0067-4A3E-A68D-9B49A861D8E8}" dt="2025-12-11T17:47:58.410" v="726" actId="26606"/>
+          <ac:cxnSpMkLst>
+            <pc:docMk/>
+            <pc:sldMk cId="2058517680" sldId="260"/>
+            <ac:cxnSpMk id="19" creationId="{F64F9B95-9045-48D2-B9F3-2927E98F54AA}"/>
+          </ac:cxnSpMkLst>
+        </pc:cxnChg>
+        <pc:cxnChg chg="add">
+          <ac:chgData name="Fadwa Shalaby" userId="62e6d88fc2faf603" providerId="LiveId" clId="{A2F128E8-0067-4A3E-A68D-9B49A861D8E8}" dt="2025-12-11T17:47:58.410" v="726" actId="26606"/>
+          <ac:cxnSpMkLst>
+            <pc:docMk/>
+            <pc:sldMk cId="2058517680" sldId="260"/>
+            <ac:cxnSpMk id="20" creationId="{085AA86F-6A4D-4BCB-A045-D992CDC2959B}"/>
+          </ac:cxnSpMkLst>
+        </pc:cxnChg>
+        <pc:cxnChg chg="add">
+          <ac:chgData name="Fadwa Shalaby" userId="62e6d88fc2faf603" providerId="LiveId" clId="{A2F128E8-0067-4A3E-A68D-9B49A861D8E8}" dt="2025-12-11T17:47:58.410" v="726" actId="26606"/>
+          <ac:cxnSpMkLst>
+            <pc:docMk/>
+            <pc:sldMk cId="2058517680" sldId="260"/>
+            <ac:cxnSpMk id="22" creationId="{EE2E603F-4A95-4FE8-BB06-211DFD75DBEF}"/>
+          </ac:cxnSpMkLst>
+        </pc:cxnChg>
+      </pc:sldChg>
+      <pc:sldChg chg="modSp mod">
+        <pc:chgData name="Fadwa Shalaby" userId="62e6d88fc2faf603" providerId="LiveId" clId="{A2F128E8-0067-4A3E-A68D-9B49A861D8E8}" dt="2025-12-11T17:36:32.072" v="717" actId="20577"/>
+        <pc:sldMkLst>
+          <pc:docMk/>
+          <pc:sldMk cId="525356965" sldId="263"/>
+        </pc:sldMkLst>
+        <pc:graphicFrameChg chg="modGraphic">
+          <ac:chgData name="Fadwa Shalaby" userId="62e6d88fc2faf603" providerId="LiveId" clId="{A2F128E8-0067-4A3E-A68D-9B49A861D8E8}" dt="2025-12-11T17:36:32.072" v="717" actId="20577"/>
+          <ac:graphicFrameMkLst>
+            <pc:docMk/>
+            <pc:sldMk cId="525356965" sldId="263"/>
+            <ac:graphicFrameMk id="8" creationId="{5EB2ACA8-65A9-A9D8-2A73-7BB9A2F4D8A2}"/>
+          </ac:graphicFrameMkLst>
+        </pc:graphicFrameChg>
+      </pc:sldChg>
+      <pc:sldChg chg="modSp mod">
+        <pc:chgData name="Fadwa Shalaby" userId="62e6d88fc2faf603" providerId="LiveId" clId="{A2F128E8-0067-4A3E-A68D-9B49A861D8E8}" dt="2025-12-11T17:36:54.419" v="720" actId="33524"/>
+        <pc:sldMkLst>
+          <pc:docMk/>
+          <pc:sldMk cId="1506659698" sldId="264"/>
+        </pc:sldMkLst>
+        <pc:spChg chg="mod">
+          <ac:chgData name="Fadwa Shalaby" userId="62e6d88fc2faf603" providerId="LiveId" clId="{A2F128E8-0067-4A3E-A68D-9B49A861D8E8}" dt="2025-12-11T17:36:54.419" v="720" actId="33524"/>
+          <ac:spMkLst>
+            <pc:docMk/>
+            <pc:sldMk cId="1506659698" sldId="264"/>
+            <ac:spMk id="3" creationId="{3C721D68-7F4B-5CE3-0421-F22C9AEA6514}"/>
+          </ac:spMkLst>
+        </pc:spChg>
+      </pc:sldChg>
       <pc:sldChg chg="addSp delSp modSp add mod">
-        <pc:chgData name="Fadwa Shalaby" userId="62e6d88fc2faf603" providerId="LiveId" clId="{A2F128E8-0067-4A3E-A68D-9B49A861D8E8}" dt="2025-12-11T16:42:38.979" v="287" actId="1076"/>
+        <pc:chgData name="Fadwa Shalaby" userId="62e6d88fc2faf603" providerId="LiveId" clId="{A2F128E8-0067-4A3E-A68D-9B49A861D8E8}" dt="2025-12-11T17:29:06.911" v="593" actId="14100"/>
         <pc:sldMkLst>
           <pc:docMk/>
           <pc:sldMk cId="1862995980" sldId="269"/>
@@ -229,7 +365,7 @@
           </ac:spMkLst>
         </pc:spChg>
         <pc:spChg chg="mod ord">
-          <ac:chgData name="Fadwa Shalaby" userId="62e6d88fc2faf603" providerId="LiveId" clId="{A2F128E8-0067-4A3E-A68D-9B49A861D8E8}" dt="2025-12-11T16:41:55.250" v="280" actId="26606"/>
+          <ac:chgData name="Fadwa Shalaby" userId="62e6d88fc2faf603" providerId="LiveId" clId="{A2F128E8-0067-4A3E-A68D-9B49A861D8E8}" dt="2025-12-11T17:29:06.911" v="593" actId="14100"/>
           <ac:spMkLst>
             <pc:docMk/>
             <pc:sldMk cId="1862995980" sldId="269"/>
@@ -342,7 +478,7 @@
         </pc:cxnChg>
       </pc:sldChg>
       <pc:sldChg chg="addSp delSp modSp add mod">
-        <pc:chgData name="Fadwa Shalaby" userId="62e6d88fc2faf603" providerId="LiveId" clId="{A2F128E8-0067-4A3E-A68D-9B49A861D8E8}" dt="2025-12-11T16:45:11.922" v="297" actId="26606"/>
+        <pc:chgData name="Fadwa Shalaby" userId="62e6d88fc2faf603" providerId="LiveId" clId="{A2F128E8-0067-4A3E-A68D-9B49A861D8E8}" dt="2025-12-11T17:29:41.458" v="682" actId="20577"/>
         <pc:sldMkLst>
           <pc:docMk/>
           <pc:sldMk cId="3776535828" sldId="270"/>
@@ -356,7 +492,7 @@
           </ac:spMkLst>
         </pc:spChg>
         <pc:spChg chg="mod ord">
-          <ac:chgData name="Fadwa Shalaby" userId="62e6d88fc2faf603" providerId="LiveId" clId="{A2F128E8-0067-4A3E-A68D-9B49A861D8E8}" dt="2025-12-11T16:45:11.922" v="297" actId="26606"/>
+          <ac:chgData name="Fadwa Shalaby" userId="62e6d88fc2faf603" providerId="LiveId" clId="{A2F128E8-0067-4A3E-A68D-9B49A861D8E8}" dt="2025-12-11T17:29:41.458" v="682" actId="20577"/>
           <ac:spMkLst>
             <pc:docMk/>
             <pc:sldMk cId="3776535828" sldId="270"/>
@@ -441,6 +577,163 @@
             <pc:docMk/>
             <pc:sldMk cId="3776535828" sldId="270"/>
             <ac:cxnSpMk id="31" creationId="{E51784B1-4DE1-43A3-95B9-A0EB6529F0B9}"/>
+          </ac:cxnSpMkLst>
+        </pc:cxnChg>
+      </pc:sldChg>
+      <pc:sldChg chg="addSp delSp modSp new mod setBg">
+        <pc:chgData name="Fadwa Shalaby" userId="62e6d88fc2faf603" providerId="LiveId" clId="{A2F128E8-0067-4A3E-A68D-9B49A861D8E8}" dt="2025-12-11T17:51:44.023" v="742" actId="26606"/>
+        <pc:sldMkLst>
+          <pc:docMk/>
+          <pc:sldMk cId="1863310679" sldId="271"/>
+        </pc:sldMkLst>
+        <pc:spChg chg="mod">
+          <ac:chgData name="Fadwa Shalaby" userId="62e6d88fc2faf603" providerId="LiveId" clId="{A2F128E8-0067-4A3E-A68D-9B49A861D8E8}" dt="2025-12-11T17:51:44.023" v="742" actId="26606"/>
+          <ac:spMkLst>
+            <pc:docMk/>
+            <pc:sldMk cId="1863310679" sldId="271"/>
+            <ac:spMk id="2" creationId="{30F80BC4-602E-124A-9A33-57966567BF15}"/>
+          </ac:spMkLst>
+        </pc:spChg>
+        <pc:spChg chg="del">
+          <ac:chgData name="Fadwa Shalaby" userId="62e6d88fc2faf603" providerId="LiveId" clId="{A2F128E8-0067-4A3E-A68D-9B49A861D8E8}" dt="2025-12-11T17:51:36.017" v="739" actId="931"/>
+          <ac:spMkLst>
+            <pc:docMk/>
+            <pc:sldMk cId="1863310679" sldId="271"/>
+            <ac:spMk id="3" creationId="{8921BF08-0575-BA0D-EE19-007F8D48DCE5}"/>
+          </ac:spMkLst>
+        </pc:spChg>
+        <pc:spChg chg="add">
+          <ac:chgData name="Fadwa Shalaby" userId="62e6d88fc2faf603" providerId="LiveId" clId="{A2F128E8-0067-4A3E-A68D-9B49A861D8E8}" dt="2025-12-11T17:51:44.023" v="742" actId="26606"/>
+          <ac:spMkLst>
+            <pc:docMk/>
+            <pc:sldMk cId="1863310679" sldId="271"/>
+            <ac:spMk id="14" creationId="{33E93247-6229-44AB-A550-739E971E690B}"/>
+          </ac:spMkLst>
+        </pc:spChg>
+        <pc:picChg chg="add mod">
+          <ac:chgData name="Fadwa Shalaby" userId="62e6d88fc2faf603" providerId="LiveId" clId="{A2F128E8-0067-4A3E-A68D-9B49A861D8E8}" dt="2025-12-11T17:51:44.023" v="742" actId="26606"/>
+          <ac:picMkLst>
+            <pc:docMk/>
+            <pc:sldMk cId="1863310679" sldId="271"/>
+            <ac:picMk id="5" creationId="{3A5A9F69-726E-DA0E-A00E-A83245911166}"/>
+          </ac:picMkLst>
+        </pc:picChg>
+        <pc:cxnChg chg="add">
+          <ac:chgData name="Fadwa Shalaby" userId="62e6d88fc2faf603" providerId="LiveId" clId="{A2F128E8-0067-4A3E-A68D-9B49A861D8E8}" dt="2025-12-11T17:51:44.023" v="742" actId="26606"/>
+          <ac:cxnSpMkLst>
+            <pc:docMk/>
+            <pc:sldMk cId="1863310679" sldId="271"/>
+            <ac:cxnSpMk id="10" creationId="{F64F9B95-9045-48D2-B9F3-2927E98F54AA}"/>
+          </ac:cxnSpMkLst>
+        </pc:cxnChg>
+        <pc:cxnChg chg="add">
+          <ac:chgData name="Fadwa Shalaby" userId="62e6d88fc2faf603" providerId="LiveId" clId="{A2F128E8-0067-4A3E-A68D-9B49A861D8E8}" dt="2025-12-11T17:51:44.023" v="742" actId="26606"/>
+          <ac:cxnSpMkLst>
+            <pc:docMk/>
+            <pc:sldMk cId="1863310679" sldId="271"/>
+            <ac:cxnSpMk id="12" creationId="{085AA86F-6A4D-4BCB-A045-D992CDC2959B}"/>
+          </ac:cxnSpMkLst>
+        </pc:cxnChg>
+        <pc:cxnChg chg="add">
+          <ac:chgData name="Fadwa Shalaby" userId="62e6d88fc2faf603" providerId="LiveId" clId="{A2F128E8-0067-4A3E-A68D-9B49A861D8E8}" dt="2025-12-11T17:51:44.023" v="742" actId="26606"/>
+          <ac:cxnSpMkLst>
+            <pc:docMk/>
+            <pc:sldMk cId="1863310679" sldId="271"/>
+            <ac:cxnSpMk id="16" creationId="{EE2E603F-4A95-4FE8-BB06-211DFD75DBEF}"/>
+          </ac:cxnSpMkLst>
+        </pc:cxnChg>
+        <pc:cxnChg chg="add">
+          <ac:chgData name="Fadwa Shalaby" userId="62e6d88fc2faf603" providerId="LiveId" clId="{A2F128E8-0067-4A3E-A68D-9B49A861D8E8}" dt="2025-12-11T17:51:44.023" v="742" actId="26606"/>
+          <ac:cxnSpMkLst>
+            <pc:docMk/>
+            <pc:sldMk cId="1863310679" sldId="271"/>
+            <ac:cxnSpMk id="18" creationId="{D7CC41EB-2D81-4303-9171-6401B388BA35}"/>
+          </ac:cxnSpMkLst>
+        </pc:cxnChg>
+      </pc:sldChg>
+      <pc:sldChg chg="modSp new mod">
+        <pc:chgData name="Fadwa Shalaby" userId="62e6d88fc2faf603" providerId="LiveId" clId="{A2F128E8-0067-4A3E-A68D-9B49A861D8E8}" dt="2025-12-11T17:53:00.033" v="747" actId="20577"/>
+        <pc:sldMkLst>
+          <pc:docMk/>
+          <pc:sldMk cId="2331027469" sldId="272"/>
+        </pc:sldMkLst>
+        <pc:spChg chg="mod">
+          <ac:chgData name="Fadwa Shalaby" userId="62e6d88fc2faf603" providerId="LiveId" clId="{A2F128E8-0067-4A3E-A68D-9B49A861D8E8}" dt="2025-12-11T17:53:00.033" v="747" actId="20577"/>
+          <ac:spMkLst>
+            <pc:docMk/>
+            <pc:sldMk cId="2331027469" sldId="272"/>
+            <ac:spMk id="2" creationId="{F6480EAB-E9AE-6F56-4E42-5EAEBDD0555C}"/>
+          </ac:spMkLst>
+        </pc:spChg>
+      </pc:sldChg>
+      <pc:sldChg chg="addSp delSp modSp new mod setBg">
+        <pc:chgData name="Fadwa Shalaby" userId="62e6d88fc2faf603" providerId="LiveId" clId="{A2F128E8-0067-4A3E-A68D-9B49A861D8E8}" dt="2025-12-11T17:57:10.822" v="783" actId="26606"/>
+        <pc:sldMkLst>
+          <pc:docMk/>
+          <pc:sldMk cId="1075891116" sldId="273"/>
+        </pc:sldMkLst>
+        <pc:spChg chg="mod">
+          <ac:chgData name="Fadwa Shalaby" userId="62e6d88fc2faf603" providerId="LiveId" clId="{A2F128E8-0067-4A3E-A68D-9B49A861D8E8}" dt="2025-12-11T17:57:10.822" v="783" actId="26606"/>
+          <ac:spMkLst>
+            <pc:docMk/>
+            <pc:sldMk cId="1075891116" sldId="273"/>
+            <ac:spMk id="2" creationId="{4B6E9FF9-FCE7-58B7-C73A-69EC0F6688AA}"/>
+          </ac:spMkLst>
+        </pc:spChg>
+        <pc:spChg chg="del">
+          <ac:chgData name="Fadwa Shalaby" userId="62e6d88fc2faf603" providerId="LiveId" clId="{A2F128E8-0067-4A3E-A68D-9B49A861D8E8}" dt="2025-12-11T17:57:08.080" v="780" actId="931"/>
+          <ac:spMkLst>
+            <pc:docMk/>
+            <pc:sldMk cId="1075891116" sldId="273"/>
+            <ac:spMk id="3" creationId="{639AF69E-22EA-1E68-4C5F-ED071D9A0117}"/>
+          </ac:spMkLst>
+        </pc:spChg>
+        <pc:spChg chg="add">
+          <ac:chgData name="Fadwa Shalaby" userId="62e6d88fc2faf603" providerId="LiveId" clId="{A2F128E8-0067-4A3E-A68D-9B49A861D8E8}" dt="2025-12-11T17:57:10.822" v="783" actId="26606"/>
+          <ac:spMkLst>
+            <pc:docMk/>
+            <pc:sldMk cId="1075891116" sldId="273"/>
+            <ac:spMk id="14" creationId="{33E93247-6229-44AB-A550-739E971E690B}"/>
+          </ac:spMkLst>
+        </pc:spChg>
+        <pc:picChg chg="add mod">
+          <ac:chgData name="Fadwa Shalaby" userId="62e6d88fc2faf603" providerId="LiveId" clId="{A2F128E8-0067-4A3E-A68D-9B49A861D8E8}" dt="2025-12-11T17:57:10.822" v="783" actId="26606"/>
+          <ac:picMkLst>
+            <pc:docMk/>
+            <pc:sldMk cId="1075891116" sldId="273"/>
+            <ac:picMk id="5" creationId="{4ECA0130-E9A8-BF51-FDEA-DA1D9A553930}"/>
+          </ac:picMkLst>
+        </pc:picChg>
+        <pc:cxnChg chg="add">
+          <ac:chgData name="Fadwa Shalaby" userId="62e6d88fc2faf603" providerId="LiveId" clId="{A2F128E8-0067-4A3E-A68D-9B49A861D8E8}" dt="2025-12-11T17:57:10.822" v="783" actId="26606"/>
+          <ac:cxnSpMkLst>
+            <pc:docMk/>
+            <pc:sldMk cId="1075891116" sldId="273"/>
+            <ac:cxnSpMk id="10" creationId="{F64F9B95-9045-48D2-B9F3-2927E98F54AA}"/>
+          </ac:cxnSpMkLst>
+        </pc:cxnChg>
+        <pc:cxnChg chg="add">
+          <ac:chgData name="Fadwa Shalaby" userId="62e6d88fc2faf603" providerId="LiveId" clId="{A2F128E8-0067-4A3E-A68D-9B49A861D8E8}" dt="2025-12-11T17:57:10.822" v="783" actId="26606"/>
+          <ac:cxnSpMkLst>
+            <pc:docMk/>
+            <pc:sldMk cId="1075891116" sldId="273"/>
+            <ac:cxnSpMk id="12" creationId="{085AA86F-6A4D-4BCB-A045-D992CDC2959B}"/>
+          </ac:cxnSpMkLst>
+        </pc:cxnChg>
+        <pc:cxnChg chg="add">
+          <ac:chgData name="Fadwa Shalaby" userId="62e6d88fc2faf603" providerId="LiveId" clId="{A2F128E8-0067-4A3E-A68D-9B49A861D8E8}" dt="2025-12-11T17:57:10.822" v="783" actId="26606"/>
+          <ac:cxnSpMkLst>
+            <pc:docMk/>
+            <pc:sldMk cId="1075891116" sldId="273"/>
+            <ac:cxnSpMk id="16" creationId="{EE2E603F-4A95-4FE8-BB06-211DFD75DBEF}"/>
+          </ac:cxnSpMkLst>
+        </pc:cxnChg>
+        <pc:cxnChg chg="add">
+          <ac:chgData name="Fadwa Shalaby" userId="62e6d88fc2faf603" providerId="LiveId" clId="{A2F128E8-0067-4A3E-A68D-9B49A861D8E8}" dt="2025-12-11T17:57:10.822" v="783" actId="26606"/>
+          <ac:cxnSpMkLst>
+            <pc:docMk/>
+            <pc:sldMk cId="1075891116" sldId="273"/>
+            <ac:cxnSpMk id="18" creationId="{D7CC41EB-2D81-4303-9171-6401B388BA35}"/>
           </ac:cxnSpMkLst>
         </pc:cxnChg>
       </pc:sldChg>
@@ -4271,25 +4564,8 @@
                 </a:schemeClr>
               </a:solidFill>
             </a:rPr>
-            <a:t> For </a:t>
+            <a:t> For Raspberry Pi</a:t>
           </a:r>
-          <a:r>
-            <a:rPr lang="en-CA" sz="2400" dirty="0" err="1">
-              <a:solidFill>
-                <a:schemeClr val="accent1">
-                  <a:lumMod val="50000"/>
-                </a:schemeClr>
-              </a:solidFill>
-            </a:rPr>
-            <a:t>RaspberryPi</a:t>
-          </a:r>
-          <a:endParaRPr lang="en-CA" sz="2400" dirty="0">
-            <a:solidFill>
-              <a:schemeClr val="accent1">
-                <a:lumMod val="50000"/>
-              </a:schemeClr>
-            </a:solidFill>
-          </a:endParaRPr>
         </a:p>
       </dgm:t>
     </dgm:pt>
@@ -6146,25 +6422,8 @@
                 </a:schemeClr>
               </a:solidFill>
             </a:rPr>
-            <a:t> For </a:t>
+            <a:t> For Raspberry Pi</a:t>
           </a:r>
-          <a:r>
-            <a:rPr lang="en-CA" sz="2400" kern="1200" dirty="0" err="1">
-              <a:solidFill>
-                <a:schemeClr val="accent1">
-                  <a:lumMod val="50000"/>
-                </a:schemeClr>
-              </a:solidFill>
-            </a:rPr>
-            <a:t>RaspberryPi</a:t>
-          </a:r>
-          <a:endParaRPr lang="en-CA" sz="2400" kern="1200" dirty="0">
-            <a:solidFill>
-              <a:schemeClr val="accent1">
-                <a:lumMod val="50000"/>
-              </a:schemeClr>
-            </a:solidFill>
-          </a:endParaRPr>
         </a:p>
         <a:p>
           <a:pPr marL="228600" lvl="1" indent="-228600" algn="l" defTabSz="1066800">
@@ -16566,6 +16825,401 @@
 <file path=ppt/slides/slide10.xml><?xml version="1.0" encoding="utf-8"?>
 <p:sld xmlns:a="http://schemas.openxmlformats.org/drawingml/2006/main" xmlns:r="http://schemas.openxmlformats.org/officeDocument/2006/relationships" xmlns:p="http://schemas.openxmlformats.org/presentationml/2006/main">
   <p:cSld>
+    <p:bg>
+      <p:bgPr>
+        <a:solidFill>
+          <a:schemeClr val="bg1"/>
+        </a:solidFill>
+        <a:effectLst/>
+      </p:bgPr>
+    </p:bg>
+    <p:spTree>
+      <p:nvGrpSpPr>
+        <p:cNvPr id="1" name=""/>
+        <p:cNvGrpSpPr/>
+        <p:nvPr/>
+      </p:nvGrpSpPr>
+      <p:grpSpPr>
+        <a:xfrm>
+          <a:off x="0" y="0"/>
+          <a:ext cx="0" cy="0"/>
+          <a:chOff x="0" y="0"/>
+          <a:chExt cx="0" cy="0"/>
+        </a:xfrm>
+      </p:grpSpPr>
+      <p:cxnSp>
+        <p:nvCxnSpPr>
+          <p:cNvPr id="10" name="Straight Connector 9">
+            <a:extLst>
+              <a:ext uri="{FF2B5EF4-FFF2-40B4-BE49-F238E27FC236}">
+                <a16:creationId xmlns:a16="http://schemas.microsoft.com/office/drawing/2014/main" id="{F64F9B95-9045-48D2-B9F3-2927E98F54AA}"/>
+              </a:ext>
+              <a:ext uri="{C183D7F6-B498-43B3-948B-1728B52AA6E4}">
+                <adec:decorative xmlns:adec="http://schemas.microsoft.com/office/drawing/2017/decorative" val="1"/>
+              </a:ext>
+            </a:extLst>
+          </p:cNvPr>
+          <p:cNvCxnSpPr>
+            <a:cxnSpLocks noGrp="1" noRot="1" noChangeAspect="1" noMove="1" noResize="1" noEditPoints="1" noAdjustHandles="1" noChangeArrowheads="1" noChangeShapeType="1"/>
+          </p:cNvCxnSpPr>
+          <p:nvPr>
+            <p:extLst>
+              <p:ext uri="{386F3935-93C4-4BCD-93E2-E3B085C9AB24}">
+                <p16:designElem xmlns:p16="http://schemas.microsoft.com/office/powerpoint/2015/main" val="1"/>
+              </p:ext>
+            </p:extLst>
+          </p:nvPr>
+        </p:nvCxnSpPr>
+        <p:spPr>
+          <a:xfrm>
+            <a:off x="800100" y="723900"/>
+            <a:ext cx="10591800" cy="0"/>
+          </a:xfrm>
+          <a:prstGeom prst="line">
+            <a:avLst/>
+          </a:prstGeom>
+          <a:ln w="44450">
+            <a:solidFill>
+              <a:schemeClr val="tx1"/>
+            </a:solidFill>
+          </a:ln>
+        </p:spPr>
+        <p:style>
+          <a:lnRef idx="1">
+            <a:schemeClr val="accent1"/>
+          </a:lnRef>
+          <a:fillRef idx="0">
+            <a:schemeClr val="accent1"/>
+          </a:fillRef>
+          <a:effectRef idx="0">
+            <a:schemeClr val="accent1"/>
+          </a:effectRef>
+          <a:fontRef idx="minor">
+            <a:schemeClr val="tx1"/>
+          </a:fontRef>
+        </p:style>
+      </p:cxnSp>
+      <p:cxnSp>
+        <p:nvCxnSpPr>
+          <p:cNvPr id="12" name="Straight Connector 11">
+            <a:extLst>
+              <a:ext uri="{FF2B5EF4-FFF2-40B4-BE49-F238E27FC236}">
+                <a16:creationId xmlns:a16="http://schemas.microsoft.com/office/drawing/2014/main" id="{085AA86F-6A4D-4BCB-A045-D992CDC2959B}"/>
+              </a:ext>
+              <a:ext uri="{C183D7F6-B498-43B3-948B-1728B52AA6E4}">
+                <adec:decorative xmlns:adec="http://schemas.microsoft.com/office/drawing/2017/decorative" val="1"/>
+              </a:ext>
+            </a:extLst>
+          </p:cNvPr>
+          <p:cNvCxnSpPr>
+            <a:cxnSpLocks noGrp="1" noRot="1" noChangeAspect="1" noMove="1" noResize="1" noEditPoints="1" noAdjustHandles="1" noChangeArrowheads="1" noChangeShapeType="1"/>
+          </p:cNvCxnSpPr>
+          <p:nvPr>
+            <p:extLst>
+              <p:ext uri="{386F3935-93C4-4BCD-93E2-E3B085C9AB24}">
+                <p16:designElem xmlns:p16="http://schemas.microsoft.com/office/powerpoint/2015/main" val="1"/>
+              </p:ext>
+            </p:extLst>
+          </p:nvPr>
+        </p:nvCxnSpPr>
+        <p:spPr>
+          <a:xfrm>
+            <a:off x="800100" y="6142781"/>
+            <a:ext cx="10591800" cy="0"/>
+          </a:xfrm>
+          <a:prstGeom prst="line">
+            <a:avLst/>
+          </a:prstGeom>
+          <a:ln w="12700">
+            <a:solidFill>
+              <a:schemeClr val="tx1"/>
+            </a:solidFill>
+          </a:ln>
+        </p:spPr>
+        <p:style>
+          <a:lnRef idx="1">
+            <a:schemeClr val="accent1"/>
+          </a:lnRef>
+          <a:fillRef idx="0">
+            <a:schemeClr val="accent1"/>
+          </a:fillRef>
+          <a:effectRef idx="0">
+            <a:schemeClr val="accent1"/>
+          </a:effectRef>
+          <a:fontRef idx="minor">
+            <a:schemeClr val="tx1"/>
+          </a:fontRef>
+        </p:style>
+      </p:cxnSp>
+      <p:sp useBgFill="1">
+        <p:nvSpPr>
+          <p:cNvPr id="14" name="Rectangle 13">
+            <a:extLst>
+              <a:ext uri="{FF2B5EF4-FFF2-40B4-BE49-F238E27FC236}">
+                <a16:creationId xmlns:a16="http://schemas.microsoft.com/office/drawing/2014/main" id="{33E93247-6229-44AB-A550-739E971E690B}"/>
+              </a:ext>
+              <a:ext uri="{C183D7F6-B498-43B3-948B-1728B52AA6E4}">
+                <adec:decorative xmlns:adec="http://schemas.microsoft.com/office/drawing/2017/decorative" val="1"/>
+              </a:ext>
+            </a:extLst>
+          </p:cNvPr>
+          <p:cNvSpPr>
+            <a:spLocks noGrp="1" noRot="1" noChangeAspect="1" noMove="1" noResize="1" noEditPoints="1" noAdjustHandles="1" noChangeArrowheads="1" noChangeShapeType="1" noTextEdit="1"/>
+          </p:cNvSpPr>
+          <p:nvPr>
+            <p:extLst>
+              <p:ext uri="{386F3935-93C4-4BCD-93E2-E3B085C9AB24}">
+                <p16:designElem xmlns:p16="http://schemas.microsoft.com/office/powerpoint/2015/main" val="1"/>
+              </p:ext>
+            </p:extLst>
+          </p:nvPr>
+        </p:nvSpPr>
+        <p:spPr>
+          <a:xfrm>
+            <a:off x="0" y="0"/>
+            <a:ext cx="12192000" cy="6858000"/>
+          </a:xfrm>
+          <a:prstGeom prst="rect">
+            <a:avLst/>
+          </a:prstGeom>
+          <a:ln w="12700" cap="flat" cmpd="sng" algn="ctr">
+            <a:noFill/>
+            <a:prstDash val="solid"/>
+            <a:miter lim="800000"/>
+          </a:ln>
+          <a:effectLst/>
+          <a:extLst>
+            <a:ext uri="{91240B29-F687-4F45-9708-019B960494DF}">
+              <a14:hiddenLine xmlns:a14="http://schemas.microsoft.com/office/drawing/2010/main" w="12700" cap="flat" cmpd="sng" algn="ctr">
+                <a:solidFill>
+                  <a:schemeClr val="accent1">
+                    <a:shade val="50000"/>
+                  </a:schemeClr>
+                </a:solidFill>
+                <a:prstDash val="solid"/>
+                <a:miter lim="800000"/>
+              </a14:hiddenLine>
+            </a:ext>
+          </a:extLst>
+        </p:spPr>
+        <p:style>
+          <a:lnRef idx="2">
+            <a:schemeClr val="accent1">
+              <a:shade val="50000"/>
+            </a:schemeClr>
+          </a:lnRef>
+          <a:fillRef idx="1">
+            <a:schemeClr val="accent1"/>
+          </a:fillRef>
+          <a:effectRef idx="0">
+            <a:schemeClr val="accent1"/>
+          </a:effectRef>
+          <a:fontRef idx="minor">
+            <a:schemeClr val="lt1"/>
+          </a:fontRef>
+        </p:style>
+        <p:txBody>
+          <a:bodyPr rtlCol="0" anchor="ctr"/>
+          <a:lstStyle/>
+          <a:p>
+            <a:pPr algn="ctr"/>
+            <a:endParaRPr lang="en-US"/>
+          </a:p>
+        </p:txBody>
+      </p:sp>
+      <p:sp>
+        <p:nvSpPr>
+          <p:cNvPr id="2" name="Title 1">
+            <a:extLst>
+              <a:ext uri="{FF2B5EF4-FFF2-40B4-BE49-F238E27FC236}">
+                <a16:creationId xmlns:a16="http://schemas.microsoft.com/office/drawing/2014/main" id="{30F80BC4-602E-124A-9A33-57966567BF15}"/>
+              </a:ext>
+            </a:extLst>
+          </p:cNvPr>
+          <p:cNvSpPr>
+            <a:spLocks noGrp="1"/>
+          </p:cNvSpPr>
+          <p:nvPr>
+            <p:ph type="title"/>
+          </p:nvPr>
+        </p:nvSpPr>
+        <p:spPr>
+          <a:xfrm>
+            <a:off x="8138159" y="1177348"/>
+            <a:ext cx="3330906" cy="3441068"/>
+          </a:xfrm>
+        </p:spPr>
+        <p:txBody>
+          <a:bodyPr vert="horz" lIns="91440" tIns="45720" rIns="91440" bIns="45720" rtlCol="0" anchor="t">
+            <a:normAutofit/>
+          </a:bodyPr>
+          <a:lstStyle/>
+          <a:p>
+            <a:r>
+              <a:rPr lang="en-US" sz="3900" dirty="0"/>
+              <a:t>Setup – pi-hole installation </a:t>
+            </a:r>
+          </a:p>
+        </p:txBody>
+      </p:sp>
+      <p:cxnSp>
+        <p:nvCxnSpPr>
+          <p:cNvPr id="16" name="Straight Connector 15">
+            <a:extLst>
+              <a:ext uri="{FF2B5EF4-FFF2-40B4-BE49-F238E27FC236}">
+                <a16:creationId xmlns:a16="http://schemas.microsoft.com/office/drawing/2014/main" id="{EE2E603F-4A95-4FE8-BB06-211DFD75DBEF}"/>
+              </a:ext>
+              <a:ext uri="{C183D7F6-B498-43B3-948B-1728B52AA6E4}">
+                <adec:decorative xmlns:adec="http://schemas.microsoft.com/office/drawing/2017/decorative" val="1"/>
+              </a:ext>
+            </a:extLst>
+          </p:cNvPr>
+          <p:cNvCxnSpPr>
+            <a:cxnSpLocks noGrp="1" noRot="1" noChangeAspect="1" noMove="1" noResize="1" noEditPoints="1" noAdjustHandles="1" noChangeArrowheads="1" noChangeShapeType="1"/>
+          </p:cNvCxnSpPr>
+          <p:nvPr>
+            <p:extLst>
+              <p:ext uri="{386F3935-93C4-4BCD-93E2-E3B085C9AB24}">
+                <p16:designElem xmlns:p16="http://schemas.microsoft.com/office/powerpoint/2015/main" val="1"/>
+              </p:ext>
+            </p:extLst>
+          </p:nvPr>
+        </p:nvCxnSpPr>
+        <p:spPr>
+          <a:xfrm>
+            <a:off x="800100" y="723900"/>
+            <a:ext cx="10591800" cy="0"/>
+          </a:xfrm>
+          <a:prstGeom prst="line">
+            <a:avLst/>
+          </a:prstGeom>
+          <a:ln w="44450">
+            <a:solidFill>
+              <a:schemeClr val="tx1"/>
+            </a:solidFill>
+          </a:ln>
+        </p:spPr>
+        <p:style>
+          <a:lnRef idx="1">
+            <a:schemeClr val="accent1"/>
+          </a:lnRef>
+          <a:fillRef idx="0">
+            <a:schemeClr val="accent1"/>
+          </a:fillRef>
+          <a:effectRef idx="0">
+            <a:schemeClr val="accent1"/>
+          </a:effectRef>
+          <a:fontRef idx="minor">
+            <a:schemeClr val="tx1"/>
+          </a:fontRef>
+        </p:style>
+      </p:cxnSp>
+      <p:pic>
+        <p:nvPicPr>
+          <p:cNvPr id="5" name="Content Placeholder 4" descr="A screenshot of a computer&#10;&#10;AI-generated content may be incorrect.">
+            <a:extLst>
+              <a:ext uri="{FF2B5EF4-FFF2-40B4-BE49-F238E27FC236}">
+                <a16:creationId xmlns:a16="http://schemas.microsoft.com/office/drawing/2014/main" id="{3A5A9F69-726E-DA0E-A00E-A83245911166}"/>
+              </a:ext>
+            </a:extLst>
+          </p:cNvPr>
+          <p:cNvPicPr>
+            <a:picLocks noGrp="1" noChangeAspect="1"/>
+          </p:cNvPicPr>
+          <p:nvPr>
+            <p:ph idx="1"/>
+          </p:nvPr>
+        </p:nvPicPr>
+        <p:blipFill>
+          <a:blip r:embed="rId2">
+            <a:extLst>
+              <a:ext uri="{28A0092B-C50C-407E-A947-70E740481C1C}">
+                <a14:useLocalDpi xmlns:a14="http://schemas.microsoft.com/office/drawing/2010/main" val="0"/>
+              </a:ext>
+            </a:extLst>
+          </a:blip>
+          <a:stretch>
+            <a:fillRect/>
+          </a:stretch>
+        </p:blipFill>
+        <p:spPr>
+          <a:xfrm>
+            <a:off x="722935" y="1070565"/>
+            <a:ext cx="7179970" cy="4720830"/>
+          </a:xfrm>
+          <a:prstGeom prst="rect">
+            <a:avLst/>
+          </a:prstGeom>
+        </p:spPr>
+      </p:pic>
+      <p:cxnSp>
+        <p:nvCxnSpPr>
+          <p:cNvPr id="18" name="Straight Connector 17">
+            <a:extLst>
+              <a:ext uri="{FF2B5EF4-FFF2-40B4-BE49-F238E27FC236}">
+                <a16:creationId xmlns:a16="http://schemas.microsoft.com/office/drawing/2014/main" id="{D7CC41EB-2D81-4303-9171-6401B388BA35}"/>
+              </a:ext>
+              <a:ext uri="{C183D7F6-B498-43B3-948B-1728B52AA6E4}">
+                <adec:decorative xmlns:adec="http://schemas.microsoft.com/office/drawing/2017/decorative" val="1"/>
+              </a:ext>
+            </a:extLst>
+          </p:cNvPr>
+          <p:cNvCxnSpPr>
+            <a:cxnSpLocks noGrp="1" noRot="1" noChangeAspect="1" noMove="1" noResize="1" noEditPoints="1" noAdjustHandles="1" noChangeArrowheads="1" noChangeShapeType="1"/>
+          </p:cNvCxnSpPr>
+          <p:nvPr>
+            <p:extLst>
+              <p:ext uri="{386F3935-93C4-4BCD-93E2-E3B085C9AB24}">
+                <p16:designElem xmlns:p16="http://schemas.microsoft.com/office/powerpoint/2015/main" val="1"/>
+              </p:ext>
+            </p:extLst>
+          </p:nvPr>
+        </p:nvCxnSpPr>
+        <p:spPr>
+          <a:xfrm>
+            <a:off x="800100" y="6134885"/>
+            <a:ext cx="10591800" cy="0"/>
+          </a:xfrm>
+          <a:prstGeom prst="line">
+            <a:avLst/>
+          </a:prstGeom>
+          <a:ln w="12700">
+            <a:solidFill>
+              <a:schemeClr val="tx1"/>
+            </a:solidFill>
+          </a:ln>
+        </p:spPr>
+        <p:style>
+          <a:lnRef idx="1">
+            <a:schemeClr val="accent1"/>
+          </a:lnRef>
+          <a:fillRef idx="0">
+            <a:schemeClr val="accent1"/>
+          </a:fillRef>
+          <a:effectRef idx="0">
+            <a:schemeClr val="accent1"/>
+          </a:effectRef>
+          <a:fontRef idx="minor">
+            <a:schemeClr val="tx1"/>
+          </a:fontRef>
+        </p:style>
+      </p:cxnSp>
+    </p:spTree>
+    <p:extLst>
+      <p:ext uri="{BB962C8B-B14F-4D97-AF65-F5344CB8AC3E}">
+        <p14:creationId xmlns:p14="http://schemas.microsoft.com/office/powerpoint/2010/main" val="1863310679"/>
+      </p:ext>
+    </p:extLst>
+  </p:cSld>
+  <p:clrMapOvr>
+    <a:masterClrMapping/>
+  </p:clrMapOvr>
+</p:sld>
+</file>
+
+<file path=ppt/slides/slide11.xml><?xml version="1.0" encoding="utf-8"?>
+<p:sld xmlns:a="http://schemas.openxmlformats.org/drawingml/2006/main" xmlns:r="http://schemas.openxmlformats.org/officeDocument/2006/relationships" xmlns:p="http://schemas.openxmlformats.org/presentationml/2006/main">
+  <p:cSld>
     <p:spTree>
       <p:nvGrpSpPr>
         <p:cNvPr id="1" name="">
@@ -16737,7 +17391,7 @@
                   <a:srgbClr val="339966"/>
                 </a:solidFill>
               </a:rPr>
-              <a:t>We use DHCP reservation so Pi-Hole always has the same static IP. DCHP normally assigns dynamic Ips, but since Pi-Hole requires a fixed Ip, we use a DHCP reservation to make its IP static.</a:t>
+              <a:t>We use DHCP reservation, so Pi-Hole always has the same static IP. DCHP normally assigns dynamic Ips, but since Pi-Hole requires a fixed Ip, we use a DHCP reservation to make its IP static.</a:t>
             </a:r>
           </a:p>
         </p:txBody>
@@ -16908,7 +17562,7 @@
 </p:sld>
 </file>
 
-<file path=ppt/slides/slide11.xml><?xml version="1.0" encoding="utf-8"?>
+<file path=ppt/slides/slide12.xml><?xml version="1.0" encoding="utf-8"?>
 <p:sld xmlns:a="http://schemas.openxmlformats.org/drawingml/2006/main" xmlns:r="http://schemas.openxmlformats.org/officeDocument/2006/relationships" xmlns:p="http://schemas.openxmlformats.org/presentationml/2006/main">
   <p:cSld>
     <p:spTree>
@@ -17834,7 +18488,7 @@
 </p:sld>
 </file>
 
-<file path=ppt/slides/slide12.xml><?xml version="1.0" encoding="utf-8"?>
+<file path=ppt/slides/slide13.xml><?xml version="1.0" encoding="utf-8"?>
 <p:sld xmlns:a="http://schemas.openxmlformats.org/drawingml/2006/main" xmlns:r="http://schemas.openxmlformats.org/officeDocument/2006/relationships" xmlns:p="http://schemas.openxmlformats.org/presentationml/2006/main">
   <p:cSld>
     <p:spTree>
@@ -18183,7 +18837,7 @@
 </p:sld>
 </file>
 
-<file path=ppt/slides/slide13.xml><?xml version="1.0" encoding="utf-8"?>
+<file path=ppt/slides/slide14.xml><?xml version="1.0" encoding="utf-8"?>
 <p:sld xmlns:a="http://schemas.openxmlformats.org/drawingml/2006/main" xmlns:r="http://schemas.openxmlformats.org/officeDocument/2006/relationships" xmlns:p="http://schemas.openxmlformats.org/presentationml/2006/main">
   <p:cSld>
     <p:spTree>
@@ -18540,7 +19194,7 @@
 </p:sld>
 </file>
 
-<file path=ppt/slides/slide14.xml><?xml version="1.0" encoding="utf-8"?>
+<file path=ppt/slides/slide15.xml><?xml version="1.0" encoding="utf-8"?>
 <p:sld xmlns:a="http://schemas.openxmlformats.org/drawingml/2006/main" xmlns:r="http://schemas.openxmlformats.org/officeDocument/2006/relationships" xmlns:p="http://schemas.openxmlformats.org/presentationml/2006/main">
   <p:cSld>
     <p:spTree>
@@ -18879,7 +19533,486 @@
 </p:sld>
 </file>
 
-<file path=ppt/slides/slide15.xml><?xml version="1.0" encoding="utf-8"?>
+<file path=ppt/slides/slide16.xml><?xml version="1.0" encoding="utf-8"?>
+<p:sld xmlns:a="http://schemas.openxmlformats.org/drawingml/2006/main" xmlns:r="http://schemas.openxmlformats.org/officeDocument/2006/relationships" xmlns:p="http://schemas.openxmlformats.org/presentationml/2006/main">
+  <p:cSld>
+    <p:bg>
+      <p:bgPr>
+        <a:solidFill>
+          <a:schemeClr val="bg1"/>
+        </a:solidFill>
+        <a:effectLst/>
+      </p:bgPr>
+    </p:bg>
+    <p:spTree>
+      <p:nvGrpSpPr>
+        <p:cNvPr id="1" name=""/>
+        <p:cNvGrpSpPr/>
+        <p:nvPr/>
+      </p:nvGrpSpPr>
+      <p:grpSpPr>
+        <a:xfrm>
+          <a:off x="0" y="0"/>
+          <a:ext cx="0" cy="0"/>
+          <a:chOff x="0" y="0"/>
+          <a:chExt cx="0" cy="0"/>
+        </a:xfrm>
+      </p:grpSpPr>
+      <p:cxnSp>
+        <p:nvCxnSpPr>
+          <p:cNvPr id="10" name="Straight Connector 9">
+            <a:extLst>
+              <a:ext uri="{FF2B5EF4-FFF2-40B4-BE49-F238E27FC236}">
+                <a16:creationId xmlns:a16="http://schemas.microsoft.com/office/drawing/2014/main" id="{F64F9B95-9045-48D2-B9F3-2927E98F54AA}"/>
+              </a:ext>
+              <a:ext uri="{C183D7F6-B498-43B3-948B-1728B52AA6E4}">
+                <adec:decorative xmlns:adec="http://schemas.microsoft.com/office/drawing/2017/decorative" val="1"/>
+              </a:ext>
+            </a:extLst>
+          </p:cNvPr>
+          <p:cNvCxnSpPr>
+            <a:cxnSpLocks noGrp="1" noRot="1" noChangeAspect="1" noMove="1" noResize="1" noEditPoints="1" noAdjustHandles="1" noChangeArrowheads="1" noChangeShapeType="1"/>
+          </p:cNvCxnSpPr>
+          <p:nvPr>
+            <p:extLst>
+              <p:ext uri="{386F3935-93C4-4BCD-93E2-E3B085C9AB24}">
+                <p16:designElem xmlns:p16="http://schemas.microsoft.com/office/powerpoint/2015/main" val="1"/>
+              </p:ext>
+            </p:extLst>
+          </p:nvPr>
+        </p:nvCxnSpPr>
+        <p:spPr>
+          <a:xfrm>
+            <a:off x="800100" y="723900"/>
+            <a:ext cx="10591800" cy="0"/>
+          </a:xfrm>
+          <a:prstGeom prst="line">
+            <a:avLst/>
+          </a:prstGeom>
+          <a:ln w="44450">
+            <a:solidFill>
+              <a:schemeClr val="tx1"/>
+            </a:solidFill>
+          </a:ln>
+        </p:spPr>
+        <p:style>
+          <a:lnRef idx="1">
+            <a:schemeClr val="accent1"/>
+          </a:lnRef>
+          <a:fillRef idx="0">
+            <a:schemeClr val="accent1"/>
+          </a:fillRef>
+          <a:effectRef idx="0">
+            <a:schemeClr val="accent1"/>
+          </a:effectRef>
+          <a:fontRef idx="minor">
+            <a:schemeClr val="tx1"/>
+          </a:fontRef>
+        </p:style>
+      </p:cxnSp>
+      <p:cxnSp>
+        <p:nvCxnSpPr>
+          <p:cNvPr id="12" name="Straight Connector 11">
+            <a:extLst>
+              <a:ext uri="{FF2B5EF4-FFF2-40B4-BE49-F238E27FC236}">
+                <a16:creationId xmlns:a16="http://schemas.microsoft.com/office/drawing/2014/main" id="{085AA86F-6A4D-4BCB-A045-D992CDC2959B}"/>
+              </a:ext>
+              <a:ext uri="{C183D7F6-B498-43B3-948B-1728B52AA6E4}">
+                <adec:decorative xmlns:adec="http://schemas.microsoft.com/office/drawing/2017/decorative" val="1"/>
+              </a:ext>
+            </a:extLst>
+          </p:cNvPr>
+          <p:cNvCxnSpPr>
+            <a:cxnSpLocks noGrp="1" noRot="1" noChangeAspect="1" noMove="1" noResize="1" noEditPoints="1" noAdjustHandles="1" noChangeArrowheads="1" noChangeShapeType="1"/>
+          </p:cNvCxnSpPr>
+          <p:nvPr>
+            <p:extLst>
+              <p:ext uri="{386F3935-93C4-4BCD-93E2-E3B085C9AB24}">
+                <p16:designElem xmlns:p16="http://schemas.microsoft.com/office/powerpoint/2015/main" val="1"/>
+              </p:ext>
+            </p:extLst>
+          </p:nvPr>
+        </p:nvCxnSpPr>
+        <p:spPr>
+          <a:xfrm>
+            <a:off x="800100" y="6142781"/>
+            <a:ext cx="10591800" cy="0"/>
+          </a:xfrm>
+          <a:prstGeom prst="line">
+            <a:avLst/>
+          </a:prstGeom>
+          <a:ln w="12700">
+            <a:solidFill>
+              <a:schemeClr val="tx1"/>
+            </a:solidFill>
+          </a:ln>
+        </p:spPr>
+        <p:style>
+          <a:lnRef idx="1">
+            <a:schemeClr val="accent1"/>
+          </a:lnRef>
+          <a:fillRef idx="0">
+            <a:schemeClr val="accent1"/>
+          </a:fillRef>
+          <a:effectRef idx="0">
+            <a:schemeClr val="accent1"/>
+          </a:effectRef>
+          <a:fontRef idx="minor">
+            <a:schemeClr val="tx1"/>
+          </a:fontRef>
+        </p:style>
+      </p:cxnSp>
+      <p:sp useBgFill="1">
+        <p:nvSpPr>
+          <p:cNvPr id="14" name="Rectangle 13">
+            <a:extLst>
+              <a:ext uri="{FF2B5EF4-FFF2-40B4-BE49-F238E27FC236}">
+                <a16:creationId xmlns:a16="http://schemas.microsoft.com/office/drawing/2014/main" id="{33E93247-6229-44AB-A550-739E971E690B}"/>
+              </a:ext>
+              <a:ext uri="{C183D7F6-B498-43B3-948B-1728B52AA6E4}">
+                <adec:decorative xmlns:adec="http://schemas.microsoft.com/office/drawing/2017/decorative" val="1"/>
+              </a:ext>
+            </a:extLst>
+          </p:cNvPr>
+          <p:cNvSpPr>
+            <a:spLocks noGrp="1" noRot="1" noChangeAspect="1" noMove="1" noResize="1" noEditPoints="1" noAdjustHandles="1" noChangeArrowheads="1" noChangeShapeType="1" noTextEdit="1"/>
+          </p:cNvSpPr>
+          <p:nvPr>
+            <p:extLst>
+              <p:ext uri="{386F3935-93C4-4BCD-93E2-E3B085C9AB24}">
+                <p16:designElem xmlns:p16="http://schemas.microsoft.com/office/powerpoint/2015/main" val="1"/>
+              </p:ext>
+            </p:extLst>
+          </p:nvPr>
+        </p:nvSpPr>
+        <p:spPr>
+          <a:xfrm>
+            <a:off x="0" y="0"/>
+            <a:ext cx="12192000" cy="6858000"/>
+          </a:xfrm>
+          <a:prstGeom prst="rect">
+            <a:avLst/>
+          </a:prstGeom>
+          <a:ln w="12700" cap="flat" cmpd="sng" algn="ctr">
+            <a:noFill/>
+            <a:prstDash val="solid"/>
+            <a:miter lim="800000"/>
+          </a:ln>
+          <a:effectLst/>
+          <a:extLst>
+            <a:ext uri="{91240B29-F687-4F45-9708-019B960494DF}">
+              <a14:hiddenLine xmlns:a14="http://schemas.microsoft.com/office/drawing/2010/main" w="12700" cap="flat" cmpd="sng" algn="ctr">
+                <a:solidFill>
+                  <a:schemeClr val="accent1">
+                    <a:shade val="50000"/>
+                  </a:schemeClr>
+                </a:solidFill>
+                <a:prstDash val="solid"/>
+                <a:miter lim="800000"/>
+              </a14:hiddenLine>
+            </a:ext>
+          </a:extLst>
+        </p:spPr>
+        <p:style>
+          <a:lnRef idx="2">
+            <a:schemeClr val="accent1">
+              <a:shade val="50000"/>
+            </a:schemeClr>
+          </a:lnRef>
+          <a:fillRef idx="1">
+            <a:schemeClr val="accent1"/>
+          </a:fillRef>
+          <a:effectRef idx="0">
+            <a:schemeClr val="accent1"/>
+          </a:effectRef>
+          <a:fontRef idx="minor">
+            <a:schemeClr val="lt1"/>
+          </a:fontRef>
+        </p:style>
+        <p:txBody>
+          <a:bodyPr rtlCol="0" anchor="ctr"/>
+          <a:lstStyle/>
+          <a:p>
+            <a:pPr algn="ctr"/>
+            <a:endParaRPr lang="en-US"/>
+          </a:p>
+        </p:txBody>
+      </p:sp>
+      <p:sp>
+        <p:nvSpPr>
+          <p:cNvPr id="2" name="Title 1">
+            <a:extLst>
+              <a:ext uri="{FF2B5EF4-FFF2-40B4-BE49-F238E27FC236}">
+                <a16:creationId xmlns:a16="http://schemas.microsoft.com/office/drawing/2014/main" id="{4B6E9FF9-FCE7-58B7-C73A-69EC0F6688AA}"/>
+              </a:ext>
+            </a:extLst>
+          </p:cNvPr>
+          <p:cNvSpPr>
+            <a:spLocks noGrp="1"/>
+          </p:cNvSpPr>
+          <p:nvPr>
+            <p:ph type="title"/>
+          </p:nvPr>
+        </p:nvSpPr>
+        <p:spPr>
+          <a:xfrm>
+            <a:off x="8138159" y="1177348"/>
+            <a:ext cx="3330906" cy="3441068"/>
+          </a:xfrm>
+        </p:spPr>
+        <p:txBody>
+          <a:bodyPr vert="horz" lIns="91440" tIns="45720" rIns="91440" bIns="45720" rtlCol="0" anchor="t">
+            <a:normAutofit/>
+          </a:bodyPr>
+          <a:lstStyle/>
+          <a:p>
+            <a:r>
+              <a:rPr lang="en-US" sz="4200"/>
+              <a:t>Setup – client connection</a:t>
+            </a:r>
+          </a:p>
+        </p:txBody>
+      </p:sp>
+      <p:cxnSp>
+        <p:nvCxnSpPr>
+          <p:cNvPr id="16" name="Straight Connector 15">
+            <a:extLst>
+              <a:ext uri="{FF2B5EF4-FFF2-40B4-BE49-F238E27FC236}">
+                <a16:creationId xmlns:a16="http://schemas.microsoft.com/office/drawing/2014/main" id="{EE2E603F-4A95-4FE8-BB06-211DFD75DBEF}"/>
+              </a:ext>
+              <a:ext uri="{C183D7F6-B498-43B3-948B-1728B52AA6E4}">
+                <adec:decorative xmlns:adec="http://schemas.microsoft.com/office/drawing/2017/decorative" val="1"/>
+              </a:ext>
+            </a:extLst>
+          </p:cNvPr>
+          <p:cNvCxnSpPr>
+            <a:cxnSpLocks noGrp="1" noRot="1" noChangeAspect="1" noMove="1" noResize="1" noEditPoints="1" noAdjustHandles="1" noChangeArrowheads="1" noChangeShapeType="1"/>
+          </p:cNvCxnSpPr>
+          <p:nvPr>
+            <p:extLst>
+              <p:ext uri="{386F3935-93C4-4BCD-93E2-E3B085C9AB24}">
+                <p16:designElem xmlns:p16="http://schemas.microsoft.com/office/powerpoint/2015/main" val="1"/>
+              </p:ext>
+            </p:extLst>
+          </p:nvPr>
+        </p:nvCxnSpPr>
+        <p:spPr>
+          <a:xfrm>
+            <a:off x="800100" y="723900"/>
+            <a:ext cx="10591800" cy="0"/>
+          </a:xfrm>
+          <a:prstGeom prst="line">
+            <a:avLst/>
+          </a:prstGeom>
+          <a:ln w="44450">
+            <a:solidFill>
+              <a:schemeClr val="tx1"/>
+            </a:solidFill>
+          </a:ln>
+        </p:spPr>
+        <p:style>
+          <a:lnRef idx="1">
+            <a:schemeClr val="accent1"/>
+          </a:lnRef>
+          <a:fillRef idx="0">
+            <a:schemeClr val="accent1"/>
+          </a:fillRef>
+          <a:effectRef idx="0">
+            <a:schemeClr val="accent1"/>
+          </a:effectRef>
+          <a:fontRef idx="minor">
+            <a:schemeClr val="tx1"/>
+          </a:fontRef>
+        </p:style>
+      </p:cxnSp>
+      <p:pic>
+        <p:nvPicPr>
+          <p:cNvPr id="5" name="Content Placeholder 4" descr="A screenshot of a computer&#10;&#10;AI-generated content may be incorrect.">
+            <a:extLst>
+              <a:ext uri="{FF2B5EF4-FFF2-40B4-BE49-F238E27FC236}">
+                <a16:creationId xmlns:a16="http://schemas.microsoft.com/office/drawing/2014/main" id="{4ECA0130-E9A8-BF51-FDEA-DA1D9A553930}"/>
+              </a:ext>
+            </a:extLst>
+          </p:cNvPr>
+          <p:cNvPicPr>
+            <a:picLocks noGrp="1" noChangeAspect="1"/>
+          </p:cNvPicPr>
+          <p:nvPr>
+            <p:ph idx="1"/>
+          </p:nvPr>
+        </p:nvPicPr>
+        <p:blipFill>
+          <a:blip r:embed="rId2">
+            <a:extLst>
+              <a:ext uri="{28A0092B-C50C-407E-A947-70E740481C1C}">
+                <a14:useLocalDpi xmlns:a14="http://schemas.microsoft.com/office/drawing/2010/main" val="0"/>
+              </a:ext>
+            </a:extLst>
+          </a:blip>
+          <a:stretch>
+            <a:fillRect/>
+          </a:stretch>
+        </p:blipFill>
+        <p:spPr>
+          <a:xfrm>
+            <a:off x="722935" y="1276990"/>
+            <a:ext cx="7179970" cy="4307981"/>
+          </a:xfrm>
+          <a:prstGeom prst="rect">
+            <a:avLst/>
+          </a:prstGeom>
+        </p:spPr>
+      </p:pic>
+      <p:cxnSp>
+        <p:nvCxnSpPr>
+          <p:cNvPr id="18" name="Straight Connector 17">
+            <a:extLst>
+              <a:ext uri="{FF2B5EF4-FFF2-40B4-BE49-F238E27FC236}">
+                <a16:creationId xmlns:a16="http://schemas.microsoft.com/office/drawing/2014/main" id="{D7CC41EB-2D81-4303-9171-6401B388BA35}"/>
+              </a:ext>
+              <a:ext uri="{C183D7F6-B498-43B3-948B-1728B52AA6E4}">
+                <adec:decorative xmlns:adec="http://schemas.microsoft.com/office/drawing/2017/decorative" val="1"/>
+              </a:ext>
+            </a:extLst>
+          </p:cNvPr>
+          <p:cNvCxnSpPr>
+            <a:cxnSpLocks noGrp="1" noRot="1" noChangeAspect="1" noMove="1" noResize="1" noEditPoints="1" noAdjustHandles="1" noChangeArrowheads="1" noChangeShapeType="1"/>
+          </p:cNvCxnSpPr>
+          <p:nvPr>
+            <p:extLst>
+              <p:ext uri="{386F3935-93C4-4BCD-93E2-E3B085C9AB24}">
+                <p16:designElem xmlns:p16="http://schemas.microsoft.com/office/powerpoint/2015/main" val="1"/>
+              </p:ext>
+            </p:extLst>
+          </p:nvPr>
+        </p:nvCxnSpPr>
+        <p:spPr>
+          <a:xfrm>
+            <a:off x="800100" y="6134885"/>
+            <a:ext cx="10591800" cy="0"/>
+          </a:xfrm>
+          <a:prstGeom prst="line">
+            <a:avLst/>
+          </a:prstGeom>
+          <a:ln w="12700">
+            <a:solidFill>
+              <a:schemeClr val="tx1"/>
+            </a:solidFill>
+          </a:ln>
+        </p:spPr>
+        <p:style>
+          <a:lnRef idx="1">
+            <a:schemeClr val="accent1"/>
+          </a:lnRef>
+          <a:fillRef idx="0">
+            <a:schemeClr val="accent1"/>
+          </a:fillRef>
+          <a:effectRef idx="0">
+            <a:schemeClr val="accent1"/>
+          </a:effectRef>
+          <a:fontRef idx="minor">
+            <a:schemeClr val="tx1"/>
+          </a:fontRef>
+        </p:style>
+      </p:cxnSp>
+    </p:spTree>
+    <p:extLst>
+      <p:ext uri="{BB962C8B-B14F-4D97-AF65-F5344CB8AC3E}">
+        <p14:creationId xmlns:p14="http://schemas.microsoft.com/office/powerpoint/2010/main" val="1075891116"/>
+      </p:ext>
+    </p:extLst>
+  </p:cSld>
+  <p:clrMapOvr>
+    <a:masterClrMapping/>
+  </p:clrMapOvr>
+</p:sld>
+</file>
+
+<file path=ppt/slides/slide17.xml><?xml version="1.0" encoding="utf-8"?>
+<p:sld xmlns:a="http://schemas.openxmlformats.org/drawingml/2006/main" xmlns:r="http://schemas.openxmlformats.org/officeDocument/2006/relationships" xmlns:p="http://schemas.openxmlformats.org/presentationml/2006/main">
+  <p:cSld>
+    <p:spTree>
+      <p:nvGrpSpPr>
+        <p:cNvPr id="1" name=""/>
+        <p:cNvGrpSpPr/>
+        <p:nvPr/>
+      </p:nvGrpSpPr>
+      <p:grpSpPr>
+        <a:xfrm>
+          <a:off x="0" y="0"/>
+          <a:ext cx="0" cy="0"/>
+          <a:chOff x="0" y="0"/>
+          <a:chExt cx="0" cy="0"/>
+        </a:xfrm>
+      </p:grpSpPr>
+      <p:sp>
+        <p:nvSpPr>
+          <p:cNvPr id="2" name="Title 1">
+            <a:extLst>
+              <a:ext uri="{FF2B5EF4-FFF2-40B4-BE49-F238E27FC236}">
+                <a16:creationId xmlns:a16="http://schemas.microsoft.com/office/drawing/2014/main" id="{F6480EAB-E9AE-6F56-4E42-5EAEBDD0555C}"/>
+              </a:ext>
+            </a:extLst>
+          </p:cNvPr>
+          <p:cNvSpPr>
+            <a:spLocks noGrp="1"/>
+          </p:cNvSpPr>
+          <p:nvPr>
+            <p:ph type="title"/>
+          </p:nvPr>
+        </p:nvSpPr>
+        <p:spPr/>
+        <p:txBody>
+          <a:bodyPr/>
+          <a:lstStyle/>
+          <a:p>
+            <a:r>
+              <a:rPr lang="en-US" dirty="0"/>
+              <a:t>Demo</a:t>
+            </a:r>
+            <a:endParaRPr lang="en-CA" dirty="0"/>
+          </a:p>
+        </p:txBody>
+      </p:sp>
+      <p:sp>
+        <p:nvSpPr>
+          <p:cNvPr id="3" name="Content Placeholder 2">
+            <a:extLst>
+              <a:ext uri="{FF2B5EF4-FFF2-40B4-BE49-F238E27FC236}">
+                <a16:creationId xmlns:a16="http://schemas.microsoft.com/office/drawing/2014/main" id="{8B0A26C1-0674-AC88-DCE8-3912AB79FC7C}"/>
+              </a:ext>
+            </a:extLst>
+          </p:cNvPr>
+          <p:cNvSpPr>
+            <a:spLocks noGrp="1"/>
+          </p:cNvSpPr>
+          <p:nvPr>
+            <p:ph idx="1"/>
+          </p:nvPr>
+        </p:nvSpPr>
+        <p:spPr/>
+        <p:txBody>
+          <a:bodyPr/>
+          <a:lstStyle/>
+          <a:p>
+            <a:endParaRPr lang="en-CA" dirty="0"/>
+          </a:p>
+        </p:txBody>
+      </p:sp>
+    </p:spTree>
+    <p:extLst>
+      <p:ext uri="{BB962C8B-B14F-4D97-AF65-F5344CB8AC3E}">
+        <p14:creationId xmlns:p14="http://schemas.microsoft.com/office/powerpoint/2010/main" val="2331027469"/>
+      </p:ext>
+    </p:extLst>
+  </p:cSld>
+  <p:clrMapOvr>
+    <a:masterClrMapping/>
+  </p:clrMapOvr>
+</p:sld>
+</file>
+
+<file path=ppt/slides/slide18.xml><?xml version="1.0" encoding="utf-8"?>
 <p:sld xmlns:a="http://schemas.openxmlformats.org/drawingml/2006/main" xmlns:r="http://schemas.openxmlformats.org/officeDocument/2006/relationships" xmlns:p="http://schemas.openxmlformats.org/presentationml/2006/main">
   <p:cSld>
     <p:spTree>
@@ -20690,8 +21823,8 @@
         </p:nvSpPr>
         <p:spPr>
           <a:xfrm>
-            <a:off x="4771788" y="2226374"/>
-            <a:ext cx="6714698" cy="3603210"/>
+            <a:off x="4771788" y="1749289"/>
+            <a:ext cx="6714698" cy="4080295"/>
           </a:xfrm>
         </p:spPr>
         <p:txBody>
@@ -20702,7 +21835,7 @@
           <a:p>
             <a:r>
               <a:rPr lang="en-US" dirty="0"/>
-              <a:t>Raspberry Pi model 3 b+.</a:t>
+              <a:t>A microSD card to flash the Raspberry Pi OS.</a:t>
             </a:r>
           </a:p>
           <a:p>
@@ -20720,7 +21853,7 @@
           <a:p>
             <a:r>
               <a:rPr lang="en-US" dirty="0"/>
-              <a:t>A power supply converts power from the wall outlet to the Raspberry Pi.</a:t>
+              <a:t>An adapter allows the usage of microSD cards in computers.</a:t>
             </a:r>
           </a:p>
         </p:txBody>
@@ -21076,8 +22209,8 @@
         </p:nvSpPr>
         <p:spPr>
           <a:xfrm>
-            <a:off x="5511800" y="2226374"/>
-            <a:ext cx="5979565" cy="3603210"/>
+            <a:off x="5511800" y="1754257"/>
+            <a:ext cx="5979565" cy="4075327"/>
           </a:xfrm>
         </p:spPr>
         <p:txBody>
@@ -21088,25 +22221,28 @@
           <a:p>
             <a:r>
               <a:rPr lang="en-US" dirty="0"/>
-              <a:t>Raspberry Pi model 3 b+.</a:t>
+              <a:t>A network cable allows the connection of the Raspberry Pi to the modem.</a:t>
             </a:r>
           </a:p>
           <a:p>
             <a:endParaRPr lang="en-US" dirty="0"/>
           </a:p>
           <a:p>
+            <a:pPr marL="0" indent="0">
+              <a:buNone/>
+            </a:pPr>
             <a:endParaRPr lang="en-US" dirty="0"/>
           </a:p>
           <a:p>
-            <a:endParaRPr lang="en-US" dirty="0"/>
-          </a:p>
-          <a:p>
+            <a:pPr marL="0" indent="0">
+              <a:buNone/>
+            </a:pPr>
             <a:endParaRPr lang="en-US" dirty="0"/>
           </a:p>
           <a:p>
             <a:r>
               <a:rPr lang="en-US" dirty="0"/>
-              <a:t>A power supply converts power from the wall outlet to the Raspberry Pi.</a:t>
+              <a:t>An HDMI cable allows the connection of the Raspberry Pi to a monitor.</a:t>
             </a:r>
           </a:p>
         </p:txBody>
@@ -21179,6 +22315,14 @@
 <file path=ppt/slides/slide8.xml><?xml version="1.0" encoding="utf-8"?>
 <p:sld xmlns:a="http://schemas.openxmlformats.org/drawingml/2006/main" xmlns:r="http://schemas.openxmlformats.org/officeDocument/2006/relationships" xmlns:p="http://schemas.openxmlformats.org/presentationml/2006/main">
   <p:cSld>
+    <p:bg>
+      <p:bgPr>
+        <a:solidFill>
+          <a:schemeClr val="bg1"/>
+        </a:solidFill>
+        <a:effectLst/>
+      </p:bgPr>
+    </p:bg>
     <p:spTree>
       <p:nvGrpSpPr>
         <p:cNvPr id="1" name=""/>
@@ -21193,6 +22337,186 @@
           <a:chExt cx="0" cy="0"/>
         </a:xfrm>
       </p:grpSpPr>
+      <p:cxnSp>
+        <p:nvCxnSpPr>
+          <p:cNvPr id="19" name="Straight Connector 18">
+            <a:extLst>
+              <a:ext uri="{FF2B5EF4-FFF2-40B4-BE49-F238E27FC236}">
+                <a16:creationId xmlns:a16="http://schemas.microsoft.com/office/drawing/2014/main" id="{F64F9B95-9045-48D2-B9F3-2927E98F54AA}"/>
+              </a:ext>
+              <a:ext uri="{C183D7F6-B498-43B3-948B-1728B52AA6E4}">
+                <adec:decorative xmlns:adec="http://schemas.microsoft.com/office/drawing/2017/decorative" val="1"/>
+              </a:ext>
+            </a:extLst>
+          </p:cNvPr>
+          <p:cNvCxnSpPr>
+            <a:cxnSpLocks noGrp="1" noRot="1" noChangeAspect="1" noMove="1" noResize="1" noEditPoints="1" noAdjustHandles="1" noChangeArrowheads="1" noChangeShapeType="1"/>
+          </p:cNvCxnSpPr>
+          <p:nvPr>
+            <p:extLst>
+              <p:ext uri="{386F3935-93C4-4BCD-93E2-E3B085C9AB24}">
+                <p16:designElem xmlns:p16="http://schemas.microsoft.com/office/powerpoint/2015/main" val="1"/>
+              </p:ext>
+            </p:extLst>
+          </p:nvPr>
+        </p:nvCxnSpPr>
+        <p:spPr>
+          <a:xfrm>
+            <a:off x="800100" y="723900"/>
+            <a:ext cx="10591800" cy="0"/>
+          </a:xfrm>
+          <a:prstGeom prst="line">
+            <a:avLst/>
+          </a:prstGeom>
+          <a:ln w="44450">
+            <a:solidFill>
+              <a:schemeClr val="tx1"/>
+            </a:solidFill>
+          </a:ln>
+        </p:spPr>
+        <p:style>
+          <a:lnRef idx="1">
+            <a:schemeClr val="accent1"/>
+          </a:lnRef>
+          <a:fillRef idx="0">
+            <a:schemeClr val="accent1"/>
+          </a:fillRef>
+          <a:effectRef idx="0">
+            <a:schemeClr val="accent1"/>
+          </a:effectRef>
+          <a:fontRef idx="minor">
+            <a:schemeClr val="tx1"/>
+          </a:fontRef>
+        </p:style>
+      </p:cxnSp>
+      <p:cxnSp>
+        <p:nvCxnSpPr>
+          <p:cNvPr id="20" name="Straight Connector 19">
+            <a:extLst>
+              <a:ext uri="{FF2B5EF4-FFF2-40B4-BE49-F238E27FC236}">
+                <a16:creationId xmlns:a16="http://schemas.microsoft.com/office/drawing/2014/main" id="{085AA86F-6A4D-4BCB-A045-D992CDC2959B}"/>
+              </a:ext>
+              <a:ext uri="{C183D7F6-B498-43B3-948B-1728B52AA6E4}">
+                <adec:decorative xmlns:adec="http://schemas.microsoft.com/office/drawing/2017/decorative" val="1"/>
+              </a:ext>
+            </a:extLst>
+          </p:cNvPr>
+          <p:cNvCxnSpPr>
+            <a:cxnSpLocks noGrp="1" noRot="1" noChangeAspect="1" noMove="1" noResize="1" noEditPoints="1" noAdjustHandles="1" noChangeArrowheads="1" noChangeShapeType="1"/>
+          </p:cNvCxnSpPr>
+          <p:nvPr>
+            <p:extLst>
+              <p:ext uri="{386F3935-93C4-4BCD-93E2-E3B085C9AB24}">
+                <p16:designElem xmlns:p16="http://schemas.microsoft.com/office/powerpoint/2015/main" val="1"/>
+              </p:ext>
+            </p:extLst>
+          </p:nvPr>
+        </p:nvCxnSpPr>
+        <p:spPr>
+          <a:xfrm>
+            <a:off x="800100" y="6142781"/>
+            <a:ext cx="10591800" cy="0"/>
+          </a:xfrm>
+          <a:prstGeom prst="line">
+            <a:avLst/>
+          </a:prstGeom>
+          <a:ln w="12700">
+            <a:solidFill>
+              <a:schemeClr val="tx1"/>
+            </a:solidFill>
+          </a:ln>
+        </p:spPr>
+        <p:style>
+          <a:lnRef idx="1">
+            <a:schemeClr val="accent1"/>
+          </a:lnRef>
+          <a:fillRef idx="0">
+            <a:schemeClr val="accent1"/>
+          </a:fillRef>
+          <a:effectRef idx="0">
+            <a:schemeClr val="accent1"/>
+          </a:effectRef>
+          <a:fontRef idx="minor">
+            <a:schemeClr val="tx1"/>
+          </a:fontRef>
+        </p:style>
+      </p:cxnSp>
+      <p:sp useBgFill="1">
+        <p:nvSpPr>
+          <p:cNvPr id="21" name="Rectangle 20">
+            <a:extLst>
+              <a:ext uri="{FF2B5EF4-FFF2-40B4-BE49-F238E27FC236}">
+                <a16:creationId xmlns:a16="http://schemas.microsoft.com/office/drawing/2014/main" id="{33E93247-6229-44AB-A550-739E971E690B}"/>
+              </a:ext>
+              <a:ext uri="{C183D7F6-B498-43B3-948B-1728B52AA6E4}">
+                <adec:decorative xmlns:adec="http://schemas.microsoft.com/office/drawing/2017/decorative" val="1"/>
+              </a:ext>
+            </a:extLst>
+          </p:cNvPr>
+          <p:cNvSpPr>
+            <a:spLocks noGrp="1" noRot="1" noChangeAspect="1" noMove="1" noResize="1" noEditPoints="1" noAdjustHandles="1" noChangeArrowheads="1" noChangeShapeType="1" noTextEdit="1"/>
+          </p:cNvSpPr>
+          <p:nvPr>
+            <p:extLst>
+              <p:ext uri="{386F3935-93C4-4BCD-93E2-E3B085C9AB24}">
+                <p16:designElem xmlns:p16="http://schemas.microsoft.com/office/powerpoint/2015/main" val="1"/>
+              </p:ext>
+            </p:extLst>
+          </p:nvPr>
+        </p:nvSpPr>
+        <p:spPr>
+          <a:xfrm>
+            <a:off x="0" y="0"/>
+            <a:ext cx="12192000" cy="6858000"/>
+          </a:xfrm>
+          <a:prstGeom prst="rect">
+            <a:avLst/>
+          </a:prstGeom>
+          <a:ln w="12700" cap="flat" cmpd="sng" algn="ctr">
+            <a:noFill/>
+            <a:prstDash val="solid"/>
+            <a:miter lim="800000"/>
+          </a:ln>
+          <a:effectLst/>
+          <a:extLst>
+            <a:ext uri="{91240B29-F687-4F45-9708-019B960494DF}">
+              <a14:hiddenLine xmlns:a14="http://schemas.microsoft.com/office/drawing/2010/main" w="12700" cap="flat" cmpd="sng" algn="ctr">
+                <a:solidFill>
+                  <a:schemeClr val="accent1">
+                    <a:shade val="50000"/>
+                  </a:schemeClr>
+                </a:solidFill>
+                <a:prstDash val="solid"/>
+                <a:miter lim="800000"/>
+              </a14:hiddenLine>
+            </a:ext>
+          </a:extLst>
+        </p:spPr>
+        <p:style>
+          <a:lnRef idx="2">
+            <a:schemeClr val="accent1">
+              <a:shade val="50000"/>
+            </a:schemeClr>
+          </a:lnRef>
+          <a:fillRef idx="1">
+            <a:schemeClr val="accent1"/>
+          </a:fillRef>
+          <a:effectRef idx="0">
+            <a:schemeClr val="accent1"/>
+          </a:effectRef>
+          <a:fontRef idx="minor">
+            <a:schemeClr val="lt1"/>
+          </a:fontRef>
+        </p:style>
+        <p:txBody>
+          <a:bodyPr rtlCol="0" anchor="ctr"/>
+          <a:lstStyle/>
+          <a:p>
+            <a:pPr algn="ctr"/>
+            <a:endParaRPr lang="en-US"/>
+          </a:p>
+        </p:txBody>
+      </p:sp>
       <p:sp>
         <p:nvSpPr>
           <p:cNvPr id="2" name="Title 1">
@@ -21209,43 +22533,167 @@
             <p:ph type="title"/>
           </p:nvPr>
         </p:nvSpPr>
-        <p:spPr/>
+        <p:spPr>
+          <a:xfrm>
+            <a:off x="8138159" y="1177348"/>
+            <a:ext cx="3330906" cy="3441068"/>
+          </a:xfrm>
+        </p:spPr>
         <p:txBody>
-          <a:bodyPr/>
+          <a:bodyPr vert="horz" lIns="91440" tIns="45720" rIns="91440" bIns="45720" rtlCol="0" anchor="t">
+            <a:normAutofit/>
+          </a:bodyPr>
           <a:lstStyle/>
           <a:p>
             <a:r>
-              <a:rPr lang="en-CA" dirty="0"/>
-              <a:t>Setup</a:t>
+              <a:rPr lang="en-US" sz="3900" dirty="0"/>
+              <a:t>Setup – Raspberry pi os installation </a:t>
             </a:r>
           </a:p>
         </p:txBody>
       </p:sp>
-      <p:sp>
-        <p:nvSpPr>
-          <p:cNvPr id="3" name="Content Placeholder 2">
+      <p:cxnSp>
+        <p:nvCxnSpPr>
+          <p:cNvPr id="22" name="Straight Connector 21">
             <a:extLst>
               <a:ext uri="{FF2B5EF4-FFF2-40B4-BE49-F238E27FC236}">
-                <a16:creationId xmlns:a16="http://schemas.microsoft.com/office/drawing/2014/main" id="{7456A87B-4023-A72C-3715-26A60611CB28}"/>
+                <a16:creationId xmlns:a16="http://schemas.microsoft.com/office/drawing/2014/main" id="{EE2E603F-4A95-4FE8-BB06-211DFD75DBEF}"/>
+              </a:ext>
+              <a:ext uri="{C183D7F6-B498-43B3-948B-1728B52AA6E4}">
+                <adec:decorative xmlns:adec="http://schemas.microsoft.com/office/drawing/2017/decorative" val="1"/>
               </a:ext>
             </a:extLst>
           </p:cNvPr>
-          <p:cNvSpPr>
-            <a:spLocks noGrp="1"/>
-          </p:cNvSpPr>
+          <p:cNvCxnSpPr>
+            <a:cxnSpLocks noGrp="1" noRot="1" noChangeAspect="1" noMove="1" noResize="1" noEditPoints="1" noAdjustHandles="1" noChangeArrowheads="1" noChangeShapeType="1"/>
+          </p:cNvCxnSpPr>
+          <p:nvPr>
+            <p:extLst>
+              <p:ext uri="{386F3935-93C4-4BCD-93E2-E3B085C9AB24}">
+                <p16:designElem xmlns:p16="http://schemas.microsoft.com/office/powerpoint/2015/main" val="1"/>
+              </p:ext>
+            </p:extLst>
+          </p:nvPr>
+        </p:nvCxnSpPr>
+        <p:spPr>
+          <a:xfrm>
+            <a:off x="800100" y="723900"/>
+            <a:ext cx="10591800" cy="0"/>
+          </a:xfrm>
+          <a:prstGeom prst="line">
+            <a:avLst/>
+          </a:prstGeom>
+          <a:ln w="44450">
+            <a:solidFill>
+              <a:schemeClr val="tx1"/>
+            </a:solidFill>
+          </a:ln>
+        </p:spPr>
+        <p:style>
+          <a:lnRef idx="1">
+            <a:schemeClr val="accent1"/>
+          </a:lnRef>
+          <a:fillRef idx="0">
+            <a:schemeClr val="accent1"/>
+          </a:fillRef>
+          <a:effectRef idx="0">
+            <a:schemeClr val="accent1"/>
+          </a:effectRef>
+          <a:fontRef idx="minor">
+            <a:schemeClr val="tx1"/>
+          </a:fontRef>
+        </p:style>
+      </p:cxnSp>
+      <p:pic>
+        <p:nvPicPr>
+          <p:cNvPr id="5" name="Content Placeholder 4" descr="A screenshot of a computer&#10;&#10;AI-generated content may be incorrect.">
+            <a:extLst>
+              <a:ext uri="{FF2B5EF4-FFF2-40B4-BE49-F238E27FC236}">
+                <a16:creationId xmlns:a16="http://schemas.microsoft.com/office/drawing/2014/main" id="{73CC08C9-C5D0-CFF7-5FAF-C7E42A741CCC}"/>
+              </a:ext>
+            </a:extLst>
+          </p:cNvPr>
+          <p:cNvPicPr>
+            <a:picLocks noGrp="1" noChangeAspect="1"/>
+          </p:cNvPicPr>
           <p:nvPr>
             <p:ph idx="1"/>
           </p:nvPr>
-        </p:nvSpPr>
-        <p:spPr/>
-        <p:txBody>
-          <a:bodyPr/>
-          <a:lstStyle/>
-          <a:p>
-            <a:endParaRPr lang="en-CA"/>
-          </a:p>
-        </p:txBody>
-      </p:sp>
+        </p:nvPicPr>
+        <p:blipFill>
+          <a:blip r:embed="rId2">
+            <a:extLst>
+              <a:ext uri="{28A0092B-C50C-407E-A947-70E740481C1C}">
+                <a14:useLocalDpi xmlns:a14="http://schemas.microsoft.com/office/drawing/2010/main" val="0"/>
+              </a:ext>
+            </a:extLst>
+          </a:blip>
+          <a:stretch>
+            <a:fillRect/>
+          </a:stretch>
+        </p:blipFill>
+        <p:spPr>
+          <a:xfrm>
+            <a:off x="722935" y="917991"/>
+            <a:ext cx="7179970" cy="5025979"/>
+          </a:xfrm>
+          <a:prstGeom prst="rect">
+            <a:avLst/>
+          </a:prstGeom>
+        </p:spPr>
+      </p:pic>
+      <p:cxnSp>
+        <p:nvCxnSpPr>
+          <p:cNvPr id="18" name="Straight Connector 17">
+            <a:extLst>
+              <a:ext uri="{FF2B5EF4-FFF2-40B4-BE49-F238E27FC236}">
+                <a16:creationId xmlns:a16="http://schemas.microsoft.com/office/drawing/2014/main" id="{D7CC41EB-2D81-4303-9171-6401B388BA35}"/>
+              </a:ext>
+              <a:ext uri="{C183D7F6-B498-43B3-948B-1728B52AA6E4}">
+                <adec:decorative xmlns:adec="http://schemas.microsoft.com/office/drawing/2017/decorative" val="1"/>
+              </a:ext>
+            </a:extLst>
+          </p:cNvPr>
+          <p:cNvCxnSpPr>
+            <a:cxnSpLocks noGrp="1" noRot="1" noChangeAspect="1" noMove="1" noResize="1" noEditPoints="1" noAdjustHandles="1" noChangeArrowheads="1" noChangeShapeType="1"/>
+          </p:cNvCxnSpPr>
+          <p:nvPr>
+            <p:extLst>
+              <p:ext uri="{386F3935-93C4-4BCD-93E2-E3B085C9AB24}">
+                <p16:designElem xmlns:p16="http://schemas.microsoft.com/office/powerpoint/2015/main" val="1"/>
+              </p:ext>
+            </p:extLst>
+          </p:nvPr>
+        </p:nvCxnSpPr>
+        <p:spPr>
+          <a:xfrm>
+            <a:off x="800100" y="6134885"/>
+            <a:ext cx="10591800" cy="0"/>
+          </a:xfrm>
+          <a:prstGeom prst="line">
+            <a:avLst/>
+          </a:prstGeom>
+          <a:ln w="12700">
+            <a:solidFill>
+              <a:schemeClr val="tx1"/>
+            </a:solidFill>
+          </a:ln>
+        </p:spPr>
+        <p:style>
+          <a:lnRef idx="1">
+            <a:schemeClr val="accent1"/>
+          </a:lnRef>
+          <a:fillRef idx="0">
+            <a:schemeClr val="accent1"/>
+          </a:fillRef>
+          <a:effectRef idx="0">
+            <a:schemeClr val="accent1"/>
+          </a:effectRef>
+          <a:fontRef idx="minor">
+            <a:schemeClr val="tx1"/>
+          </a:fontRef>
+        </p:style>
+      </p:cxnSp>
     </p:spTree>
     <p:extLst>
       <p:ext uri="{BB962C8B-B14F-4D97-AF65-F5344CB8AC3E}">
@@ -21298,7 +22746,7 @@
             <p:ph idx="1"/>
             <p:extLst>
               <p:ext uri="{D42A27DB-BD31-4B8C-83A1-F6EECF244321}">
-                <p14:modId xmlns:p14="http://schemas.microsoft.com/office/powerpoint/2010/main" val="3610020296"/>
+                <p14:modId xmlns:p14="http://schemas.microsoft.com/office/powerpoint/2010/main" val="3458503554"/>
               </p:ext>
             </p:extLst>
           </p:nvPr>
